--- a/materials/slides/ch10.pptx
+++ b/materials/slides/ch10.pptx
@@ -5,7 +5,7 @@
     <p:sldMasterId id="2147483669" r:id="rId1"/>
   </p:sldMasterIdLst>
   <p:notesMasterIdLst>
-    <p:notesMasterId r:id="rId42"/>
+    <p:notesMasterId r:id="rId51"/>
   </p:notesMasterIdLst>
   <p:sldIdLst>
     <p:sldId id="351" r:id="rId2"/>
@@ -35,19 +35,28 @@
     <p:sldId id="684" r:id="rId26"/>
     <p:sldId id="685" r:id="rId27"/>
     <p:sldId id="686" r:id="rId28"/>
-    <p:sldId id="687" r:id="rId29"/>
-    <p:sldId id="688" r:id="rId30"/>
-    <p:sldId id="689" r:id="rId31"/>
-    <p:sldId id="704" r:id="rId32"/>
-    <p:sldId id="691" r:id="rId33"/>
-    <p:sldId id="692" r:id="rId34"/>
-    <p:sldId id="693" r:id="rId35"/>
-    <p:sldId id="694" r:id="rId36"/>
-    <p:sldId id="695" r:id="rId37"/>
-    <p:sldId id="696" r:id="rId38"/>
-    <p:sldId id="697" r:id="rId39"/>
-    <p:sldId id="700" r:id="rId40"/>
-    <p:sldId id="262" r:id="rId41"/>
+    <p:sldId id="705" r:id="rId29"/>
+    <p:sldId id="706" r:id="rId30"/>
+    <p:sldId id="707" r:id="rId31"/>
+    <p:sldId id="708" r:id="rId32"/>
+    <p:sldId id="709" r:id="rId33"/>
+    <p:sldId id="710" r:id="rId34"/>
+    <p:sldId id="711" r:id="rId35"/>
+    <p:sldId id="712" r:id="rId36"/>
+    <p:sldId id="713" r:id="rId37"/>
+    <p:sldId id="714" r:id="rId38"/>
+    <p:sldId id="715" r:id="rId39"/>
+    <p:sldId id="716" r:id="rId40"/>
+    <p:sldId id="704" r:id="rId41"/>
+    <p:sldId id="691" r:id="rId42"/>
+    <p:sldId id="692" r:id="rId43"/>
+    <p:sldId id="693" r:id="rId44"/>
+    <p:sldId id="694" r:id="rId45"/>
+    <p:sldId id="695" r:id="rId46"/>
+    <p:sldId id="696" r:id="rId47"/>
+    <p:sldId id="697" r:id="rId48"/>
+    <p:sldId id="700" r:id="rId49"/>
+    <p:sldId id="262" r:id="rId50"/>
   </p:sldIdLst>
   <p:sldSz cx="12192000" cy="6858000"/>
   <p:notesSz cx="6858000" cy="9144000"/>
@@ -148,7 +157,7 @@
   </p:defaultTextStyle>
   <p:extLst>
     <p:ext uri="{EFAFB233-063F-42B5-8137-9DF3F51BA10A}">
-      <p15:sldGuideLst xmlns:p15="http://schemas.microsoft.com/office/powerpoint/2012/main">
+      <p15:sldGuideLst xmlns="" xmlns:p15="http://schemas.microsoft.com/office/powerpoint/2012/main">
         <p15:guide id="1" orient="horz" pos="2160" userDrawn="1">
           <p15:clr>
             <a:srgbClr val="A4A3A4"/>
@@ -170,7 +179,7 @@
   <p:cmAuthor id="1" name="Eetze" initials="E" lastIdx="1" clrIdx="0">
     <p:extLst>
       <p:ext uri="{19B8F6BF-5375-455C-9EA6-DF929625EA0E}">
-        <p15:presenceInfo xmlns:p15="http://schemas.microsoft.com/office/powerpoint/2012/main" userId="Eetze" providerId="None"/>
+        <p15:presenceInfo xmlns="" xmlns:p15="http://schemas.microsoft.com/office/powerpoint/2012/main" userId="Eetze" providerId="None"/>
       </p:ext>
     </p:extLst>
   </p:cmAuthor>
@@ -259,7 +268,7 @@
           <a:p>
             <a:fld id="{A097A4FE-15A4-4468-9890-CEB24014ACB3}" type="datetimeFigureOut">
               <a:rPr lang="zh-CN" altLang="en-US" smtClean="0"/>
-              <a:t>2018/4/7</a:t>
+              <a:t>2018/11/6</a:t>
             </a:fld>
             <a:endParaRPr lang="zh-CN" altLang="en-US"/>
           </a:p>
@@ -1951,7 +1960,7 @@
     </p:spTree>
     <p:extLst>
       <p:ext uri="{BB962C8B-B14F-4D97-AF65-F5344CB8AC3E}">
-        <p14:creationId xmlns:p14="http://schemas.microsoft.com/office/powerpoint/2010/main" val="1848015481"/>
+        <p14:creationId xmlns:p14="http://schemas.microsoft.com/office/powerpoint/2010/main" val="1485545153"/>
       </p:ext>
     </p:extLst>
   </p:cSld>
@@ -2035,7 +2044,7 @@
     </p:spTree>
     <p:extLst>
       <p:ext uri="{BB962C8B-B14F-4D97-AF65-F5344CB8AC3E}">
-        <p14:creationId xmlns:p14="http://schemas.microsoft.com/office/powerpoint/2010/main" val="3378116925"/>
+        <p14:creationId xmlns:p14="http://schemas.microsoft.com/office/powerpoint/2010/main" val="1522933895"/>
       </p:ext>
     </p:extLst>
   </p:cSld>
@@ -2110,7 +2119,7 @@
           <a:p>
             <a:fld id="{67AFED13-18EC-4853-B935-6E23F2540B2D}" type="slidenum">
               <a:rPr lang="zh-CN" altLang="en-US" smtClean="0"/>
-              <a:t>32</a:t>
+              <a:t>31</a:t>
             </a:fld>
             <a:endParaRPr lang="zh-CN" altLang="en-US"/>
           </a:p>
@@ -2119,7 +2128,7 @@
     </p:spTree>
     <p:extLst>
       <p:ext uri="{BB962C8B-B14F-4D97-AF65-F5344CB8AC3E}">
-        <p14:creationId xmlns:p14="http://schemas.microsoft.com/office/powerpoint/2010/main" val="3447669538"/>
+        <p14:creationId xmlns:p14="http://schemas.microsoft.com/office/powerpoint/2010/main" val="1848015481"/>
       </p:ext>
     </p:extLst>
   </p:cSld>
@@ -2194,7 +2203,7 @@
           <a:p>
             <a:fld id="{67AFED13-18EC-4853-B935-6E23F2540B2D}" type="slidenum">
               <a:rPr lang="zh-CN" altLang="en-US" smtClean="0"/>
-              <a:t>33</a:t>
+              <a:t>32</a:t>
             </a:fld>
             <a:endParaRPr lang="zh-CN" altLang="en-US"/>
           </a:p>
@@ -2203,7 +2212,7 @@
     </p:spTree>
     <p:extLst>
       <p:ext uri="{BB962C8B-B14F-4D97-AF65-F5344CB8AC3E}">
-        <p14:creationId xmlns:p14="http://schemas.microsoft.com/office/powerpoint/2010/main" val="1899591252"/>
+        <p14:creationId xmlns:p14="http://schemas.microsoft.com/office/powerpoint/2010/main" val="4106401633"/>
       </p:ext>
     </p:extLst>
   </p:cSld>
@@ -2278,7 +2287,7 @@
           <a:p>
             <a:fld id="{67AFED13-18EC-4853-B935-6E23F2540B2D}" type="slidenum">
               <a:rPr lang="zh-CN" altLang="en-US" smtClean="0"/>
-              <a:t>34</a:t>
+              <a:t>33</a:t>
             </a:fld>
             <a:endParaRPr lang="zh-CN" altLang="en-US"/>
           </a:p>
@@ -2287,7 +2296,7 @@
     </p:spTree>
     <p:extLst>
       <p:ext uri="{BB962C8B-B14F-4D97-AF65-F5344CB8AC3E}">
-        <p14:creationId xmlns:p14="http://schemas.microsoft.com/office/powerpoint/2010/main" val="3667332234"/>
+        <p14:creationId xmlns:p14="http://schemas.microsoft.com/office/powerpoint/2010/main" val="1460307685"/>
       </p:ext>
     </p:extLst>
   </p:cSld>
@@ -2362,7 +2371,7 @@
           <a:p>
             <a:fld id="{67AFED13-18EC-4853-B935-6E23F2540B2D}" type="slidenum">
               <a:rPr lang="zh-CN" altLang="en-US" smtClean="0"/>
-              <a:t>35</a:t>
+              <a:t>34</a:t>
             </a:fld>
             <a:endParaRPr lang="zh-CN" altLang="en-US"/>
           </a:p>
@@ -2371,7 +2380,7 @@
     </p:spTree>
     <p:extLst>
       <p:ext uri="{BB962C8B-B14F-4D97-AF65-F5344CB8AC3E}">
-        <p14:creationId xmlns:p14="http://schemas.microsoft.com/office/powerpoint/2010/main" val="3279826833"/>
+        <p14:creationId xmlns:p14="http://schemas.microsoft.com/office/powerpoint/2010/main" val="3378116925"/>
       </p:ext>
     </p:extLst>
   </p:cSld>
@@ -2530,7 +2539,7 @@
           <a:p>
             <a:fld id="{67AFED13-18EC-4853-B935-6E23F2540B2D}" type="slidenum">
               <a:rPr lang="zh-CN" altLang="en-US" smtClean="0"/>
-              <a:t>36</a:t>
+              <a:t>35</a:t>
             </a:fld>
             <a:endParaRPr lang="zh-CN" altLang="en-US"/>
           </a:p>
@@ -2539,7 +2548,7 @@
     </p:spTree>
     <p:extLst>
       <p:ext uri="{BB962C8B-B14F-4D97-AF65-F5344CB8AC3E}">
-        <p14:creationId xmlns:p14="http://schemas.microsoft.com/office/powerpoint/2010/main" val="453683310"/>
+        <p14:creationId xmlns:p14="http://schemas.microsoft.com/office/powerpoint/2010/main" val="408280799"/>
       </p:ext>
     </p:extLst>
   </p:cSld>
@@ -2614,7 +2623,7 @@
           <a:p>
             <a:fld id="{67AFED13-18EC-4853-B935-6E23F2540B2D}" type="slidenum">
               <a:rPr lang="zh-CN" altLang="en-US" smtClean="0"/>
-              <a:t>37</a:t>
+              <a:t>36</a:t>
             </a:fld>
             <a:endParaRPr lang="zh-CN" altLang="en-US"/>
           </a:p>
@@ -2623,7 +2632,7 @@
     </p:spTree>
     <p:extLst>
       <p:ext uri="{BB962C8B-B14F-4D97-AF65-F5344CB8AC3E}">
-        <p14:creationId xmlns:p14="http://schemas.microsoft.com/office/powerpoint/2010/main" val="4190442903"/>
+        <p14:creationId xmlns:p14="http://schemas.microsoft.com/office/powerpoint/2010/main" val="1605132980"/>
       </p:ext>
     </p:extLst>
   </p:cSld>
@@ -2698,7 +2707,7 @@
           <a:p>
             <a:fld id="{67AFED13-18EC-4853-B935-6E23F2540B2D}" type="slidenum">
               <a:rPr lang="zh-CN" altLang="en-US" smtClean="0"/>
-              <a:t>38</a:t>
+              <a:t>37</a:t>
             </a:fld>
             <a:endParaRPr lang="zh-CN" altLang="en-US"/>
           </a:p>
@@ -2707,7 +2716,595 @@
     </p:spTree>
     <p:extLst>
       <p:ext uri="{BB962C8B-B14F-4D97-AF65-F5344CB8AC3E}">
-        <p14:creationId xmlns:p14="http://schemas.microsoft.com/office/powerpoint/2010/main" val="1781869165"/>
+        <p14:creationId xmlns:p14="http://schemas.microsoft.com/office/powerpoint/2010/main" val="790192956"/>
+      </p:ext>
+    </p:extLst>
+  </p:cSld>
+  <p:clrMapOvr>
+    <a:masterClrMapping/>
+  </p:clrMapOvr>
+</p:notes>
+</file>
+
+<file path=ppt/notesSlides/notesSlide33.xml><?xml version="1.0" encoding="utf-8"?>
+<p:notes xmlns:a="http://schemas.openxmlformats.org/drawingml/2006/main" xmlns:r="http://schemas.openxmlformats.org/officeDocument/2006/relationships" xmlns:p="http://schemas.openxmlformats.org/presentationml/2006/main">
+  <p:cSld>
+    <p:spTree>
+      <p:nvGrpSpPr>
+        <p:cNvPr id="1" name=""/>
+        <p:cNvGrpSpPr/>
+        <p:nvPr/>
+      </p:nvGrpSpPr>
+      <p:grpSpPr>
+        <a:xfrm>
+          <a:off x="0" y="0"/>
+          <a:ext cx="0" cy="0"/>
+          <a:chOff x="0" y="0"/>
+          <a:chExt cx="0" cy="0"/>
+        </a:xfrm>
+      </p:grpSpPr>
+      <p:sp>
+        <p:nvSpPr>
+          <p:cNvPr id="2" name="幻灯片图像占位符 1"/>
+          <p:cNvSpPr>
+            <a:spLocks noGrp="1" noRot="1" noChangeAspect="1"/>
+          </p:cNvSpPr>
+          <p:nvPr>
+            <p:ph type="sldImg"/>
+          </p:nvPr>
+        </p:nvSpPr>
+        <p:spPr/>
+      </p:sp>
+      <p:sp>
+        <p:nvSpPr>
+          <p:cNvPr id="3" name="备注占位符 2"/>
+          <p:cNvSpPr>
+            <a:spLocks noGrp="1"/>
+          </p:cNvSpPr>
+          <p:nvPr>
+            <p:ph type="body" idx="1"/>
+          </p:nvPr>
+        </p:nvSpPr>
+        <p:spPr/>
+        <p:txBody>
+          <a:bodyPr/>
+          <a:lstStyle/>
+          <a:p>
+            <a:endParaRPr lang="zh-CN" altLang="en-US" dirty="0"/>
+          </a:p>
+        </p:txBody>
+      </p:sp>
+      <p:sp>
+        <p:nvSpPr>
+          <p:cNvPr id="4" name="灯片编号占位符 3"/>
+          <p:cNvSpPr>
+            <a:spLocks noGrp="1"/>
+          </p:cNvSpPr>
+          <p:nvPr>
+            <p:ph type="sldNum" sz="quarter" idx="10"/>
+          </p:nvPr>
+        </p:nvSpPr>
+        <p:spPr/>
+        <p:txBody>
+          <a:bodyPr/>
+          <a:lstStyle/>
+          <a:p>
+            <a:fld id="{67AFED13-18EC-4853-B935-6E23F2540B2D}" type="slidenum">
+              <a:rPr lang="zh-CN" altLang="en-US" smtClean="0"/>
+              <a:t>38</a:t>
+            </a:fld>
+            <a:endParaRPr lang="zh-CN" altLang="en-US"/>
+          </a:p>
+        </p:txBody>
+      </p:sp>
+    </p:spTree>
+    <p:extLst>
+      <p:ext uri="{BB962C8B-B14F-4D97-AF65-F5344CB8AC3E}">
+        <p14:creationId xmlns:p14="http://schemas.microsoft.com/office/powerpoint/2010/main" val="3256107430"/>
+      </p:ext>
+    </p:extLst>
+  </p:cSld>
+  <p:clrMapOvr>
+    <a:masterClrMapping/>
+  </p:clrMapOvr>
+</p:notes>
+</file>
+
+<file path=ppt/notesSlides/notesSlide34.xml><?xml version="1.0" encoding="utf-8"?>
+<p:notes xmlns:a="http://schemas.openxmlformats.org/drawingml/2006/main" xmlns:r="http://schemas.openxmlformats.org/officeDocument/2006/relationships" xmlns:p="http://schemas.openxmlformats.org/presentationml/2006/main">
+  <p:cSld>
+    <p:spTree>
+      <p:nvGrpSpPr>
+        <p:cNvPr id="1" name=""/>
+        <p:cNvGrpSpPr/>
+        <p:nvPr/>
+      </p:nvGrpSpPr>
+      <p:grpSpPr>
+        <a:xfrm>
+          <a:off x="0" y="0"/>
+          <a:ext cx="0" cy="0"/>
+          <a:chOff x="0" y="0"/>
+          <a:chExt cx="0" cy="0"/>
+        </a:xfrm>
+      </p:grpSpPr>
+      <p:sp>
+        <p:nvSpPr>
+          <p:cNvPr id="2" name="幻灯片图像占位符 1"/>
+          <p:cNvSpPr>
+            <a:spLocks noGrp="1" noRot="1" noChangeAspect="1"/>
+          </p:cNvSpPr>
+          <p:nvPr>
+            <p:ph type="sldImg"/>
+          </p:nvPr>
+        </p:nvSpPr>
+        <p:spPr/>
+      </p:sp>
+      <p:sp>
+        <p:nvSpPr>
+          <p:cNvPr id="3" name="备注占位符 2"/>
+          <p:cNvSpPr>
+            <a:spLocks noGrp="1"/>
+          </p:cNvSpPr>
+          <p:nvPr>
+            <p:ph type="body" idx="1"/>
+          </p:nvPr>
+        </p:nvSpPr>
+        <p:spPr/>
+        <p:txBody>
+          <a:bodyPr/>
+          <a:lstStyle/>
+          <a:p>
+            <a:endParaRPr lang="zh-CN" altLang="en-US" dirty="0"/>
+          </a:p>
+        </p:txBody>
+      </p:sp>
+      <p:sp>
+        <p:nvSpPr>
+          <p:cNvPr id="4" name="灯片编号占位符 3"/>
+          <p:cNvSpPr>
+            <a:spLocks noGrp="1"/>
+          </p:cNvSpPr>
+          <p:nvPr>
+            <p:ph type="sldNum" sz="quarter" idx="10"/>
+          </p:nvPr>
+        </p:nvSpPr>
+        <p:spPr/>
+        <p:txBody>
+          <a:bodyPr/>
+          <a:lstStyle/>
+          <a:p>
+            <a:fld id="{67AFED13-18EC-4853-B935-6E23F2540B2D}" type="slidenum">
+              <a:rPr lang="zh-CN" altLang="en-US" smtClean="0"/>
+              <a:t>39</a:t>
+            </a:fld>
+            <a:endParaRPr lang="zh-CN" altLang="en-US"/>
+          </a:p>
+        </p:txBody>
+      </p:sp>
+    </p:spTree>
+    <p:extLst>
+      <p:ext uri="{BB962C8B-B14F-4D97-AF65-F5344CB8AC3E}">
+        <p14:creationId xmlns:p14="http://schemas.microsoft.com/office/powerpoint/2010/main" val="4068340711"/>
+      </p:ext>
+    </p:extLst>
+  </p:cSld>
+  <p:clrMapOvr>
+    <a:masterClrMapping/>
+  </p:clrMapOvr>
+</p:notes>
+</file>
+
+<file path=ppt/notesSlides/notesSlide35.xml><?xml version="1.0" encoding="utf-8"?>
+<p:notes xmlns:a="http://schemas.openxmlformats.org/drawingml/2006/main" xmlns:r="http://schemas.openxmlformats.org/officeDocument/2006/relationships" xmlns:p="http://schemas.openxmlformats.org/presentationml/2006/main">
+  <p:cSld>
+    <p:spTree>
+      <p:nvGrpSpPr>
+        <p:cNvPr id="1" name=""/>
+        <p:cNvGrpSpPr/>
+        <p:nvPr/>
+      </p:nvGrpSpPr>
+      <p:grpSpPr>
+        <a:xfrm>
+          <a:off x="0" y="0"/>
+          <a:ext cx="0" cy="0"/>
+          <a:chOff x="0" y="0"/>
+          <a:chExt cx="0" cy="0"/>
+        </a:xfrm>
+      </p:grpSpPr>
+      <p:sp>
+        <p:nvSpPr>
+          <p:cNvPr id="2" name="幻灯片图像占位符 1"/>
+          <p:cNvSpPr>
+            <a:spLocks noGrp="1" noRot="1" noChangeAspect="1"/>
+          </p:cNvSpPr>
+          <p:nvPr>
+            <p:ph type="sldImg"/>
+          </p:nvPr>
+        </p:nvSpPr>
+        <p:spPr/>
+      </p:sp>
+      <p:sp>
+        <p:nvSpPr>
+          <p:cNvPr id="3" name="备注占位符 2"/>
+          <p:cNvSpPr>
+            <a:spLocks noGrp="1"/>
+          </p:cNvSpPr>
+          <p:nvPr>
+            <p:ph type="body" idx="1"/>
+          </p:nvPr>
+        </p:nvSpPr>
+        <p:spPr/>
+        <p:txBody>
+          <a:bodyPr/>
+          <a:lstStyle/>
+          <a:p>
+            <a:endParaRPr lang="zh-CN" altLang="en-US" dirty="0"/>
+          </a:p>
+        </p:txBody>
+      </p:sp>
+      <p:sp>
+        <p:nvSpPr>
+          <p:cNvPr id="4" name="灯片编号占位符 3"/>
+          <p:cNvSpPr>
+            <a:spLocks noGrp="1"/>
+          </p:cNvSpPr>
+          <p:nvPr>
+            <p:ph type="sldNum" sz="quarter" idx="10"/>
+          </p:nvPr>
+        </p:nvSpPr>
+        <p:spPr/>
+        <p:txBody>
+          <a:bodyPr/>
+          <a:lstStyle/>
+          <a:p>
+            <a:fld id="{67AFED13-18EC-4853-B935-6E23F2540B2D}" type="slidenum">
+              <a:rPr lang="zh-CN" altLang="en-US" smtClean="0"/>
+              <a:t>41</a:t>
+            </a:fld>
+            <a:endParaRPr lang="zh-CN" altLang="en-US"/>
+          </a:p>
+        </p:txBody>
+      </p:sp>
+    </p:spTree>
+    <p:extLst>
+      <p:ext uri="{BB962C8B-B14F-4D97-AF65-F5344CB8AC3E}">
+        <p14:creationId xmlns:p14="http://schemas.microsoft.com/office/powerpoint/2010/main" val="3447669538"/>
+      </p:ext>
+    </p:extLst>
+  </p:cSld>
+  <p:clrMapOvr>
+    <a:masterClrMapping/>
+  </p:clrMapOvr>
+</p:notes>
+</file>
+
+<file path=ppt/notesSlides/notesSlide36.xml><?xml version="1.0" encoding="utf-8"?>
+<p:notes xmlns:a="http://schemas.openxmlformats.org/drawingml/2006/main" xmlns:r="http://schemas.openxmlformats.org/officeDocument/2006/relationships" xmlns:p="http://schemas.openxmlformats.org/presentationml/2006/main">
+  <p:cSld>
+    <p:spTree>
+      <p:nvGrpSpPr>
+        <p:cNvPr id="1" name=""/>
+        <p:cNvGrpSpPr/>
+        <p:nvPr/>
+      </p:nvGrpSpPr>
+      <p:grpSpPr>
+        <a:xfrm>
+          <a:off x="0" y="0"/>
+          <a:ext cx="0" cy="0"/>
+          <a:chOff x="0" y="0"/>
+          <a:chExt cx="0" cy="0"/>
+        </a:xfrm>
+      </p:grpSpPr>
+      <p:sp>
+        <p:nvSpPr>
+          <p:cNvPr id="2" name="幻灯片图像占位符 1"/>
+          <p:cNvSpPr>
+            <a:spLocks noGrp="1" noRot="1" noChangeAspect="1"/>
+          </p:cNvSpPr>
+          <p:nvPr>
+            <p:ph type="sldImg"/>
+          </p:nvPr>
+        </p:nvSpPr>
+        <p:spPr/>
+      </p:sp>
+      <p:sp>
+        <p:nvSpPr>
+          <p:cNvPr id="3" name="备注占位符 2"/>
+          <p:cNvSpPr>
+            <a:spLocks noGrp="1"/>
+          </p:cNvSpPr>
+          <p:nvPr>
+            <p:ph type="body" idx="1"/>
+          </p:nvPr>
+        </p:nvSpPr>
+        <p:spPr/>
+        <p:txBody>
+          <a:bodyPr/>
+          <a:lstStyle/>
+          <a:p>
+            <a:endParaRPr lang="zh-CN" altLang="en-US" dirty="0"/>
+          </a:p>
+        </p:txBody>
+      </p:sp>
+      <p:sp>
+        <p:nvSpPr>
+          <p:cNvPr id="4" name="灯片编号占位符 3"/>
+          <p:cNvSpPr>
+            <a:spLocks noGrp="1"/>
+          </p:cNvSpPr>
+          <p:nvPr>
+            <p:ph type="sldNum" sz="quarter" idx="10"/>
+          </p:nvPr>
+        </p:nvSpPr>
+        <p:spPr/>
+        <p:txBody>
+          <a:bodyPr/>
+          <a:lstStyle/>
+          <a:p>
+            <a:fld id="{67AFED13-18EC-4853-B935-6E23F2540B2D}" type="slidenum">
+              <a:rPr lang="zh-CN" altLang="en-US" smtClean="0"/>
+              <a:t>42</a:t>
+            </a:fld>
+            <a:endParaRPr lang="zh-CN" altLang="en-US"/>
+          </a:p>
+        </p:txBody>
+      </p:sp>
+    </p:spTree>
+    <p:extLst>
+      <p:ext uri="{BB962C8B-B14F-4D97-AF65-F5344CB8AC3E}">
+        <p14:creationId xmlns:p14="http://schemas.microsoft.com/office/powerpoint/2010/main" val="1899591252"/>
+      </p:ext>
+    </p:extLst>
+  </p:cSld>
+  <p:clrMapOvr>
+    <a:masterClrMapping/>
+  </p:clrMapOvr>
+</p:notes>
+</file>
+
+<file path=ppt/notesSlides/notesSlide37.xml><?xml version="1.0" encoding="utf-8"?>
+<p:notes xmlns:a="http://schemas.openxmlformats.org/drawingml/2006/main" xmlns:r="http://schemas.openxmlformats.org/officeDocument/2006/relationships" xmlns:p="http://schemas.openxmlformats.org/presentationml/2006/main">
+  <p:cSld>
+    <p:spTree>
+      <p:nvGrpSpPr>
+        <p:cNvPr id="1" name=""/>
+        <p:cNvGrpSpPr/>
+        <p:nvPr/>
+      </p:nvGrpSpPr>
+      <p:grpSpPr>
+        <a:xfrm>
+          <a:off x="0" y="0"/>
+          <a:ext cx="0" cy="0"/>
+          <a:chOff x="0" y="0"/>
+          <a:chExt cx="0" cy="0"/>
+        </a:xfrm>
+      </p:grpSpPr>
+      <p:sp>
+        <p:nvSpPr>
+          <p:cNvPr id="2" name="幻灯片图像占位符 1"/>
+          <p:cNvSpPr>
+            <a:spLocks noGrp="1" noRot="1" noChangeAspect="1"/>
+          </p:cNvSpPr>
+          <p:nvPr>
+            <p:ph type="sldImg"/>
+          </p:nvPr>
+        </p:nvSpPr>
+        <p:spPr/>
+      </p:sp>
+      <p:sp>
+        <p:nvSpPr>
+          <p:cNvPr id="3" name="备注占位符 2"/>
+          <p:cNvSpPr>
+            <a:spLocks noGrp="1"/>
+          </p:cNvSpPr>
+          <p:nvPr>
+            <p:ph type="body" idx="1"/>
+          </p:nvPr>
+        </p:nvSpPr>
+        <p:spPr/>
+        <p:txBody>
+          <a:bodyPr/>
+          <a:lstStyle/>
+          <a:p>
+            <a:endParaRPr lang="zh-CN" altLang="en-US" dirty="0"/>
+          </a:p>
+        </p:txBody>
+      </p:sp>
+      <p:sp>
+        <p:nvSpPr>
+          <p:cNvPr id="4" name="灯片编号占位符 3"/>
+          <p:cNvSpPr>
+            <a:spLocks noGrp="1"/>
+          </p:cNvSpPr>
+          <p:nvPr>
+            <p:ph type="sldNum" sz="quarter" idx="10"/>
+          </p:nvPr>
+        </p:nvSpPr>
+        <p:spPr/>
+        <p:txBody>
+          <a:bodyPr/>
+          <a:lstStyle/>
+          <a:p>
+            <a:fld id="{67AFED13-18EC-4853-B935-6E23F2540B2D}" type="slidenum">
+              <a:rPr lang="zh-CN" altLang="en-US" smtClean="0"/>
+              <a:t>43</a:t>
+            </a:fld>
+            <a:endParaRPr lang="zh-CN" altLang="en-US"/>
+          </a:p>
+        </p:txBody>
+      </p:sp>
+    </p:spTree>
+    <p:extLst>
+      <p:ext uri="{BB962C8B-B14F-4D97-AF65-F5344CB8AC3E}">
+        <p14:creationId xmlns:p14="http://schemas.microsoft.com/office/powerpoint/2010/main" val="3667332234"/>
+      </p:ext>
+    </p:extLst>
+  </p:cSld>
+  <p:clrMapOvr>
+    <a:masterClrMapping/>
+  </p:clrMapOvr>
+</p:notes>
+</file>
+
+<file path=ppt/notesSlides/notesSlide38.xml><?xml version="1.0" encoding="utf-8"?>
+<p:notes xmlns:a="http://schemas.openxmlformats.org/drawingml/2006/main" xmlns:r="http://schemas.openxmlformats.org/officeDocument/2006/relationships" xmlns:p="http://schemas.openxmlformats.org/presentationml/2006/main">
+  <p:cSld>
+    <p:spTree>
+      <p:nvGrpSpPr>
+        <p:cNvPr id="1" name=""/>
+        <p:cNvGrpSpPr/>
+        <p:nvPr/>
+      </p:nvGrpSpPr>
+      <p:grpSpPr>
+        <a:xfrm>
+          <a:off x="0" y="0"/>
+          <a:ext cx="0" cy="0"/>
+          <a:chOff x="0" y="0"/>
+          <a:chExt cx="0" cy="0"/>
+        </a:xfrm>
+      </p:grpSpPr>
+      <p:sp>
+        <p:nvSpPr>
+          <p:cNvPr id="2" name="幻灯片图像占位符 1"/>
+          <p:cNvSpPr>
+            <a:spLocks noGrp="1" noRot="1" noChangeAspect="1"/>
+          </p:cNvSpPr>
+          <p:nvPr>
+            <p:ph type="sldImg"/>
+          </p:nvPr>
+        </p:nvSpPr>
+        <p:spPr/>
+      </p:sp>
+      <p:sp>
+        <p:nvSpPr>
+          <p:cNvPr id="3" name="备注占位符 2"/>
+          <p:cNvSpPr>
+            <a:spLocks noGrp="1"/>
+          </p:cNvSpPr>
+          <p:nvPr>
+            <p:ph type="body" idx="1"/>
+          </p:nvPr>
+        </p:nvSpPr>
+        <p:spPr/>
+        <p:txBody>
+          <a:bodyPr/>
+          <a:lstStyle/>
+          <a:p>
+            <a:endParaRPr lang="zh-CN" altLang="en-US" dirty="0"/>
+          </a:p>
+        </p:txBody>
+      </p:sp>
+      <p:sp>
+        <p:nvSpPr>
+          <p:cNvPr id="4" name="灯片编号占位符 3"/>
+          <p:cNvSpPr>
+            <a:spLocks noGrp="1"/>
+          </p:cNvSpPr>
+          <p:nvPr>
+            <p:ph type="sldNum" sz="quarter" idx="10"/>
+          </p:nvPr>
+        </p:nvSpPr>
+        <p:spPr/>
+        <p:txBody>
+          <a:bodyPr/>
+          <a:lstStyle/>
+          <a:p>
+            <a:fld id="{67AFED13-18EC-4853-B935-6E23F2540B2D}" type="slidenum">
+              <a:rPr lang="zh-CN" altLang="en-US" smtClean="0"/>
+              <a:t>44</a:t>
+            </a:fld>
+            <a:endParaRPr lang="zh-CN" altLang="en-US"/>
+          </a:p>
+        </p:txBody>
+      </p:sp>
+    </p:spTree>
+    <p:extLst>
+      <p:ext uri="{BB962C8B-B14F-4D97-AF65-F5344CB8AC3E}">
+        <p14:creationId xmlns:p14="http://schemas.microsoft.com/office/powerpoint/2010/main" val="3279826833"/>
+      </p:ext>
+    </p:extLst>
+  </p:cSld>
+  <p:clrMapOvr>
+    <a:masterClrMapping/>
+  </p:clrMapOvr>
+</p:notes>
+</file>
+
+<file path=ppt/notesSlides/notesSlide39.xml><?xml version="1.0" encoding="utf-8"?>
+<p:notes xmlns:a="http://schemas.openxmlformats.org/drawingml/2006/main" xmlns:r="http://schemas.openxmlformats.org/officeDocument/2006/relationships" xmlns:p="http://schemas.openxmlformats.org/presentationml/2006/main">
+  <p:cSld>
+    <p:spTree>
+      <p:nvGrpSpPr>
+        <p:cNvPr id="1" name=""/>
+        <p:cNvGrpSpPr/>
+        <p:nvPr/>
+      </p:nvGrpSpPr>
+      <p:grpSpPr>
+        <a:xfrm>
+          <a:off x="0" y="0"/>
+          <a:ext cx="0" cy="0"/>
+          <a:chOff x="0" y="0"/>
+          <a:chExt cx="0" cy="0"/>
+        </a:xfrm>
+      </p:grpSpPr>
+      <p:sp>
+        <p:nvSpPr>
+          <p:cNvPr id="2" name="幻灯片图像占位符 1"/>
+          <p:cNvSpPr>
+            <a:spLocks noGrp="1" noRot="1" noChangeAspect="1"/>
+          </p:cNvSpPr>
+          <p:nvPr>
+            <p:ph type="sldImg"/>
+          </p:nvPr>
+        </p:nvSpPr>
+        <p:spPr/>
+      </p:sp>
+      <p:sp>
+        <p:nvSpPr>
+          <p:cNvPr id="3" name="备注占位符 2"/>
+          <p:cNvSpPr>
+            <a:spLocks noGrp="1"/>
+          </p:cNvSpPr>
+          <p:nvPr>
+            <p:ph type="body" idx="1"/>
+          </p:nvPr>
+        </p:nvSpPr>
+        <p:spPr/>
+        <p:txBody>
+          <a:bodyPr/>
+          <a:lstStyle/>
+          <a:p>
+            <a:endParaRPr lang="zh-CN" altLang="en-US" dirty="0"/>
+          </a:p>
+        </p:txBody>
+      </p:sp>
+      <p:sp>
+        <p:nvSpPr>
+          <p:cNvPr id="4" name="灯片编号占位符 3"/>
+          <p:cNvSpPr>
+            <a:spLocks noGrp="1"/>
+          </p:cNvSpPr>
+          <p:nvPr>
+            <p:ph type="sldNum" sz="quarter" idx="10"/>
+          </p:nvPr>
+        </p:nvSpPr>
+        <p:spPr/>
+        <p:txBody>
+          <a:bodyPr/>
+          <a:lstStyle/>
+          <a:p>
+            <a:fld id="{67AFED13-18EC-4853-B935-6E23F2540B2D}" type="slidenum">
+              <a:rPr lang="zh-CN" altLang="en-US" smtClean="0"/>
+              <a:t>45</a:t>
+            </a:fld>
+            <a:endParaRPr lang="zh-CN" altLang="en-US"/>
+          </a:p>
+        </p:txBody>
+      </p:sp>
+    </p:spTree>
+    <p:extLst>
+      <p:ext uri="{BB962C8B-B14F-4D97-AF65-F5344CB8AC3E}">
+        <p14:creationId xmlns:p14="http://schemas.microsoft.com/office/powerpoint/2010/main" val="453683310"/>
       </p:ext>
     </p:extLst>
   </p:cSld>
@@ -2792,6 +3389,174 @@
     <p:extLst>
       <p:ext uri="{BB962C8B-B14F-4D97-AF65-F5344CB8AC3E}">
         <p14:creationId xmlns:p14="http://schemas.microsoft.com/office/powerpoint/2010/main" val="1575578681"/>
+      </p:ext>
+    </p:extLst>
+  </p:cSld>
+  <p:clrMapOvr>
+    <a:masterClrMapping/>
+  </p:clrMapOvr>
+</p:notes>
+</file>
+
+<file path=ppt/notesSlides/notesSlide40.xml><?xml version="1.0" encoding="utf-8"?>
+<p:notes xmlns:a="http://schemas.openxmlformats.org/drawingml/2006/main" xmlns:r="http://schemas.openxmlformats.org/officeDocument/2006/relationships" xmlns:p="http://schemas.openxmlformats.org/presentationml/2006/main">
+  <p:cSld>
+    <p:spTree>
+      <p:nvGrpSpPr>
+        <p:cNvPr id="1" name=""/>
+        <p:cNvGrpSpPr/>
+        <p:nvPr/>
+      </p:nvGrpSpPr>
+      <p:grpSpPr>
+        <a:xfrm>
+          <a:off x="0" y="0"/>
+          <a:ext cx="0" cy="0"/>
+          <a:chOff x="0" y="0"/>
+          <a:chExt cx="0" cy="0"/>
+        </a:xfrm>
+      </p:grpSpPr>
+      <p:sp>
+        <p:nvSpPr>
+          <p:cNvPr id="2" name="幻灯片图像占位符 1"/>
+          <p:cNvSpPr>
+            <a:spLocks noGrp="1" noRot="1" noChangeAspect="1"/>
+          </p:cNvSpPr>
+          <p:nvPr>
+            <p:ph type="sldImg"/>
+          </p:nvPr>
+        </p:nvSpPr>
+        <p:spPr/>
+      </p:sp>
+      <p:sp>
+        <p:nvSpPr>
+          <p:cNvPr id="3" name="备注占位符 2"/>
+          <p:cNvSpPr>
+            <a:spLocks noGrp="1"/>
+          </p:cNvSpPr>
+          <p:nvPr>
+            <p:ph type="body" idx="1"/>
+          </p:nvPr>
+        </p:nvSpPr>
+        <p:spPr/>
+        <p:txBody>
+          <a:bodyPr/>
+          <a:lstStyle/>
+          <a:p>
+            <a:endParaRPr lang="zh-CN" altLang="en-US" dirty="0"/>
+          </a:p>
+        </p:txBody>
+      </p:sp>
+      <p:sp>
+        <p:nvSpPr>
+          <p:cNvPr id="4" name="灯片编号占位符 3"/>
+          <p:cNvSpPr>
+            <a:spLocks noGrp="1"/>
+          </p:cNvSpPr>
+          <p:nvPr>
+            <p:ph type="sldNum" sz="quarter" idx="10"/>
+          </p:nvPr>
+        </p:nvSpPr>
+        <p:spPr/>
+        <p:txBody>
+          <a:bodyPr/>
+          <a:lstStyle/>
+          <a:p>
+            <a:fld id="{67AFED13-18EC-4853-B935-6E23F2540B2D}" type="slidenum">
+              <a:rPr lang="zh-CN" altLang="en-US" smtClean="0"/>
+              <a:t>46</a:t>
+            </a:fld>
+            <a:endParaRPr lang="zh-CN" altLang="en-US"/>
+          </a:p>
+        </p:txBody>
+      </p:sp>
+    </p:spTree>
+    <p:extLst>
+      <p:ext uri="{BB962C8B-B14F-4D97-AF65-F5344CB8AC3E}">
+        <p14:creationId xmlns:p14="http://schemas.microsoft.com/office/powerpoint/2010/main" val="4190442903"/>
+      </p:ext>
+    </p:extLst>
+  </p:cSld>
+  <p:clrMapOvr>
+    <a:masterClrMapping/>
+  </p:clrMapOvr>
+</p:notes>
+</file>
+
+<file path=ppt/notesSlides/notesSlide41.xml><?xml version="1.0" encoding="utf-8"?>
+<p:notes xmlns:a="http://schemas.openxmlformats.org/drawingml/2006/main" xmlns:r="http://schemas.openxmlformats.org/officeDocument/2006/relationships" xmlns:p="http://schemas.openxmlformats.org/presentationml/2006/main">
+  <p:cSld>
+    <p:spTree>
+      <p:nvGrpSpPr>
+        <p:cNvPr id="1" name=""/>
+        <p:cNvGrpSpPr/>
+        <p:nvPr/>
+      </p:nvGrpSpPr>
+      <p:grpSpPr>
+        <a:xfrm>
+          <a:off x="0" y="0"/>
+          <a:ext cx="0" cy="0"/>
+          <a:chOff x="0" y="0"/>
+          <a:chExt cx="0" cy="0"/>
+        </a:xfrm>
+      </p:grpSpPr>
+      <p:sp>
+        <p:nvSpPr>
+          <p:cNvPr id="2" name="幻灯片图像占位符 1"/>
+          <p:cNvSpPr>
+            <a:spLocks noGrp="1" noRot="1" noChangeAspect="1"/>
+          </p:cNvSpPr>
+          <p:nvPr>
+            <p:ph type="sldImg"/>
+          </p:nvPr>
+        </p:nvSpPr>
+        <p:spPr/>
+      </p:sp>
+      <p:sp>
+        <p:nvSpPr>
+          <p:cNvPr id="3" name="备注占位符 2"/>
+          <p:cNvSpPr>
+            <a:spLocks noGrp="1"/>
+          </p:cNvSpPr>
+          <p:nvPr>
+            <p:ph type="body" idx="1"/>
+          </p:nvPr>
+        </p:nvSpPr>
+        <p:spPr/>
+        <p:txBody>
+          <a:bodyPr/>
+          <a:lstStyle/>
+          <a:p>
+            <a:endParaRPr lang="zh-CN" altLang="en-US" dirty="0"/>
+          </a:p>
+        </p:txBody>
+      </p:sp>
+      <p:sp>
+        <p:nvSpPr>
+          <p:cNvPr id="4" name="灯片编号占位符 3"/>
+          <p:cNvSpPr>
+            <a:spLocks noGrp="1"/>
+          </p:cNvSpPr>
+          <p:nvPr>
+            <p:ph type="sldNum" sz="quarter" idx="10"/>
+          </p:nvPr>
+        </p:nvSpPr>
+        <p:spPr/>
+        <p:txBody>
+          <a:bodyPr/>
+          <a:lstStyle/>
+          <a:p>
+            <a:fld id="{67AFED13-18EC-4853-B935-6E23F2540B2D}" type="slidenum">
+              <a:rPr lang="zh-CN" altLang="en-US" smtClean="0"/>
+              <a:t>47</a:t>
+            </a:fld>
+            <a:endParaRPr lang="zh-CN" altLang="en-US"/>
+          </a:p>
+        </p:txBody>
+      </p:sp>
+    </p:spTree>
+    <p:extLst>
+      <p:ext uri="{BB962C8B-B14F-4D97-AF65-F5344CB8AC3E}">
+        <p14:creationId xmlns:p14="http://schemas.microsoft.com/office/powerpoint/2010/main" val="1781869165"/>
       </p:ext>
     </p:extLst>
   </p:cSld>
@@ -4290,7 +5055,7 @@
           <a:p>
             <a:fld id="{530820CF-B880-4189-942D-D702A7CBA730}" type="datetimeFigureOut">
               <a:rPr lang="zh-CN" altLang="en-US" smtClean="0"/>
-              <a:t>2018/4/7</a:t>
+              <a:t>2018/11/6</a:t>
             </a:fld>
             <a:endParaRPr lang="zh-CN" altLang="en-US"/>
           </a:p>
@@ -4409,7 +5174,7 @@
           <a:p>
             <a:fld id="{530820CF-B880-4189-942D-D702A7CBA730}" type="datetimeFigureOut">
               <a:rPr lang="zh-CN" altLang="en-US" smtClean="0"/>
-              <a:t>2018/4/7</a:t>
+              <a:t>2018/11/6</a:t>
             </a:fld>
             <a:endParaRPr lang="zh-CN" altLang="en-US"/>
           </a:p>
@@ -4812,7 +5577,7 @@
           <a:p>
             <a:fld id="{530820CF-B880-4189-942D-D702A7CBA730}" type="datetimeFigureOut">
               <a:rPr lang="zh-CN" altLang="en-US" smtClean="0"/>
-              <a:t>2018/4/7</a:t>
+              <a:t>2018/11/6</a:t>
             </a:fld>
             <a:endParaRPr lang="zh-CN" altLang="en-US"/>
           </a:p>
@@ -5507,7 +6272,7 @@
               <a:t> </a:t>
             </a:r>
             <a:r>
-              <a:rPr lang="en-US" altLang="zh-CN" sz="3200" err="1">
+              <a:rPr lang="en-US" altLang="zh-CN" sz="3200" dirty="0" err="1">
                 <a:solidFill>
                   <a:srgbClr val="C00000"/>
                 </a:solidFill>
@@ -5515,7 +6280,7 @@
               <a:t>onBinder</a:t>
             </a:r>
             <a:r>
-              <a:rPr lang="en-US" altLang="zh-CN" sz="3200">
+              <a:rPr lang="en-US" altLang="zh-CN" sz="3200" dirty="0">
                 <a:solidFill>
                   <a:schemeClr val="tx1">
                     <a:lumMod val="85000"/>
@@ -5526,7 +6291,7 @@
               <a:t>(intent</a:t>
             </a:r>
             <a:r>
-              <a:rPr lang="en-US" altLang="zh-CN" sz="3200" smtClean="0">
+              <a:rPr lang="en-US" altLang="zh-CN" sz="3200" dirty="0" smtClean="0">
                 <a:solidFill>
                   <a:schemeClr val="tx1">
                     <a:lumMod val="85000"/>
@@ -5537,7 +6302,7 @@
               <a:t>)</a:t>
             </a:r>
             <a:r>
-              <a:rPr lang="zh-CN" altLang="en-US" sz="3200" smtClean="0">
+              <a:rPr lang="zh-CN" altLang="en-US" sz="3200" dirty="0" smtClean="0">
                 <a:solidFill>
                   <a:schemeClr val="tx1">
                     <a:lumMod val="85000"/>
@@ -5581,7 +6346,7 @@
               <a:t>对象与</a:t>
             </a:r>
             <a:r>
-              <a:rPr lang="en-US" altLang="zh-CN" sz="3200">
+              <a:rPr lang="en-US" altLang="zh-CN" sz="3200" dirty="0">
                 <a:solidFill>
                   <a:schemeClr val="tx1">
                     <a:lumMod val="85000"/>
@@ -5592,7 +6357,7 @@
               <a:t>service</a:t>
             </a:r>
             <a:r>
-              <a:rPr lang="zh-CN" altLang="en-US" sz="3200" smtClean="0">
+              <a:rPr lang="zh-CN" altLang="en-US" sz="3200" dirty="0" smtClean="0">
                 <a:solidFill>
                   <a:schemeClr val="tx1">
                     <a:lumMod val="85000"/>
@@ -5625,15 +6390,15 @@
               <a:t>void </a:t>
             </a:r>
             <a:r>
-              <a:rPr lang="en-US" altLang="zh-CN" sz="3200" err="1">
+              <a:rPr lang="en-US" altLang="zh-CN" sz="3200" dirty="0" err="1" smtClean="0">
                 <a:solidFill>
                   <a:srgbClr val="C00000"/>
                 </a:solidFill>
               </a:rPr>
-              <a:t>onCreadte</a:t>
-            </a:r>
-            <a:r>
-              <a:rPr lang="en-US" altLang="zh-CN" sz="3200" smtClean="0">
+              <a:t>onCreate</a:t>
+            </a:r>
+            <a:r>
+              <a:rPr lang="en-US" altLang="zh-CN" sz="3200" dirty="0" smtClean="0">
                 <a:solidFill>
                   <a:schemeClr val="tx1">
                     <a:lumMod val="85000"/>
@@ -5644,7 +6409,7 @@
               <a:t>()</a:t>
             </a:r>
             <a:r>
-              <a:rPr lang="zh-CN" altLang="en-US" sz="3200" smtClean="0">
+              <a:rPr lang="zh-CN" altLang="en-US" sz="3200" dirty="0" smtClean="0">
                 <a:solidFill>
                   <a:schemeClr val="tx1">
                     <a:lumMod val="85000"/>
@@ -5663,21 +6428,10 @@
                   </a:schemeClr>
                 </a:solidFill>
               </a:rPr>
-              <a:t>时</a:t>
-            </a:r>
-            <a:r>
-              <a:rPr lang="zh-CN" altLang="en-US" sz="3200">
-                <a:solidFill>
-                  <a:schemeClr val="tx1">
-                    <a:lumMod val="85000"/>
-                    <a:lumOff val="15000"/>
-                  </a:schemeClr>
-                </a:solidFill>
-              </a:rPr>
-              <a:t>回</a:t>
-            </a:r>
-            <a:r>
-              <a:rPr lang="zh-CN" altLang="en-US" sz="3200" smtClean="0">
+              <a:t>时回</a:t>
+            </a:r>
+            <a:r>
+              <a:rPr lang="zh-CN" altLang="en-US" sz="3200" dirty="0" smtClean="0">
                 <a:solidFill>
                   <a:schemeClr val="tx1">
                     <a:lumMod val="85000"/>
@@ -5710,7 +6464,7 @@
               <a:t>void </a:t>
             </a:r>
             <a:r>
-              <a:rPr lang="en-US" altLang="zh-CN" sz="3200" err="1">
+              <a:rPr lang="en-US" altLang="zh-CN" sz="3200" dirty="0" err="1">
                 <a:solidFill>
                   <a:srgbClr val="C00000"/>
                 </a:solidFill>
@@ -5718,7 +6472,7 @@
               <a:t>onDestroy</a:t>
             </a:r>
             <a:r>
-              <a:rPr lang="en-US" altLang="zh-CN" sz="3200" smtClean="0">
+              <a:rPr lang="en-US" altLang="zh-CN" sz="3200" dirty="0" smtClean="0">
                 <a:solidFill>
                   <a:schemeClr val="tx1">
                     <a:lumMod val="85000"/>
@@ -5729,7 +6483,7 @@
               <a:t>()</a:t>
             </a:r>
             <a:r>
-              <a:rPr lang="zh-CN" altLang="en-US" sz="3200" smtClean="0">
+              <a:rPr lang="zh-CN" altLang="en-US" sz="3200" dirty="0" smtClean="0">
                 <a:solidFill>
                   <a:schemeClr val="tx1">
                     <a:lumMod val="85000"/>
@@ -5748,21 +6502,10 @@
                   </a:schemeClr>
                 </a:solidFill>
               </a:rPr>
-              <a:t>前</a:t>
-            </a:r>
-            <a:r>
-              <a:rPr lang="zh-CN" altLang="en-US" sz="3200">
-                <a:solidFill>
-                  <a:schemeClr val="tx1">
-                    <a:lumMod val="85000"/>
-                    <a:lumOff val="15000"/>
-                  </a:schemeClr>
-                </a:solidFill>
-              </a:rPr>
-              <a:t>回</a:t>
-            </a:r>
-            <a:r>
-              <a:rPr lang="zh-CN" altLang="en-US" sz="3200" smtClean="0">
+              <a:t>前回</a:t>
+            </a:r>
+            <a:r>
+              <a:rPr lang="zh-CN" altLang="en-US" sz="3200" dirty="0" smtClean="0">
                 <a:solidFill>
                   <a:schemeClr val="tx1">
                     <a:lumMod val="85000"/>
@@ -5795,7 +6538,7 @@
               <a:t>void </a:t>
             </a:r>
             <a:r>
-              <a:rPr lang="en-US" altLang="zh-CN" sz="3200" err="1">
+              <a:rPr lang="en-US" altLang="zh-CN" sz="3200" dirty="0" err="1">
                 <a:solidFill>
                   <a:srgbClr val="C00000"/>
                 </a:solidFill>
@@ -5803,7 +6546,7 @@
               <a:t>onStartCommand</a:t>
             </a:r>
             <a:r>
-              <a:rPr lang="en-US" altLang="zh-CN" sz="3200">
+              <a:rPr lang="en-US" altLang="zh-CN" sz="3200" dirty="0">
                 <a:solidFill>
                   <a:schemeClr val="tx1">
                     <a:lumMod val="85000"/>
@@ -5814,7 +6557,7 @@
               <a:t>(</a:t>
             </a:r>
             <a:r>
-              <a:rPr lang="en-US" altLang="zh-CN" sz="3200" err="1">
+              <a:rPr lang="en-US" altLang="zh-CN" sz="3200" dirty="0" err="1">
                 <a:solidFill>
                   <a:schemeClr val="tx1">
                     <a:lumMod val="85000"/>
@@ -5825,7 +6568,7 @@
               <a:t>intent,flags,startID</a:t>
             </a:r>
             <a:r>
-              <a:rPr lang="en-US" altLang="zh-CN" sz="3200" smtClean="0">
+              <a:rPr lang="en-US" altLang="zh-CN" sz="3200" dirty="0" smtClean="0">
                 <a:solidFill>
                   <a:schemeClr val="tx1">
                     <a:lumMod val="85000"/>
@@ -5836,7 +6579,7 @@
               <a:t>)</a:t>
             </a:r>
             <a:r>
-              <a:rPr lang="zh-CN" altLang="en-US" sz="3200" smtClean="0">
+              <a:rPr lang="zh-CN" altLang="en-US" sz="3200" dirty="0" smtClean="0">
                 <a:solidFill>
                   <a:schemeClr val="tx1">
                     <a:lumMod val="85000"/>
@@ -5887,21 +6630,10 @@
                   </a:schemeClr>
                 </a:solidFill>
               </a:rPr>
-              <a:t>被调用时回调</a:t>
-            </a:r>
-            <a:r>
-              <a:rPr lang="zh-CN" altLang="en-US" sz="3200">
-                <a:solidFill>
-                  <a:schemeClr val="tx1">
-                    <a:lumMod val="85000"/>
-                    <a:lumOff val="15000"/>
-                  </a:schemeClr>
-                </a:solidFill>
-              </a:rPr>
-              <a:t>该</a:t>
-            </a:r>
-            <a:r>
-              <a:rPr lang="zh-CN" altLang="en-US" sz="3200" smtClean="0">
+              <a:t>被调用时回调该</a:t>
+            </a:r>
+            <a:r>
+              <a:rPr lang="zh-CN" altLang="en-US" sz="3200" dirty="0" smtClean="0">
                 <a:solidFill>
                   <a:schemeClr val="tx1">
                     <a:lumMod val="85000"/>
@@ -5945,7 +6677,7 @@
               <a:t> </a:t>
             </a:r>
             <a:r>
-              <a:rPr lang="en-US" altLang="zh-CN" sz="3200" err="1">
+              <a:rPr lang="en-US" altLang="zh-CN" sz="3200" dirty="0" err="1">
                 <a:solidFill>
                   <a:srgbClr val="C00000"/>
                 </a:solidFill>
@@ -5953,7 +6685,7 @@
               <a:t>onUnbind</a:t>
             </a:r>
             <a:r>
-              <a:rPr lang="en-US" altLang="zh-CN" sz="3200">
+              <a:rPr lang="en-US" altLang="zh-CN" sz="3200" dirty="0">
                 <a:solidFill>
                   <a:schemeClr val="tx1">
                     <a:lumMod val="85000"/>
@@ -5964,7 +6696,7 @@
               <a:t>(intent</a:t>
             </a:r>
             <a:r>
-              <a:rPr lang="en-US" altLang="zh-CN" sz="3200" smtClean="0">
+              <a:rPr lang="en-US" altLang="zh-CN" sz="3200" dirty="0" smtClean="0">
                 <a:solidFill>
                   <a:schemeClr val="tx1">
                     <a:lumMod val="85000"/>
@@ -5975,7 +6707,7 @@
               <a:t>)</a:t>
             </a:r>
             <a:r>
-              <a:rPr lang="zh-CN" altLang="en-US" sz="3200" smtClean="0">
+              <a:rPr lang="zh-CN" altLang="en-US" sz="3200" dirty="0" smtClean="0">
                 <a:solidFill>
                   <a:schemeClr val="tx1">
                     <a:lumMod val="85000"/>
@@ -5986,7 +6718,7 @@
               <a:t>：</a:t>
             </a:r>
             <a:r>
-              <a:rPr lang="en-US" altLang="zh-CN" sz="3200" smtClean="0">
+              <a:rPr lang="en-US" altLang="zh-CN" sz="3200" dirty="0" smtClean="0">
                 <a:solidFill>
                   <a:schemeClr val="tx1">
                     <a:lumMod val="85000"/>
@@ -6005,21 +6737,10 @@
                   </a:schemeClr>
                 </a:solidFill>
               </a:rPr>
-              <a:t>绑定的所有客户端都断开时回调</a:t>
-            </a:r>
-            <a:r>
-              <a:rPr lang="zh-CN" altLang="en-US" sz="3200">
-                <a:solidFill>
-                  <a:schemeClr val="tx1">
-                    <a:lumMod val="85000"/>
-                    <a:lumOff val="15000"/>
-                  </a:schemeClr>
-                </a:solidFill>
-              </a:rPr>
-              <a:t>该</a:t>
-            </a:r>
-            <a:r>
-              <a:rPr lang="zh-CN" altLang="en-US" sz="3200" smtClean="0">
+              <a:t>绑定的所有客户端都断开时回调该</a:t>
+            </a:r>
+            <a:r>
+              <a:rPr lang="zh-CN" altLang="en-US" sz="3200" dirty="0" smtClean="0">
                 <a:solidFill>
                   <a:schemeClr val="tx1">
                     <a:lumMod val="85000"/>
@@ -6637,6 +7358,13 @@
   <p:clrMapOvr>
     <a:masterClrMapping/>
   </p:clrMapOvr>
+  <p:timing>
+    <p:tnLst>
+      <p:par>
+        <p:cTn id="1" dur="indefinite" restart="never" nodeType="tmRoot"/>
+      </p:par>
+    </p:tnLst>
+  </p:timing>
 </p:sld>
 </file>
 
@@ -7194,7 +7922,7 @@
               <a:t>以后，必须</a:t>
             </a:r>
             <a:r>
-              <a:rPr lang="zh-CN" altLang="en-US" sz="3200">
+              <a:rPr lang="zh-CN" altLang="en-US" sz="3200" dirty="0" smtClean="0">
                 <a:solidFill>
                   <a:schemeClr val="tx1">
                     <a:lumMod val="85000"/>
@@ -7205,15 +7933,15 @@
               <a:t>使用</a:t>
             </a:r>
             <a:r>
-              <a:rPr lang="zh-CN" altLang="en-US" sz="3200" smtClean="0">
+              <a:rPr lang="zh-CN" altLang="en-US" sz="3200" dirty="0">
                 <a:solidFill>
                   <a:srgbClr val="C00000"/>
                 </a:solidFill>
               </a:rPr>
-              <a:t>显示</a:t>
-            </a:r>
-            <a:r>
-              <a:rPr lang="en-US" altLang="zh-CN" sz="3200" smtClean="0">
+              <a:t>显式</a:t>
+            </a:r>
+            <a:r>
+              <a:rPr lang="en-US" altLang="zh-CN" sz="3200" dirty="0" smtClean="0">
                 <a:solidFill>
                   <a:srgbClr val="C00000"/>
                 </a:solidFill>
@@ -7237,7 +7965,7 @@
               <a:t>Service</a:t>
             </a:r>
             <a:r>
-              <a:rPr lang="zh-CN" altLang="en-US" sz="3200">
+              <a:rPr lang="zh-CN" altLang="en-US" sz="3200" dirty="0">
                 <a:solidFill>
                   <a:srgbClr val="C00000"/>
                 </a:solidFill>
@@ -7245,7 +7973,7 @@
               <a:t>组件</a:t>
             </a:r>
             <a:r>
-              <a:rPr lang="en-US" altLang="zh-CN" sz="3200" smtClean="0">
+              <a:rPr lang="en-US" altLang="zh-CN" sz="3200" dirty="0" smtClean="0">
                 <a:solidFill>
                   <a:schemeClr val="tx1">
                     <a:lumMod val="85000"/>
@@ -7256,7 +7984,7 @@
               <a:t>)</a:t>
             </a:r>
             <a:r>
-              <a:rPr lang="zh-CN" altLang="en-US" sz="3200" smtClean="0">
+              <a:rPr lang="zh-CN" altLang="en-US" sz="3200" dirty="0" smtClean="0">
                 <a:solidFill>
                   <a:schemeClr val="tx1">
                     <a:lumMod val="85000"/>
@@ -7282,7 +8010,7 @@
               </a:spcBef>
             </a:pPr>
             <a:r>
-              <a:rPr lang="en-US" altLang="zh-CN" sz="3200">
+              <a:rPr lang="en-US" altLang="zh-CN" sz="3200" dirty="0">
                 <a:solidFill>
                   <a:schemeClr val="tx1">
                     <a:lumMod val="85000"/>
@@ -7293,6 +8021,61 @@
               <a:t>Activity</a:t>
             </a:r>
             <a:r>
+              <a:rPr lang="zh-CN" altLang="en-US" sz="3200" dirty="0" smtClean="0">
+                <a:solidFill>
+                  <a:schemeClr val="tx1">
+                    <a:lumMod val="85000"/>
+                    <a:lumOff val="15000"/>
+                  </a:schemeClr>
+                </a:solidFill>
+              </a:rPr>
+              <a:t>和</a:t>
+            </a:r>
+            <a:r>
+              <a:rPr lang="en-US" altLang="zh-CN" sz="3200" dirty="0" smtClean="0">
+                <a:solidFill>
+                  <a:schemeClr val="tx1">
+                    <a:lumMod val="85000"/>
+                    <a:lumOff val="15000"/>
+                  </a:schemeClr>
+                </a:solidFill>
+              </a:rPr>
+              <a:t>Service</a:t>
+            </a:r>
+            <a:r>
+              <a:rPr lang="zh-CN" altLang="en-US" sz="3200" dirty="0" smtClean="0">
+                <a:solidFill>
+                  <a:schemeClr val="tx1">
+                    <a:lumMod val="85000"/>
+                    <a:lumOff val="15000"/>
+                  </a:schemeClr>
+                </a:solidFill>
+              </a:rPr>
+              <a:t>之间</a:t>
+            </a:r>
+            <a:r>
+              <a:rPr lang="zh-CN" altLang="en-US" sz="3200" dirty="0">
+                <a:solidFill>
+                  <a:schemeClr val="tx1">
+                    <a:lumMod val="85000"/>
+                    <a:lumOff val="15000"/>
+                  </a:schemeClr>
+                </a:solidFill>
+              </a:rPr>
+              <a:t>没有关系，</a:t>
+            </a:r>
+            <a:r>
+              <a:rPr lang="zh-CN" altLang="en-US" sz="3200">
+                <a:solidFill>
+                  <a:schemeClr val="tx1">
+                    <a:lumMod val="85000"/>
+                    <a:lumOff val="15000"/>
+                  </a:schemeClr>
+                </a:solidFill>
+              </a:rPr>
+              <a:t>所以</a:t>
+            </a:r>
+            <a:r>
               <a:rPr lang="zh-CN" altLang="en-US" sz="3200" smtClean="0">
                 <a:solidFill>
                   <a:schemeClr val="tx1">
@@ -7301,29 +8084,7 @@
                   </a:schemeClr>
                 </a:solidFill>
               </a:rPr>
-              <a:t>和</a:t>
-            </a:r>
-            <a:r>
-              <a:rPr lang="en-US" altLang="zh-CN" sz="3200" smtClean="0">
-                <a:solidFill>
-                  <a:schemeClr val="tx1">
-                    <a:lumMod val="85000"/>
-                    <a:lumOff val="15000"/>
-                  </a:schemeClr>
-                </a:solidFill>
-              </a:rPr>
-              <a:t>Service</a:t>
-            </a:r>
-            <a:r>
-              <a:rPr lang="zh-CN" altLang="en-US" sz="3200" smtClean="0">
-                <a:solidFill>
-                  <a:schemeClr val="tx1">
-                    <a:lumMod val="85000"/>
-                    <a:lumOff val="15000"/>
-                  </a:schemeClr>
-                </a:solidFill>
-              </a:rPr>
-              <a:t>之间</a:t>
+              <a:t>无法直接进行</a:t>
             </a:r>
             <a:r>
               <a:rPr lang="zh-CN" altLang="en-US" sz="3200" dirty="0">
@@ -7334,21 +8095,10 @@
                   </a:schemeClr>
                 </a:solidFill>
               </a:rPr>
-              <a:t>没有关系，所以无法进行方法调用或者</a:t>
-            </a:r>
-            <a:r>
-              <a:rPr lang="zh-CN" altLang="en-US" sz="3200">
-                <a:solidFill>
-                  <a:schemeClr val="tx1">
-                    <a:lumMod val="85000"/>
-                    <a:lumOff val="15000"/>
-                  </a:schemeClr>
-                </a:solidFill>
-              </a:rPr>
-              <a:t>数据</a:t>
-            </a:r>
-            <a:r>
-              <a:rPr lang="zh-CN" altLang="en-US" sz="3200" smtClean="0">
+              <a:t>方法调用或者数据</a:t>
+            </a:r>
+            <a:r>
+              <a:rPr lang="zh-CN" altLang="en-US" sz="3200" dirty="0" smtClean="0">
                 <a:solidFill>
                   <a:schemeClr val="tx1">
                     <a:lumMod val="85000"/>
@@ -7405,6 +8155,13 @@
   <p:clrMapOvr>
     <a:masterClrMapping/>
   </p:clrMapOvr>
+  <p:timing>
+    <p:tnLst>
+      <p:par>
+        <p:cTn id="1" dur="indefinite" restart="never" nodeType="tmRoot"/>
+      </p:par>
+    </p:tnLst>
+  </p:timing>
 </p:sld>
 </file>
 
@@ -7552,21 +8309,10 @@
                   </a:schemeClr>
                 </a:solidFill>
               </a:rPr>
-              <a:t>启动</a:t>
-            </a:r>
-            <a:r>
-              <a:rPr lang="zh-CN" altLang="en-US" sz="2800">
-                <a:solidFill>
-                  <a:schemeClr val="tx1">
-                    <a:lumMod val="85000"/>
-                    <a:lumOff val="15000"/>
-                  </a:schemeClr>
-                </a:solidFill>
-              </a:rPr>
-              <a:t>的</a:t>
-            </a:r>
-            <a:r>
-              <a:rPr lang="en-US" altLang="zh-CN" sz="2800" smtClean="0">
+              <a:t>启动的</a:t>
+            </a:r>
+            <a:r>
+              <a:rPr lang="en-US" altLang="zh-CN" sz="2800" dirty="0" smtClean="0">
                 <a:solidFill>
                   <a:schemeClr val="tx1">
                     <a:lumMod val="85000"/>
@@ -7577,7 +8323,7 @@
               <a:t>service</a:t>
             </a:r>
             <a:r>
-              <a:rPr lang="zh-CN" altLang="en-US" sz="2800">
+              <a:rPr lang="zh-CN" altLang="en-US" sz="2800" dirty="0">
                 <a:solidFill>
                   <a:schemeClr val="tx1">
                     <a:lumMod val="85000"/>
@@ -7659,21 +8405,10 @@
                   </a:schemeClr>
                 </a:solidFill>
               </a:rPr>
-              <a:t>的</a:t>
-            </a:r>
-            <a:r>
-              <a:rPr lang="zh-CN" altLang="en-US" sz="2800">
-                <a:solidFill>
-                  <a:schemeClr val="tx1">
-                    <a:lumMod val="85000"/>
-                    <a:lumOff val="15000"/>
-                  </a:schemeClr>
-                </a:solidFill>
-              </a:rPr>
-              <a:t>连接</a:t>
-            </a:r>
-            <a:r>
-              <a:rPr lang="zh-CN" altLang="en-US" sz="2800" smtClean="0">
+              <a:t>的连接</a:t>
+            </a:r>
+            <a:r>
+              <a:rPr lang="zh-CN" altLang="en-US" sz="2800" dirty="0" smtClean="0">
                 <a:solidFill>
                   <a:schemeClr val="tx1">
                     <a:lumMod val="85000"/>
@@ -7711,21 +8446,10 @@
                   </a:schemeClr>
                 </a:solidFill>
               </a:rPr>
-              <a:t>：绑定时是否自动</a:t>
-            </a:r>
-            <a:r>
-              <a:rPr lang="zh-CN" altLang="en-US" sz="2800">
-                <a:solidFill>
-                  <a:schemeClr val="tx1">
-                    <a:lumMod val="85000"/>
-                    <a:lumOff val="15000"/>
-                  </a:schemeClr>
-                </a:solidFill>
-              </a:rPr>
-              <a:t>创建</a:t>
-            </a:r>
-            <a:r>
-              <a:rPr lang="en-US" altLang="zh-CN" sz="2800" smtClean="0">
+              <a:t>：绑定时是否自动创建</a:t>
+            </a:r>
+            <a:r>
+              <a:rPr lang="en-US" altLang="zh-CN" sz="2800" dirty="0" smtClean="0">
                 <a:solidFill>
                   <a:schemeClr val="tx1">
                     <a:lumMod val="85000"/>
@@ -7736,7 +8460,7 @@
               <a:t>Service</a:t>
             </a:r>
             <a:r>
-              <a:rPr lang="zh-CN" altLang="en-US" sz="2800" smtClean="0">
+              <a:rPr lang="zh-CN" altLang="en-US" sz="2800" dirty="0" smtClean="0">
                 <a:solidFill>
                   <a:schemeClr val="tx1">
                     <a:lumMod val="85000"/>
@@ -7779,7 +8503,7 @@
               <a:t>ServiceConnection</a:t>
             </a:r>
             <a:r>
-              <a:rPr lang="zh-CN" altLang="en-US" sz="3200">
+              <a:rPr lang="zh-CN" altLang="en-US" sz="3200" dirty="0">
                 <a:solidFill>
                   <a:schemeClr val="tx1">
                     <a:lumMod val="85000"/>
@@ -7790,7 +8514,7 @@
               <a:t>对象</a:t>
             </a:r>
             <a:r>
-              <a:rPr lang="zh-CN" altLang="en-US" sz="3200" smtClean="0">
+              <a:rPr lang="zh-CN" altLang="en-US" sz="3200" dirty="0" smtClean="0">
                 <a:solidFill>
                   <a:schemeClr val="tx1">
                     <a:lumMod val="85000"/>
@@ -7801,7 +8525,7 @@
               <a:t>的，</a:t>
             </a:r>
             <a:r>
-              <a:rPr lang="en-US" altLang="zh-CN" sz="3200" smtClean="0">
+              <a:rPr lang="en-US" altLang="zh-CN" sz="3200" dirty="0" err="1" smtClean="0">
                 <a:solidFill>
                   <a:schemeClr val="tx1">
                     <a:lumMod val="85000"/>
@@ -7864,21 +8588,10 @@
                   </a:schemeClr>
                 </a:solidFill>
               </a:rPr>
-              <a:t>的</a:t>
-            </a:r>
-            <a:r>
-              <a:rPr lang="zh-CN" altLang="en-US" sz="3200">
-                <a:solidFill>
-                  <a:schemeClr val="tx1">
-                    <a:lumMod val="85000"/>
-                    <a:lumOff val="15000"/>
-                  </a:schemeClr>
-                </a:solidFill>
-              </a:rPr>
-              <a:t>交互</a:t>
-            </a:r>
-            <a:r>
-              <a:rPr lang="zh-CN" altLang="en-US" sz="3200" smtClean="0">
+              <a:t>的交互</a:t>
+            </a:r>
+            <a:r>
+              <a:rPr lang="zh-CN" altLang="en-US" sz="3200" dirty="0" smtClean="0">
                 <a:solidFill>
                   <a:schemeClr val="tx1">
                     <a:lumMod val="85000"/>
@@ -7929,21 +8642,10 @@
                   </a:schemeClr>
                 </a:solidFill>
               </a:rPr>
-              <a:t>类</a:t>
-            </a:r>
-            <a:r>
-              <a:rPr lang="zh-CN" altLang="en-US" sz="3200">
-                <a:solidFill>
-                  <a:schemeClr val="tx1">
-                    <a:lumMod val="85000"/>
-                    <a:lumOff val="15000"/>
-                  </a:schemeClr>
-                </a:solidFill>
-              </a:rPr>
-              <a:t>来</a:t>
-            </a:r>
-            <a:r>
-              <a:rPr lang="zh-CN" altLang="en-US" sz="3200" smtClean="0">
+              <a:t>类来</a:t>
+            </a:r>
+            <a:r>
+              <a:rPr lang="zh-CN" altLang="en-US" sz="3200" dirty="0" smtClean="0">
                 <a:solidFill>
                   <a:schemeClr val="tx1">
                     <a:lumMod val="85000"/>
@@ -8001,6 +8703,13 @@
   <p:clrMapOvr>
     <a:masterClrMapping/>
   </p:clrMapOvr>
+  <p:timing>
+    <p:tnLst>
+      <p:par>
+        <p:cTn id="1" dur="indefinite" restart="never" nodeType="tmRoot"/>
+      </p:par>
+    </p:tnLst>
+  </p:timing>
 </p:sld>
 </file>
 
@@ -8526,6 +9235,13 @@
   <p:clrMapOvr>
     <a:masterClrMapping/>
   </p:clrMapOvr>
+  <p:timing>
+    <p:tnLst>
+      <p:par>
+        <p:cTn id="1" dur="indefinite" restart="never" nodeType="tmRoot"/>
+      </p:par>
+    </p:tnLst>
+  </p:timing>
 </p:sld>
 </file>
 
@@ -9270,6 +9986,13 @@
   <p:clrMapOvr>
     <a:masterClrMapping/>
   </p:clrMapOvr>
+  <p:timing>
+    <p:tnLst>
+      <p:par>
+        <p:cTn id="1" dur="indefinite" restart="never" nodeType="tmRoot"/>
+      </p:par>
+    </p:tnLst>
+  </p:timing>
 </p:sld>
 </file>
 
@@ -9412,7 +10135,7 @@
               <a:t>方法，然后回调</a:t>
             </a:r>
             <a:r>
-              <a:rPr lang="en-US" altLang="zh-CN" sz="3200" err="1">
+              <a:rPr lang="en-US" altLang="zh-CN" sz="3200" dirty="0" err="1">
                 <a:solidFill>
                   <a:schemeClr val="tx1">
                     <a:lumMod val="85000"/>
@@ -9423,7 +10146,7 @@
               <a:t>onDestroy</a:t>
             </a:r>
             <a:r>
-              <a:rPr lang="zh-CN" altLang="en-US" sz="3200" smtClean="0">
+              <a:rPr lang="zh-CN" altLang="en-US" sz="3200" dirty="0" smtClean="0">
                 <a:solidFill>
                   <a:schemeClr val="tx1">
                     <a:lumMod val="85000"/>
@@ -9499,7 +10222,7 @@
               <a:t>不会再调用</a:t>
             </a:r>
             <a:r>
-              <a:rPr lang="en-US" altLang="zh-CN" sz="3200" err="1">
+              <a:rPr lang="en-US" altLang="zh-CN" sz="3200" dirty="0" err="1">
                 <a:solidFill>
                   <a:schemeClr val="tx1">
                     <a:lumMod val="85000"/>
@@ -9510,7 +10233,7 @@
               <a:t>onCreat</a:t>
             </a:r>
             <a:r>
-              <a:rPr lang="zh-CN" altLang="en-US" sz="3200" smtClean="0">
+              <a:rPr lang="zh-CN" altLang="en-US" sz="3200" dirty="0" smtClean="0">
                 <a:solidFill>
                   <a:schemeClr val="tx1">
                     <a:lumMod val="85000"/>
@@ -9584,21 +10307,10 @@
                   </a:schemeClr>
                 </a:solidFill>
               </a:rPr>
-              <a:t>绑定</a:t>
-            </a:r>
-            <a:r>
-              <a:rPr lang="zh-CN" altLang="en-US" sz="3200">
-                <a:solidFill>
-                  <a:schemeClr val="tx1">
-                    <a:lumMod val="85000"/>
-                    <a:lumOff val="15000"/>
-                  </a:schemeClr>
-                </a:solidFill>
-              </a:rPr>
-              <a:t>一</a:t>
-            </a:r>
-            <a:r>
-              <a:rPr lang="zh-CN" altLang="en-US" sz="3200" smtClean="0">
+              <a:t>绑定一</a:t>
+            </a:r>
+            <a:r>
+              <a:rPr lang="zh-CN" altLang="en-US" sz="3200" dirty="0" smtClean="0">
                 <a:solidFill>
                   <a:schemeClr val="tx1">
                     <a:lumMod val="85000"/>
@@ -9710,7 +10422,7 @@
               <a:t>Service</a:t>
             </a:r>
             <a:r>
-              <a:rPr lang="zh-CN" altLang="en-US" sz="3200">
+              <a:rPr lang="zh-CN" altLang="en-US" sz="3200" dirty="0">
                 <a:solidFill>
                   <a:schemeClr val="tx1">
                     <a:lumMod val="85000"/>
@@ -9721,7 +10433,7 @@
               <a:t>存在</a:t>
             </a:r>
             <a:r>
-              <a:rPr lang="zh-CN" altLang="en-US" sz="3200" smtClean="0">
+              <a:rPr lang="zh-CN" altLang="en-US" sz="3200" dirty="0" smtClean="0">
                 <a:solidFill>
                   <a:schemeClr val="tx1">
                     <a:lumMod val="85000"/>
@@ -9762,21 +10474,43 @@
                   </a:schemeClr>
                 </a:solidFill>
               </a:rPr>
-              <a:t>和所在应用位于同一个</a:t>
-            </a:r>
-            <a:r>
-              <a:rPr lang="zh-CN" altLang="en-US" sz="3200">
-                <a:solidFill>
-                  <a:schemeClr val="tx1">
-                    <a:lumMod val="85000"/>
-                    <a:lumOff val="15000"/>
-                  </a:schemeClr>
-                </a:solidFill>
-              </a:rPr>
-              <a:t>进程</a:t>
-            </a:r>
-            <a:r>
-              <a:rPr lang="zh-CN" altLang="en-US" sz="3200" smtClean="0">
+              <a:t>和所在应用位于同一</a:t>
+            </a:r>
+            <a:r>
+              <a:rPr lang="zh-CN" altLang="en-US" sz="3200" dirty="0" smtClean="0">
+                <a:solidFill>
+                  <a:schemeClr val="tx1">
+                    <a:lumMod val="85000"/>
+                    <a:lumOff val="15000"/>
+                  </a:schemeClr>
+                </a:solidFill>
+              </a:rPr>
+              <a:t>个</a:t>
+            </a:r>
+            <a:r>
+              <a:rPr lang="zh-CN" altLang="en-US" sz="3200" dirty="0">
+                <a:solidFill>
+                  <a:schemeClr val="tx1">
+                    <a:lumMod val="85000"/>
+                    <a:lumOff val="15000"/>
+                  </a:schemeClr>
+                </a:solidFill>
+              </a:rPr>
+              <a:t>线</a:t>
+            </a:r>
+            <a:r>
+              <a:rPr lang="zh-CN" altLang="en-US" sz="3200" dirty="0" smtClean="0">
+                <a:solidFill>
+                  <a:schemeClr val="tx1">
+                    <a:lumMod val="85000"/>
+                    <a:lumOff val="15000"/>
+                  </a:schemeClr>
+                </a:solidFill>
+              </a:rPr>
+              <a:t>程</a:t>
+            </a:r>
+            <a:r>
+              <a:rPr lang="zh-CN" altLang="en-US" sz="3200" dirty="0" smtClean="0">
                 <a:solidFill>
                   <a:schemeClr val="tx1">
                     <a:lumMod val="85000"/>
@@ -9817,21 +10551,10 @@
                   </a:schemeClr>
                 </a:solidFill>
               </a:rPr>
-              <a:t>不是新线程，不能直接处理耗时</a:t>
-            </a:r>
-            <a:r>
-              <a:rPr lang="zh-CN" altLang="en-US" sz="3200">
-                <a:solidFill>
-                  <a:schemeClr val="tx1">
-                    <a:lumMod val="85000"/>
-                    <a:lumOff val="15000"/>
-                  </a:schemeClr>
-                </a:solidFill>
-              </a:rPr>
-              <a:t>的</a:t>
-            </a:r>
-            <a:r>
-              <a:rPr lang="zh-CN" altLang="en-US" sz="3200" smtClean="0">
+              <a:t>不是新线程，不能直接处理耗时的</a:t>
+            </a:r>
+            <a:r>
+              <a:rPr lang="zh-CN" altLang="en-US" sz="3200" dirty="0" smtClean="0">
                 <a:solidFill>
                   <a:schemeClr val="tx1">
                     <a:lumMod val="85000"/>
@@ -13647,14 +14370,14 @@
           <a:lstStyle/>
           <a:p>
             <a:r>
-              <a:rPr lang="zh-CN" altLang="en-US"/>
+              <a:rPr lang="zh-CN" altLang="en-US" dirty="0"/>
               <a:t>跨进程调用</a:t>
             </a:r>
             <a:r>
-              <a:rPr lang="en-US" altLang="zh-CN"/>
+              <a:rPr lang="en-US" altLang="zh-CN" dirty="0"/>
               <a:t>Service</a:t>
             </a:r>
-            <a:endParaRPr lang="zh-CN" altLang="en-US"/>
+            <a:endParaRPr lang="zh-CN" altLang="en-US" dirty="0"/>
           </a:p>
         </p:txBody>
       </p:sp>
@@ -14064,7 +14787,7 @@
               <a:t>实现远程</a:t>
             </a:r>
             <a:r>
-              <a:rPr lang="en-US" altLang="zh-CN" sz="3200">
+              <a:rPr lang="en-US" altLang="zh-CN" sz="3200" dirty="0">
                 <a:solidFill>
                   <a:schemeClr val="tx1">
                     <a:lumMod val="85000"/>
@@ -14075,7 +14798,7 @@
               <a:t>Service</a:t>
             </a:r>
             <a:r>
-              <a:rPr lang="zh-CN" altLang="en-US" sz="3200" smtClean="0">
+              <a:rPr lang="zh-CN" altLang="en-US" sz="3200" dirty="0" smtClean="0">
                 <a:solidFill>
                   <a:schemeClr val="tx1">
                     <a:lumMod val="85000"/>
@@ -14086,7 +14809,7 @@
               <a:t>接口</a:t>
             </a:r>
             <a:r>
-              <a:rPr lang="zh-CN" altLang="en-US" sz="3200">
+              <a:rPr lang="zh-CN" altLang="en-US" sz="3200" dirty="0">
                 <a:solidFill>
                   <a:schemeClr val="tx1">
                     <a:lumMod val="85000"/>
@@ -14334,7 +15057,7 @@
               <a:t>.</a:t>
             </a:r>
             <a:r>
-              <a:rPr lang="en-US" altLang="zh-CN" sz="3200" err="1">
+              <a:rPr lang="en-US" altLang="zh-CN" sz="3200" dirty="0" err="1">
                 <a:solidFill>
                   <a:schemeClr val="tx1">
                     <a:lumMod val="85000"/>
@@ -14345,7 +15068,7 @@
               <a:t>aidl</a:t>
             </a:r>
             <a:r>
-              <a:rPr lang="zh-CN" altLang="en-US" sz="3200" smtClean="0">
+              <a:rPr lang="zh-CN" altLang="en-US" sz="3200" dirty="0" smtClean="0">
                 <a:solidFill>
                   <a:schemeClr val="tx1">
                     <a:lumMod val="85000"/>
@@ -14356,7 +15079,7 @@
               <a:t>结尾</a:t>
             </a:r>
             <a:r>
-              <a:rPr lang="zh-CN" altLang="en-US" sz="3200">
+              <a:rPr lang="zh-CN" altLang="en-US" sz="3200" dirty="0">
                 <a:solidFill>
                   <a:schemeClr val="tx1">
                     <a:lumMod val="85000"/>
@@ -14636,7 +15359,7 @@
               <a:t>创建</a:t>
             </a:r>
             <a:r>
-              <a:rPr lang="en-US" altLang="zh-CN" sz="3200">
+              <a:rPr lang="en-US" altLang="zh-CN" sz="3200" dirty="0">
                 <a:solidFill>
                   <a:schemeClr val="tx1">
                     <a:lumMod val="85000"/>
@@ -14647,7 +15370,7 @@
               <a:t>AIDL</a:t>
             </a:r>
             <a:r>
-              <a:rPr lang="zh-CN" altLang="en-US" sz="3200" smtClean="0">
+              <a:rPr lang="zh-CN" altLang="en-US" sz="3200" dirty="0" smtClean="0">
                 <a:solidFill>
                   <a:schemeClr val="tx1">
                     <a:lumMod val="85000"/>
@@ -14672,17 +15395,6 @@
               <a:buAutoNum type="arabicPeriod"/>
             </a:pPr>
             <a:r>
-              <a:rPr lang="zh-CN" altLang="en-US" sz="3200" dirty="0">
-                <a:solidFill>
-                  <a:schemeClr val="tx1">
-                    <a:lumMod val="85000"/>
-                    <a:lumOff val="15000"/>
-                  </a:schemeClr>
-                </a:solidFill>
-              </a:rPr>
-              <a:t>将接口暴漏</a:t>
-            </a:r>
-            <a:r>
               <a:rPr lang="zh-CN" altLang="en-US" sz="3200">
                 <a:solidFill>
                   <a:schemeClr val="tx1">
@@ -14691,7 +15403,7 @@
                   </a:schemeClr>
                 </a:solidFill>
               </a:rPr>
-              <a:t>给</a:t>
+              <a:t>将</a:t>
             </a:r>
             <a:r>
               <a:rPr lang="zh-CN" altLang="en-US" sz="3200" smtClean="0">
@@ -14702,7 +15414,29 @@
                   </a:schemeClr>
                 </a:solidFill>
               </a:rPr>
-              <a:t>客户端。</a:t>
+              <a:t>接口</a:t>
+            </a:r>
+            <a:r>
+              <a:rPr lang="zh-CN" altLang="en-US" sz="3200">
+                <a:solidFill>
+                  <a:schemeClr val="tx1">
+                    <a:lumMod val="85000"/>
+                    <a:lumOff val="15000"/>
+                  </a:schemeClr>
+                </a:solidFill>
+              </a:rPr>
+              <a:t>暴露</a:t>
+            </a:r>
+            <a:r>
+              <a:rPr lang="zh-CN" altLang="en-US" sz="3200" smtClean="0">
+                <a:solidFill>
+                  <a:schemeClr val="tx1">
+                    <a:lumMod val="85000"/>
+                    <a:lumOff val="15000"/>
+                  </a:schemeClr>
+                </a:solidFill>
+              </a:rPr>
+              <a:t>给客户端。</a:t>
             </a:r>
             <a:endParaRPr lang="en-US" altLang="zh-CN" sz="3200" dirty="0">
               <a:solidFill>
@@ -14727,21 +15461,10 @@
                   </a:schemeClr>
                 </a:solidFill>
               </a:rPr>
-              <a:t>客户端</a:t>
-            </a:r>
-            <a:r>
-              <a:rPr lang="zh-CN" altLang="en-US" sz="3200">
-                <a:solidFill>
-                  <a:schemeClr val="tx1">
-                    <a:lumMod val="85000"/>
-                    <a:lumOff val="15000"/>
-                  </a:schemeClr>
-                </a:solidFill>
-              </a:rPr>
-              <a:t>访问</a:t>
-            </a:r>
-            <a:r>
-              <a:rPr lang="en-US" altLang="zh-CN" sz="3200" smtClean="0">
+              <a:t>客户端访问</a:t>
+            </a:r>
+            <a:r>
+              <a:rPr lang="en-US" altLang="zh-CN" sz="3200" dirty="0" err="1" smtClean="0">
                 <a:solidFill>
                   <a:schemeClr val="tx1">
                     <a:lumMod val="85000"/>
@@ -14752,7 +15475,7 @@
               <a:t>aidlservice</a:t>
             </a:r>
             <a:r>
-              <a:rPr lang="zh-CN" altLang="en-US" sz="3200" smtClean="0">
+              <a:rPr lang="zh-CN" altLang="en-US" sz="3200" dirty="0" smtClean="0">
                 <a:solidFill>
                   <a:schemeClr val="tx1">
                     <a:lumMod val="85000"/>
@@ -14949,9 +15672,20 @@
                   </a:schemeClr>
                 </a:solidFill>
               </a:rPr>
-              <a:t>工具为该接口提供实现。</a:t>
-            </a:r>
-            <a:endParaRPr lang="en-US" altLang="zh-CN" sz="3200" dirty="0">
+              <a:t>工具为该接口提供实现</a:t>
+            </a:r>
+            <a:r>
+              <a:rPr lang="zh-CN" altLang="en-US" sz="3200" dirty="0" smtClean="0">
+                <a:solidFill>
+                  <a:schemeClr val="tx1">
+                    <a:lumMod val="85000"/>
+                    <a:lumOff val="15000"/>
+                  </a:schemeClr>
+                </a:solidFill>
+              </a:rPr>
+              <a:t>。</a:t>
+            </a:r>
+            <a:endParaRPr lang="en-US" altLang="zh-CN" sz="3200" dirty="0" smtClean="0">
               <a:solidFill>
                 <a:schemeClr val="tx1">
                   <a:lumMod val="85000"/>
@@ -14971,297 +15705,62 @@
                   </a:schemeClr>
                 </a:solidFill>
               </a:rPr>
-              <a:t>使用</a:t>
-            </a:r>
-            <a:r>
-              <a:rPr lang="en-US" altLang="zh-CN" sz="3200" dirty="0" err="1">
-                <a:solidFill>
-                  <a:schemeClr val="tx1">
-                    <a:lumMod val="85000"/>
-                    <a:lumOff val="15000"/>
-                  </a:schemeClr>
-                </a:solidFill>
-              </a:rPr>
-              <a:t>eclipse+ADT</a:t>
-            </a:r>
-            <a:r>
-              <a:rPr lang="zh-CN" altLang="en-US" sz="3200" dirty="0">
-                <a:solidFill>
-                  <a:schemeClr val="tx1">
-                    <a:lumMod val="85000"/>
-                    <a:lumOff val="15000"/>
-                  </a:schemeClr>
-                </a:solidFill>
-              </a:rPr>
-              <a:t>，由</a:t>
-            </a:r>
-            <a:r>
-              <a:rPr lang="en-US" altLang="zh-CN" sz="3200" dirty="0">
-                <a:solidFill>
-                  <a:schemeClr val="tx1">
-                    <a:lumMod val="85000"/>
-                    <a:lumOff val="15000"/>
-                  </a:schemeClr>
-                </a:solidFill>
-              </a:rPr>
-              <a:t>ADT</a:t>
-            </a:r>
-            <a:r>
-              <a:rPr lang="zh-CN" altLang="en-US" sz="3200" dirty="0">
-                <a:solidFill>
-                  <a:schemeClr val="tx1">
-                    <a:lumMod val="85000"/>
-                    <a:lumOff val="15000"/>
-                  </a:schemeClr>
-                </a:solidFill>
-              </a:rPr>
-              <a:t>自动为</a:t>
-            </a:r>
-            <a:r>
-              <a:rPr lang="en-US" altLang="zh-CN" sz="3200" dirty="0">
-                <a:solidFill>
-                  <a:schemeClr val="tx1">
-                    <a:lumMod val="85000"/>
-                    <a:lumOff val="15000"/>
-                  </a:schemeClr>
-                </a:solidFill>
-              </a:rPr>
-              <a:t>AIDL</a:t>
-            </a:r>
-            <a:r>
-              <a:rPr lang="zh-CN" altLang="en-US" sz="3200" dirty="0">
-                <a:solidFill>
-                  <a:schemeClr val="tx1">
-                    <a:lumMod val="85000"/>
-                    <a:lumOff val="15000"/>
-                  </a:schemeClr>
-                </a:solidFill>
-              </a:rPr>
-              <a:t>接口</a:t>
-            </a:r>
-            <a:r>
-              <a:rPr lang="zh-CN" altLang="en-US" sz="3200">
-                <a:solidFill>
-                  <a:schemeClr val="tx1">
-                    <a:lumMod val="85000"/>
-                    <a:lumOff val="15000"/>
-                  </a:schemeClr>
-                </a:solidFill>
-              </a:rPr>
-              <a:t>产生</a:t>
-            </a:r>
-            <a:r>
-              <a:rPr lang="zh-CN" altLang="en-US" sz="3200" smtClean="0">
-                <a:solidFill>
-                  <a:schemeClr val="tx1">
-                    <a:lumMod val="85000"/>
-                    <a:lumOff val="15000"/>
-                  </a:schemeClr>
-                </a:solidFill>
-              </a:rPr>
-              <a:t>实现。</a:t>
-            </a:r>
-            <a:endParaRPr lang="en-US" altLang="zh-CN" sz="3200" dirty="0">
-              <a:solidFill>
-                <a:schemeClr val="tx1">
-                  <a:lumMod val="85000"/>
-                  <a:lumOff val="15000"/>
-                </a:schemeClr>
-              </a:solidFill>
-            </a:endParaRPr>
-          </a:p>
-          <a:p>
-            <a:pPr>
-              <a:spcBef>
-                <a:spcPts val="1800"/>
-              </a:spcBef>
-            </a:pPr>
-            <a:r>
-              <a:rPr lang="zh-CN" altLang="en-US" sz="3200" dirty="0">
-                <a:solidFill>
-                  <a:schemeClr val="tx1">
-                    <a:lumMod val="85000"/>
-                    <a:lumOff val="15000"/>
-                  </a:schemeClr>
-                </a:solidFill>
-              </a:rPr>
-              <a:t>例如：</a:t>
-            </a:r>
-            <a:endParaRPr lang="en-US" altLang="zh-CN" sz="3200" dirty="0">
-              <a:solidFill>
-                <a:schemeClr val="tx1">
-                  <a:lumMod val="85000"/>
-                  <a:lumOff val="15000"/>
-                </a:schemeClr>
-              </a:solidFill>
-            </a:endParaRPr>
-          </a:p>
-          <a:p>
-            <a:pPr lvl="1"/>
-            <a:r>
-              <a:rPr lang="zh-CN" altLang="en-US" sz="3200" dirty="0">
-                <a:solidFill>
-                  <a:schemeClr val="tx1">
-                    <a:lumMod val="85000"/>
-                    <a:lumOff val="15000"/>
-                  </a:schemeClr>
-                </a:solidFill>
-              </a:rPr>
-              <a:t>定义好</a:t>
-            </a:r>
-            <a:r>
-              <a:rPr lang="en-US" altLang="zh-CN" sz="3200" dirty="0" err="1">
-                <a:solidFill>
-                  <a:schemeClr val="tx1">
-                    <a:lumMod val="85000"/>
-                    <a:lumOff val="15000"/>
-                  </a:schemeClr>
-                </a:solidFill>
-              </a:rPr>
-              <a:t>Icat.aidl</a:t>
-            </a:r>
-            <a:r>
-              <a:rPr lang="zh-CN" altLang="en-US" sz="3200" dirty="0">
-                <a:solidFill>
-                  <a:schemeClr val="tx1">
-                    <a:lumMod val="85000"/>
-                    <a:lumOff val="15000"/>
-                  </a:schemeClr>
-                </a:solidFill>
-              </a:rPr>
-              <a:t>后，</a:t>
-            </a:r>
-            <a:r>
-              <a:rPr lang="en-US" altLang="zh-CN" sz="3200" dirty="0">
-                <a:solidFill>
-                  <a:schemeClr val="tx1">
-                    <a:lumMod val="85000"/>
-                    <a:lumOff val="15000"/>
-                  </a:schemeClr>
-                </a:solidFill>
-              </a:rPr>
-              <a:t>ADT</a:t>
-            </a:r>
-            <a:r>
-              <a:rPr lang="zh-CN" altLang="en-US" sz="3200" dirty="0">
-                <a:solidFill>
-                  <a:schemeClr val="tx1">
-                    <a:lumMod val="85000"/>
-                    <a:lumOff val="15000"/>
-                  </a:schemeClr>
-                </a:solidFill>
-              </a:rPr>
-              <a:t>会自动</a:t>
-            </a:r>
-            <a:r>
-              <a:rPr lang="en-US" altLang="zh-CN" sz="3200" dirty="0">
-                <a:solidFill>
-                  <a:schemeClr val="tx1">
-                    <a:lumMod val="85000"/>
-                    <a:lumOff val="15000"/>
-                  </a:schemeClr>
-                </a:solidFill>
-              </a:rPr>
-              <a:t>ICat.java</a:t>
-            </a:r>
-            <a:r>
-              <a:rPr lang="zh-CN" altLang="en-US" sz="3200" dirty="0">
-                <a:solidFill>
-                  <a:schemeClr val="tx1">
-                    <a:lumMod val="85000"/>
-                    <a:lumOff val="15000"/>
-                  </a:schemeClr>
-                </a:solidFill>
-              </a:rPr>
-              <a:t>文件，其中包含一个</a:t>
-            </a:r>
-            <a:r>
-              <a:rPr lang="en-US" altLang="zh-CN" sz="3200" dirty="0">
-                <a:solidFill>
-                  <a:schemeClr val="tx1">
-                    <a:lumMod val="85000"/>
-                    <a:lumOff val="15000"/>
-                  </a:schemeClr>
-                </a:solidFill>
-              </a:rPr>
-              <a:t>Stub</a:t>
-            </a:r>
-            <a:r>
-              <a:rPr lang="zh-CN" altLang="en-US" sz="3200" dirty="0">
-                <a:solidFill>
-                  <a:schemeClr val="tx1">
-                    <a:lumMod val="85000"/>
-                    <a:lumOff val="15000"/>
-                  </a:schemeClr>
-                </a:solidFill>
-              </a:rPr>
-              <a:t>内部类，此类实现了</a:t>
-            </a:r>
-            <a:r>
-              <a:rPr lang="en-US" altLang="zh-CN" sz="3200" dirty="0" err="1">
-                <a:solidFill>
-                  <a:schemeClr val="tx1">
-                    <a:lumMod val="85000"/>
-                    <a:lumOff val="15000"/>
-                  </a:schemeClr>
-                </a:solidFill>
-              </a:rPr>
-              <a:t>Ibinder</a:t>
-            </a:r>
-            <a:r>
-              <a:rPr lang="zh-CN" altLang="en-US" sz="3200" dirty="0">
-                <a:solidFill>
-                  <a:schemeClr val="tx1">
-                    <a:lumMod val="85000"/>
-                    <a:lumOff val="15000"/>
-                  </a:schemeClr>
-                </a:solidFill>
-              </a:rPr>
-              <a:t>，</a:t>
-            </a:r>
-            <a:r>
-              <a:rPr lang="en-US" altLang="zh-CN" sz="3200" dirty="0" err="1">
-                <a:solidFill>
-                  <a:schemeClr val="tx1">
-                    <a:lumMod val="85000"/>
-                    <a:lumOff val="15000"/>
-                  </a:schemeClr>
-                </a:solidFill>
-              </a:rPr>
-              <a:t>Icat</a:t>
-            </a:r>
-            <a:r>
-              <a:rPr lang="zh-CN" altLang="en-US" sz="3200" dirty="0">
-                <a:solidFill>
-                  <a:schemeClr val="tx1">
-                    <a:lumMod val="85000"/>
-                    <a:lumOff val="15000"/>
-                  </a:schemeClr>
-                </a:solidFill>
-              </a:rPr>
-              <a:t>两个接口，</a:t>
-            </a:r>
-            <a:r>
-              <a:rPr lang="en-US" altLang="zh-CN" sz="3200" dirty="0">
-                <a:solidFill>
-                  <a:schemeClr val="tx1">
-                    <a:lumMod val="85000"/>
-                    <a:lumOff val="15000"/>
-                  </a:schemeClr>
-                </a:solidFill>
-              </a:rPr>
-              <a:t>Stub</a:t>
-            </a:r>
-            <a:r>
-              <a:rPr lang="zh-CN" altLang="en-US" sz="3200" dirty="0">
-                <a:solidFill>
-                  <a:schemeClr val="tx1">
-                    <a:lumMod val="85000"/>
-                    <a:lumOff val="15000"/>
-                  </a:schemeClr>
-                </a:solidFill>
-              </a:rPr>
-              <a:t>类作为回调类。</a:t>
+              <a:t>编译器会自动</a:t>
+            </a:r>
+            <a:r>
+              <a:rPr lang="zh-CN" altLang="en-US" sz="3200" dirty="0" smtClean="0">
+                <a:solidFill>
+                  <a:schemeClr val="tx1">
+                    <a:lumMod val="85000"/>
+                    <a:lumOff val="15000"/>
+                  </a:schemeClr>
+                </a:solidFill>
+              </a:rPr>
+              <a:t>生成</a:t>
+            </a:r>
+            <a:r>
+              <a:rPr lang="en-US" altLang="zh-CN" sz="3200" dirty="0" smtClean="0">
+                <a:solidFill>
+                  <a:schemeClr val="tx1">
+                    <a:lumMod val="85000"/>
+                    <a:lumOff val="15000"/>
+                  </a:schemeClr>
+                </a:solidFill>
+              </a:rPr>
+              <a:t>aidl</a:t>
+            </a:r>
+            <a:r>
+              <a:rPr lang="zh-CN" altLang="en-US" sz="3200" dirty="0" smtClean="0">
+                <a:solidFill>
+                  <a:schemeClr val="tx1">
+                    <a:lumMod val="85000"/>
+                    <a:lumOff val="15000"/>
+                  </a:schemeClr>
+                </a:solidFill>
+              </a:rPr>
+              <a:t>文件对应的</a:t>
+            </a:r>
+            <a:r>
+              <a:rPr lang="en-US" altLang="zh-CN" sz="3200" dirty="0" smtClean="0">
+                <a:solidFill>
+                  <a:schemeClr val="tx1">
+                    <a:lumMod val="85000"/>
+                    <a:lumOff val="15000"/>
+                  </a:schemeClr>
+                </a:solidFill>
+              </a:rPr>
+              <a:t>.java</a:t>
+            </a:r>
+            <a:r>
+              <a:rPr lang="zh-CN" altLang="en-US" sz="3200" dirty="0" smtClean="0">
+                <a:solidFill>
+                  <a:schemeClr val="tx1">
+                    <a:lumMod val="85000"/>
+                    <a:lumOff val="15000"/>
+                  </a:schemeClr>
+                </a:solidFill>
+              </a:rPr>
+              <a:t>文件</a:t>
             </a:r>
             <a:endParaRPr lang="en-US" altLang="zh-CN" sz="3200" dirty="0">
               <a:solidFill>
@@ -15308,302 +15807,16 @@
           </a:p>
         </p:txBody>
       </p:sp>
-    </p:spTree>
-    <p:extLst>
-      <p:ext uri="{BB962C8B-B14F-4D97-AF65-F5344CB8AC3E}">
-        <p14:creationId xmlns:p14="http://schemas.microsoft.com/office/powerpoint/2010/main" val="1465717257"/>
-      </p:ext>
-    </p:extLst>
-  </p:cSld>
-  <p:clrMapOvr>
-    <a:masterClrMapping/>
-  </p:clrMapOvr>
-</p:sld>
-</file>
-
-<file path=ppt/slides/slide29.xml><?xml version="1.0" encoding="utf-8"?>
-<p:sld xmlns:a="http://schemas.openxmlformats.org/drawingml/2006/main" xmlns:r="http://schemas.openxmlformats.org/officeDocument/2006/relationships" xmlns:p="http://schemas.openxmlformats.org/presentationml/2006/main">
-  <p:cSld>
-    <p:spTree>
-      <p:nvGrpSpPr>
-        <p:cNvPr id="1" name=""/>
-        <p:cNvGrpSpPr/>
-        <p:nvPr/>
-      </p:nvGrpSpPr>
-      <p:grpSpPr>
-        <a:xfrm>
-          <a:off x="0" y="0"/>
-          <a:ext cx="0" cy="0"/>
-          <a:chOff x="0" y="0"/>
-          <a:chExt cx="0" cy="0"/>
-        </a:xfrm>
-      </p:grpSpPr>
       <p:sp>
         <p:nvSpPr>
-          <p:cNvPr id="4" name="内容占位符 3"/>
-          <p:cNvSpPr>
-            <a:spLocks noGrp="1"/>
-          </p:cNvSpPr>
-          <p:nvPr>
-            <p:ph idx="1"/>
-          </p:nvPr>
-        </p:nvSpPr>
-        <p:spPr>
-          <a:xfrm>
-            <a:off x="911423" y="1600200"/>
-            <a:ext cx="10202923" cy="1684784"/>
-          </a:xfrm>
-        </p:spPr>
-        <p:txBody>
-          <a:bodyPr>
-            <a:normAutofit/>
-          </a:bodyPr>
-          <a:lstStyle/>
-          <a:p>
-            <a:r>
-              <a:rPr lang="zh-CN" altLang="en-US" sz="3200" dirty="0">
-                <a:solidFill>
-                  <a:schemeClr val="tx1">
-                    <a:lumMod val="85000"/>
-                    <a:lumOff val="15000"/>
-                  </a:schemeClr>
-                </a:solidFill>
-              </a:rPr>
-              <a:t>定义一个</a:t>
-            </a:r>
-            <a:r>
-              <a:rPr lang="en-US" altLang="zh-CN" sz="3200" dirty="0">
-                <a:solidFill>
-                  <a:schemeClr val="tx1">
-                    <a:lumMod val="85000"/>
-                    <a:lumOff val="15000"/>
-                  </a:schemeClr>
-                </a:solidFill>
-              </a:rPr>
-              <a:t>Service</a:t>
-            </a:r>
-            <a:r>
-              <a:rPr lang="zh-CN" altLang="en-US" sz="3200" dirty="0">
-                <a:solidFill>
-                  <a:schemeClr val="tx1">
-                    <a:lumMod val="85000"/>
-                    <a:lumOff val="15000"/>
-                  </a:schemeClr>
-                </a:solidFill>
-              </a:rPr>
-              <a:t>实现类，其</a:t>
-            </a:r>
-            <a:r>
-              <a:rPr lang="en-US" altLang="zh-CN" sz="3200" dirty="0" err="1">
-                <a:solidFill>
-                  <a:schemeClr val="tx1">
-                    <a:lumMod val="85000"/>
-                    <a:lumOff val="15000"/>
-                  </a:schemeClr>
-                </a:solidFill>
-              </a:rPr>
-              <a:t>onBind</a:t>
-            </a:r>
-            <a:r>
-              <a:rPr lang="zh-CN" altLang="en-US" sz="3200" dirty="0">
-                <a:solidFill>
-                  <a:schemeClr val="tx1">
-                    <a:lumMod val="85000"/>
-                    <a:lumOff val="15000"/>
-                  </a:schemeClr>
-                </a:solidFill>
-              </a:rPr>
-              <a:t>方法返回的</a:t>
-            </a:r>
-            <a:r>
-              <a:rPr lang="en-US" altLang="zh-CN" sz="3200" dirty="0" err="1">
-                <a:solidFill>
-                  <a:schemeClr val="tx1">
-                    <a:lumMod val="85000"/>
-                    <a:lumOff val="15000"/>
-                  </a:schemeClr>
-                </a:solidFill>
-              </a:rPr>
-              <a:t>Ibinder</a:t>
-            </a:r>
-            <a:r>
-              <a:rPr lang="zh-CN" altLang="en-US" sz="3200" dirty="0">
-                <a:solidFill>
-                  <a:schemeClr val="tx1">
-                    <a:lumMod val="85000"/>
-                    <a:lumOff val="15000"/>
-                  </a:schemeClr>
-                </a:solidFill>
-              </a:rPr>
-              <a:t>对象是</a:t>
-            </a:r>
-            <a:r>
-              <a:rPr lang="en-US" altLang="zh-CN" sz="3200" dirty="0">
-                <a:solidFill>
-                  <a:schemeClr val="tx1">
-                    <a:lumMod val="85000"/>
-                    <a:lumOff val="15000"/>
-                  </a:schemeClr>
-                </a:solidFill>
-              </a:rPr>
-              <a:t>ADT</a:t>
-            </a:r>
-            <a:r>
-              <a:rPr lang="zh-CN" altLang="en-US" sz="3200" dirty="0">
-                <a:solidFill>
-                  <a:schemeClr val="tx1">
-                    <a:lumMod val="85000"/>
-                    <a:lumOff val="15000"/>
-                  </a:schemeClr>
-                </a:solidFill>
-              </a:rPr>
-              <a:t>生成的</a:t>
-            </a:r>
-            <a:r>
-              <a:rPr lang="en-US" altLang="zh-CN" sz="3200" dirty="0" err="1">
-                <a:solidFill>
-                  <a:schemeClr val="tx1">
-                    <a:lumMod val="85000"/>
-                    <a:lumOff val="15000"/>
-                  </a:schemeClr>
-                </a:solidFill>
-              </a:rPr>
-              <a:t>ICat.Stub</a:t>
-            </a:r>
-            <a:r>
-              <a:rPr lang="zh-CN" altLang="en-US" sz="3200" dirty="0">
-                <a:solidFill>
-                  <a:schemeClr val="tx1">
-                    <a:lumMod val="85000"/>
-                    <a:lumOff val="15000"/>
-                  </a:schemeClr>
-                </a:solidFill>
-              </a:rPr>
-              <a:t>的子类的实例。</a:t>
-            </a:r>
-            <a:endParaRPr lang="en-US" altLang="zh-CN" sz="3200" dirty="0">
-              <a:solidFill>
-                <a:schemeClr val="tx1">
-                  <a:lumMod val="85000"/>
-                  <a:lumOff val="15000"/>
-                </a:schemeClr>
-              </a:solidFill>
-            </a:endParaRPr>
-          </a:p>
-          <a:p>
-            <a:r>
-              <a:rPr lang="zh-CN" altLang="en-US" sz="3200" dirty="0">
-                <a:solidFill>
-                  <a:schemeClr val="tx1">
-                    <a:lumMod val="85000"/>
-                    <a:lumOff val="15000"/>
-                  </a:schemeClr>
-                </a:solidFill>
-              </a:rPr>
-              <a:t>在</a:t>
-            </a:r>
-            <a:r>
-              <a:rPr lang="en-US" altLang="zh-CN" sz="3200" dirty="0">
-                <a:solidFill>
-                  <a:schemeClr val="tx1">
-                    <a:lumMod val="85000"/>
-                    <a:lumOff val="15000"/>
-                  </a:schemeClr>
-                </a:solidFill>
-              </a:rPr>
-              <a:t>AndroidManifest.xml</a:t>
-            </a:r>
-            <a:r>
-              <a:rPr lang="zh-CN" altLang="en-US" sz="3200" dirty="0">
-                <a:solidFill>
-                  <a:schemeClr val="tx1">
-                    <a:lumMod val="85000"/>
-                    <a:lumOff val="15000"/>
-                  </a:schemeClr>
-                </a:solidFill>
-              </a:rPr>
-              <a:t>文件中</a:t>
-            </a:r>
-            <a:r>
-              <a:rPr lang="zh-CN" altLang="en-US" sz="3200">
-                <a:solidFill>
-                  <a:schemeClr val="tx1">
-                    <a:lumMod val="85000"/>
-                    <a:lumOff val="15000"/>
-                  </a:schemeClr>
-                </a:solidFill>
-              </a:rPr>
-              <a:t>注册</a:t>
-            </a:r>
-            <a:r>
-              <a:rPr lang="en-US" altLang="zh-CN" sz="3200" smtClean="0">
-                <a:solidFill>
-                  <a:schemeClr val="tx1">
-                    <a:lumMod val="85000"/>
-                    <a:lumOff val="15000"/>
-                  </a:schemeClr>
-                </a:solidFill>
-              </a:rPr>
-              <a:t>Service</a:t>
-            </a:r>
-            <a:r>
-              <a:rPr lang="zh-CN" altLang="en-US" sz="3200" smtClean="0">
-                <a:solidFill>
-                  <a:schemeClr val="tx1">
-                    <a:lumMod val="85000"/>
-                    <a:lumOff val="15000"/>
-                  </a:schemeClr>
-                </a:solidFill>
-              </a:rPr>
-              <a:t>。</a:t>
-            </a:r>
-            <a:endParaRPr lang="en-US" altLang="zh-CN" sz="3200" dirty="0">
-              <a:solidFill>
-                <a:schemeClr val="tx1">
-                  <a:lumMod val="85000"/>
-                  <a:lumOff val="15000"/>
-                </a:schemeClr>
-              </a:solidFill>
-            </a:endParaRPr>
-          </a:p>
-        </p:txBody>
-      </p:sp>
-      <p:sp>
-        <p:nvSpPr>
-          <p:cNvPr id="5" name="标题 4"/>
-          <p:cNvSpPr>
-            <a:spLocks noGrp="1"/>
-          </p:cNvSpPr>
-          <p:nvPr>
-            <p:ph type="title"/>
-          </p:nvPr>
-        </p:nvSpPr>
-        <p:spPr/>
-        <p:txBody>
-          <a:bodyPr/>
-          <a:lstStyle/>
-          <a:p>
-            <a:r>
-              <a:rPr lang="en-US" altLang="zh-CN"/>
-              <a:t>Step2</a:t>
-            </a:r>
-            <a:r>
-              <a:rPr lang="zh-CN" altLang="en-US"/>
-              <a:t>、将接口暴露给客户端</a:t>
-            </a:r>
-          </a:p>
-        </p:txBody>
-      </p:sp>
-      <p:sp>
-        <p:nvSpPr>
-          <p:cNvPr id="6" name="TextBox 3"/>
+          <p:cNvPr id="5" name="TextBox 3"/>
           <p:cNvSpPr txBox="1"/>
           <p:nvPr/>
         </p:nvSpPr>
         <p:spPr>
           <a:xfrm>
-            <a:off x="1415480" y="3356992"/>
-            <a:ext cx="9145016" cy="2376264"/>
+            <a:off x="1595500" y="3861048"/>
+            <a:ext cx="9145016" cy="2996952"/>
           </a:xfrm>
           <a:prstGeom prst="rect">
             <a:avLst/>
@@ -15723,7 +15936,7 @@
           </a:lstStyle>
           <a:p>
             <a:r>
-              <a:rPr lang="en-US" altLang="zh-CN" sz="2400">
+              <a:rPr lang="en-US" altLang="zh-CN" sz="2400" dirty="0">
                 <a:solidFill>
                   <a:srgbClr val="00B050"/>
                 </a:solidFill>
@@ -15731,39 +15944,47 @@
               <a:t>&lt;!----  </a:t>
             </a:r>
             <a:r>
-              <a:rPr lang="zh-CN" altLang="en-US" sz="2400" b="0">
+              <a:rPr lang="zh-CN" altLang="en-US" sz="2400" b="0" dirty="0">
                 <a:solidFill>
                   <a:srgbClr val="00B050"/>
                 </a:solidFill>
               </a:rPr>
-              <a:t>定义一个</a:t>
-            </a:r>
-            <a:r>
-              <a:rPr lang="en-US" altLang="zh-CN" sz="2400" b="0">
+              <a:t>定义一</a:t>
+            </a:r>
+            <a:r>
+              <a:rPr lang="zh-CN" altLang="en-US" sz="2400" b="0" dirty="0" smtClean="0">
                 <a:solidFill>
                   <a:srgbClr val="00B050"/>
                 </a:solidFill>
               </a:rPr>
-              <a:t>Service</a:t>
-            </a:r>
-            <a:r>
-              <a:rPr lang="zh-CN" altLang="en-US" sz="2400" b="0">
+              <a:t>个</a:t>
+            </a:r>
+            <a:r>
+              <a:rPr lang="en-US" altLang="zh-CN" sz="2400" b="0" dirty="0" smtClean="0">
                 <a:solidFill>
                   <a:srgbClr val="00B050"/>
                 </a:solidFill>
               </a:rPr>
-              <a:t>组件</a:t>
-            </a:r>
-            <a:r>
-              <a:rPr lang="zh-CN" altLang="en-US" sz="2400">
+              <a:t>aidl</a:t>
+            </a:r>
+            <a:r>
+              <a:rPr lang="zh-CN" altLang="en-US" sz="2400" b="0" dirty="0">
                 <a:solidFill>
                   <a:srgbClr val="00B050"/>
                 </a:solidFill>
               </a:rPr>
+              <a:t>文件</a:t>
+            </a:r>
+            <a:r>
+              <a:rPr lang="zh-CN" altLang="en-US" sz="2400" dirty="0" smtClean="0">
+                <a:solidFill>
+                  <a:srgbClr val="00B050"/>
+                </a:solidFill>
+              </a:rPr>
               <a:t>  </a:t>
             </a:r>
             <a:r>
-              <a:rPr lang="en-US" altLang="zh-CN" sz="2400">
+              <a:rPr lang="en-US" altLang="zh-CN" sz="2400" dirty="0">
                 <a:solidFill>
                   <a:srgbClr val="00B050"/>
                 </a:solidFill>
@@ -15773,79 +15994,275 @@
           </a:p>
           <a:p>
             <a:r>
-              <a:rPr lang="en-US" altLang="zh-CN" sz="2400"/>
-              <a:t>&lt;</a:t>
-            </a:r>
-            <a:r>
-              <a:rPr lang="en-US" altLang="zh-CN" sz="2400" smtClean="0"/>
-              <a:t>service android:name=".AidlService" &gt;</a:t>
-            </a:r>
-          </a:p>
-          <a:p>
-            <a:r>
-              <a:rPr lang="en-US" altLang="zh-CN" sz="2400" smtClean="0"/>
-              <a:t>    &lt;</a:t>
-            </a:r>
-            <a:r>
-              <a:rPr lang="en-US" altLang="zh-CN" sz="2400"/>
-              <a:t>intent-filter&gt;</a:t>
-            </a:r>
-          </a:p>
-          <a:p>
-            <a:r>
-              <a:rPr lang="en-US" altLang="zh-CN" sz="2400" smtClean="0"/>
-              <a:t>        &lt;action android:name="</a:t>
-            </a:r>
-            <a:r>
-              <a:rPr lang="zh-CN" altLang="en-US" sz="2400" smtClean="0"/>
-              <a:t>包名</a:t>
-            </a:r>
-            <a:r>
-              <a:rPr lang="en-US" altLang="zh-CN" sz="2400" smtClean="0"/>
-              <a:t>"</a:t>
-            </a:r>
-            <a:r>
-              <a:rPr lang="zh-CN" altLang="en-US" sz="2400" smtClean="0"/>
-              <a:t> </a:t>
-            </a:r>
-            <a:r>
-              <a:rPr lang="en-US" altLang="zh-CN" sz="2400"/>
-              <a:t>/&gt;</a:t>
-            </a:r>
-          </a:p>
-          <a:p>
-            <a:r>
-              <a:rPr lang="en-US" altLang="zh-CN" sz="2400" smtClean="0"/>
-              <a:t>    &lt;/</a:t>
-            </a:r>
-            <a:r>
-              <a:rPr lang="en-US" altLang="zh-CN" sz="2400"/>
-              <a:t>intent-filter&gt;</a:t>
-            </a:r>
-          </a:p>
-          <a:p>
-            <a:r>
-              <a:rPr lang="en-US" altLang="zh-CN" sz="2400"/>
-              <a:t>&lt;/service</a:t>
-            </a:r>
-            <a:r>
-              <a:rPr lang="en-US" altLang="zh-CN" sz="2400" smtClean="0"/>
-              <a:t>&gt;</a:t>
-            </a:r>
-            <a:endParaRPr lang="en-US" altLang="zh-CN" sz="2400"/>
+              <a:rPr lang="en-US" altLang="zh-CN" sz="2400" dirty="0"/>
+              <a:t>package net.onest.aidlservice</a:t>
+            </a:r>
+            <a:r>
+              <a:rPr lang="en-US" altLang="zh-CN" sz="2400" dirty="0" smtClean="0"/>
+              <a:t>;</a:t>
+            </a:r>
+            <a:endParaRPr lang="en-US" altLang="zh-CN" sz="2400" dirty="0"/>
+          </a:p>
+          <a:p>
+            <a:r>
+              <a:rPr lang="en-US" altLang="zh-CN" sz="2400" dirty="0"/>
+              <a:t>interface CircleAidlInterface </a:t>
+            </a:r>
+            <a:r>
+              <a:rPr lang="en-US" altLang="zh-CN" sz="2400" dirty="0" smtClean="0"/>
+              <a:t>{</a:t>
+            </a:r>
+          </a:p>
+          <a:p>
+            <a:r>
+              <a:rPr lang="en-US" altLang="zh-CN" sz="2400" dirty="0" smtClean="0"/>
+              <a:t>    //</a:t>
+            </a:r>
+            <a:r>
+              <a:rPr lang="zh-CN" altLang="en-US" sz="2400" dirty="0" smtClean="0"/>
+              <a:t>得到圆的周长</a:t>
+            </a:r>
+          </a:p>
+          <a:p>
+            <a:r>
+              <a:rPr lang="zh-CN" altLang="en-US" sz="2400" dirty="0" smtClean="0"/>
+              <a:t>    </a:t>
+            </a:r>
+            <a:r>
+              <a:rPr lang="en-US" altLang="zh-CN" sz="2400" dirty="0"/>
+              <a:t>double getCircleLength(double r);</a:t>
+            </a:r>
+          </a:p>
+          <a:p>
+            <a:r>
+              <a:rPr lang="en-US" altLang="zh-CN" sz="2400" dirty="0"/>
+              <a:t>    //</a:t>
+            </a:r>
+            <a:r>
+              <a:rPr lang="zh-CN" altLang="en-US" sz="2400" dirty="0"/>
+              <a:t>得到圆的面积</a:t>
+            </a:r>
+          </a:p>
+          <a:p>
+            <a:r>
+              <a:rPr lang="zh-CN" altLang="en-US" sz="2400" dirty="0"/>
+              <a:t>    </a:t>
+            </a:r>
+            <a:r>
+              <a:rPr lang="en-US" altLang="zh-CN" sz="2400" dirty="0"/>
+              <a:t>double getCircleArea(double r);</a:t>
+            </a:r>
+          </a:p>
+          <a:p>
+            <a:r>
+              <a:rPr lang="en-US" altLang="zh-CN" sz="2400" dirty="0"/>
+              <a:t>}</a:t>
+            </a:r>
           </a:p>
         </p:txBody>
       </p:sp>
     </p:spTree>
     <p:extLst>
       <p:ext uri="{BB962C8B-B14F-4D97-AF65-F5344CB8AC3E}">
-        <p14:creationId xmlns:p14="http://schemas.microsoft.com/office/powerpoint/2010/main" val="4074110308"/>
+        <p14:creationId xmlns:p14="http://schemas.microsoft.com/office/powerpoint/2010/main" val="106379346"/>
       </p:ext>
     </p:extLst>
   </p:cSld>
   <p:clrMapOvr>
     <a:masterClrMapping/>
   </p:clrMapOvr>
+  <p:timing>
+    <p:tnLst>
+      <p:par>
+        <p:cTn id="1" dur="indefinite" restart="never" nodeType="tmRoot"/>
+      </p:par>
+    </p:tnLst>
+  </p:timing>
+</p:sld>
+</file>
+
+<file path=ppt/slides/slide29.xml><?xml version="1.0" encoding="utf-8"?>
+<p:sld xmlns:a="http://schemas.openxmlformats.org/drawingml/2006/main" xmlns:r="http://schemas.openxmlformats.org/officeDocument/2006/relationships" xmlns:p="http://schemas.openxmlformats.org/presentationml/2006/main">
+  <p:cSld>
+    <p:spTree>
+      <p:nvGrpSpPr>
+        <p:cNvPr id="1" name=""/>
+        <p:cNvGrpSpPr/>
+        <p:nvPr/>
+      </p:nvGrpSpPr>
+      <p:grpSpPr>
+        <a:xfrm>
+          <a:off x="0" y="0"/>
+          <a:ext cx="0" cy="0"/>
+          <a:chOff x="0" y="0"/>
+          <a:chExt cx="0" cy="0"/>
+        </a:xfrm>
+      </p:grpSpPr>
+      <p:sp>
+        <p:nvSpPr>
+          <p:cNvPr id="4" name="内容占位符 3"/>
+          <p:cNvSpPr>
+            <a:spLocks noGrp="1"/>
+          </p:cNvSpPr>
+          <p:nvPr>
+            <p:ph idx="1"/>
+          </p:nvPr>
+        </p:nvSpPr>
+        <p:spPr>
+          <a:xfrm>
+            <a:off x="911424" y="1600200"/>
+            <a:ext cx="10513168" cy="4853136"/>
+          </a:xfrm>
+        </p:spPr>
+        <p:txBody>
+          <a:bodyPr>
+            <a:noAutofit/>
+          </a:bodyPr>
+          <a:lstStyle/>
+          <a:p>
+            <a:r>
+              <a:rPr lang="en-US" altLang="zh-CN" sz="3200" dirty="0">
+                <a:solidFill>
+                  <a:schemeClr val="tx1">
+                    <a:lumMod val="85000"/>
+                    <a:lumOff val="15000"/>
+                  </a:schemeClr>
+                </a:solidFill>
+              </a:rPr>
+              <a:t>AIDL</a:t>
+            </a:r>
+            <a:r>
+              <a:rPr lang="zh-CN" altLang="en-US" sz="3200" dirty="0">
+                <a:solidFill>
+                  <a:schemeClr val="tx1">
+                    <a:lumMod val="85000"/>
+                    <a:lumOff val="15000"/>
+                  </a:schemeClr>
+                </a:solidFill>
+              </a:rPr>
+              <a:t>文件的</a:t>
+            </a:r>
+            <a:r>
+              <a:rPr lang="zh-CN" altLang="en-US" sz="3200" dirty="0" smtClean="0">
+                <a:solidFill>
+                  <a:schemeClr val="tx1">
+                    <a:lumMod val="85000"/>
+                    <a:lumOff val="15000"/>
+                  </a:schemeClr>
+                </a:solidFill>
+              </a:rPr>
+              <a:t>创建方法</a:t>
+            </a:r>
+            <a:endParaRPr lang="en-US" altLang="zh-CN" sz="3200" dirty="0">
+              <a:solidFill>
+                <a:schemeClr val="tx1">
+                  <a:lumMod val="85000"/>
+                  <a:lumOff val="15000"/>
+                </a:schemeClr>
+              </a:solidFill>
+            </a:endParaRPr>
+          </a:p>
+        </p:txBody>
+      </p:sp>
+      <p:sp>
+        <p:nvSpPr>
+          <p:cNvPr id="2" name="标题 1"/>
+          <p:cNvSpPr>
+            <a:spLocks noGrp="1"/>
+          </p:cNvSpPr>
+          <p:nvPr>
+            <p:ph type="title"/>
+          </p:nvPr>
+        </p:nvSpPr>
+        <p:spPr/>
+        <p:txBody>
+          <a:bodyPr/>
+          <a:lstStyle/>
+          <a:p>
+            <a:r>
+              <a:rPr lang="en-US" altLang="zh-CN"/>
+              <a:t>Step1</a:t>
+            </a:r>
+            <a:r>
+              <a:rPr lang="zh-CN" altLang="en-US"/>
+              <a:t>、创建</a:t>
+            </a:r>
+            <a:r>
+              <a:rPr lang="en-US" altLang="zh-CN"/>
+              <a:t>AIDL</a:t>
+            </a:r>
+            <a:r>
+              <a:rPr lang="zh-CN" altLang="en-US"/>
+              <a:t>文件</a:t>
+            </a:r>
+          </a:p>
+        </p:txBody>
+      </p:sp>
+      <p:pic>
+        <p:nvPicPr>
+          <p:cNvPr id="3" name="图片 2"/>
+          <p:cNvPicPr>
+            <a:picLocks noChangeAspect="1"/>
+          </p:cNvPicPr>
+          <p:nvPr/>
+        </p:nvPicPr>
+        <p:blipFill>
+          <a:blip r:embed="rId3"/>
+          <a:stretch>
+            <a:fillRect/>
+          </a:stretch>
+        </p:blipFill>
+        <p:spPr>
+          <a:xfrm>
+            <a:off x="191344" y="2204864"/>
+            <a:ext cx="3216451" cy="3888432"/>
+          </a:xfrm>
+          <a:prstGeom prst="rect">
+            <a:avLst/>
+          </a:prstGeom>
+        </p:spPr>
+      </p:pic>
+      <p:pic>
+        <p:nvPicPr>
+          <p:cNvPr id="6" name="图片 5"/>
+          <p:cNvPicPr>
+            <a:picLocks noChangeAspect="1"/>
+          </p:cNvPicPr>
+          <p:nvPr/>
+        </p:nvPicPr>
+        <p:blipFill>
+          <a:blip r:embed="rId4"/>
+          <a:stretch>
+            <a:fillRect/>
+          </a:stretch>
+        </p:blipFill>
+        <p:spPr>
+          <a:xfrm>
+            <a:off x="3791744" y="2126501"/>
+            <a:ext cx="7004410" cy="4045158"/>
+          </a:xfrm>
+          <a:prstGeom prst="rect">
+            <a:avLst/>
+          </a:prstGeom>
+        </p:spPr>
+      </p:pic>
+    </p:spTree>
+    <p:extLst>
+      <p:ext uri="{BB962C8B-B14F-4D97-AF65-F5344CB8AC3E}">
+        <p14:creationId xmlns:p14="http://schemas.microsoft.com/office/powerpoint/2010/main" val="2621290264"/>
+      </p:ext>
+    </p:extLst>
+  </p:cSld>
+  <p:clrMapOvr>
+    <a:masterClrMapping/>
+  </p:clrMapOvr>
+  <p:timing>
+    <p:tnLst>
+      <p:par>
+        <p:cTn id="1" dur="indefinite" restart="never" nodeType="tmRoot"/>
+      </p:par>
+    </p:tnLst>
+  </p:timing>
 </p:sld>
 </file>
 
@@ -17441,7 +17858,7 @@
         <p:spPr>
           <a:xfrm>
             <a:off x="911424" y="1600200"/>
-            <a:ext cx="10081120" cy="4853136"/>
+            <a:ext cx="10513168" cy="4853136"/>
           </a:xfrm>
         </p:spPr>
         <p:txBody>
@@ -17459,7 +17876,7 @@
                   </a:schemeClr>
                 </a:solidFill>
               </a:rPr>
-              <a:t> </a:t>
+              <a:t>AIDL</a:t>
             </a:r>
             <a:r>
               <a:rPr lang="zh-CN" altLang="en-US" sz="3200" dirty="0">
@@ -17470,383 +17887,18 @@
                   </a:schemeClr>
                 </a:solidFill>
               </a:rPr>
-              <a:t>访问</a:t>
-            </a:r>
-            <a:r>
-              <a:rPr lang="en-US" altLang="zh-CN" sz="3200" dirty="0" err="1">
-                <a:solidFill>
-                  <a:schemeClr val="tx1">
-                    <a:lumMod val="85000"/>
-                    <a:lumOff val="15000"/>
-                  </a:schemeClr>
-                </a:solidFill>
-              </a:rPr>
-              <a:t>AIDLService</a:t>
-            </a:r>
-            <a:r>
-              <a:rPr lang="zh-CN" altLang="en-US" sz="3200" dirty="0">
-                <a:solidFill>
-                  <a:schemeClr val="tx1">
-                    <a:lumMod val="85000"/>
-                    <a:lumOff val="15000"/>
-                  </a:schemeClr>
-                </a:solidFill>
-              </a:rPr>
-              <a:t>的步骤：</a:t>
-            </a:r>
-            <a:endParaRPr lang="en-US" altLang="zh-CN" sz="3200" dirty="0">
-              <a:solidFill>
-                <a:schemeClr val="tx1">
-                  <a:lumMod val="85000"/>
-                  <a:lumOff val="15000"/>
-                </a:schemeClr>
-              </a:solidFill>
-            </a:endParaRPr>
-          </a:p>
-          <a:p>
-            <a:pPr marL="971550" lvl="1" indent="-514350">
-              <a:spcBef>
-                <a:spcPts val="1200"/>
-              </a:spcBef>
-              <a:buFont typeface="+mj-lt"/>
-              <a:buAutoNum type="arabicPeriod"/>
-            </a:pPr>
-            <a:r>
-              <a:rPr lang="zh-CN" altLang="en-US" sz="3200" dirty="0">
-                <a:solidFill>
-                  <a:schemeClr val="tx1">
-                    <a:lumMod val="85000"/>
-                    <a:lumOff val="15000"/>
-                  </a:schemeClr>
-                </a:solidFill>
-              </a:rPr>
-              <a:t>讲</a:t>
-            </a:r>
-            <a:r>
-              <a:rPr lang="en-US" altLang="zh-CN" sz="3200" dirty="0">
-                <a:solidFill>
-                  <a:schemeClr val="tx1">
-                    <a:lumMod val="85000"/>
-                    <a:lumOff val="15000"/>
-                  </a:schemeClr>
-                </a:solidFill>
-              </a:rPr>
-              <a:t>Service</a:t>
-            </a:r>
-            <a:r>
-              <a:rPr lang="zh-CN" altLang="en-US" sz="3200" dirty="0">
-                <a:solidFill>
-                  <a:schemeClr val="tx1">
-                    <a:lumMod val="85000"/>
-                    <a:lumOff val="15000"/>
-                  </a:schemeClr>
-                </a:solidFill>
-              </a:rPr>
-              <a:t>端的</a:t>
-            </a:r>
-            <a:r>
-              <a:rPr lang="en-US" altLang="zh-CN" sz="3200" dirty="0">
-                <a:solidFill>
-                  <a:schemeClr val="tx1">
-                    <a:lumMod val="85000"/>
-                    <a:lumOff val="15000"/>
-                  </a:schemeClr>
-                </a:solidFill>
-              </a:rPr>
-              <a:t>AIDL</a:t>
-            </a:r>
-            <a:r>
-              <a:rPr lang="zh-CN" altLang="en-US" sz="3200" dirty="0">
-                <a:solidFill>
-                  <a:schemeClr val="tx1">
-                    <a:lumMod val="85000"/>
-                    <a:lumOff val="15000"/>
-                  </a:schemeClr>
-                </a:solidFill>
-              </a:rPr>
-              <a:t>接口文件复制到客户端</a:t>
-            </a:r>
-            <a:r>
-              <a:rPr lang="zh-CN" altLang="en-US" sz="3200">
-                <a:solidFill>
-                  <a:schemeClr val="tx1">
-                    <a:lumMod val="85000"/>
-                    <a:lumOff val="15000"/>
-                  </a:schemeClr>
-                </a:solidFill>
-              </a:rPr>
-              <a:t>应用</a:t>
-            </a:r>
-            <a:r>
-              <a:rPr lang="zh-CN" altLang="en-US" sz="3200" smtClean="0">
-                <a:solidFill>
-                  <a:schemeClr val="tx1">
-                    <a:lumMod val="85000"/>
-                    <a:lumOff val="15000"/>
-                  </a:schemeClr>
-                </a:solidFill>
-              </a:rPr>
-              <a:t>中。</a:t>
-            </a:r>
-            <a:endParaRPr lang="en-US" altLang="zh-CN" sz="3200" dirty="0">
-              <a:solidFill>
-                <a:schemeClr val="tx1">
-                  <a:lumMod val="85000"/>
-                  <a:lumOff val="15000"/>
-                </a:schemeClr>
-              </a:solidFill>
-            </a:endParaRPr>
-          </a:p>
-          <a:p>
-            <a:pPr marL="971550" lvl="1" indent="-514350">
-              <a:spcBef>
-                <a:spcPts val="1200"/>
-              </a:spcBef>
-              <a:buFont typeface="+mj-lt"/>
-              <a:buAutoNum type="arabicPeriod"/>
-            </a:pPr>
-            <a:r>
-              <a:rPr lang="zh-CN" altLang="en-US" sz="3200" dirty="0">
-                <a:solidFill>
-                  <a:schemeClr val="tx1">
-                    <a:lumMod val="85000"/>
-                    <a:lumOff val="15000"/>
-                  </a:schemeClr>
-                </a:solidFill>
-              </a:rPr>
-              <a:t>创建</a:t>
-            </a:r>
-            <a:r>
-              <a:rPr lang="en-US" altLang="zh-CN" sz="3200" err="1">
-                <a:solidFill>
-                  <a:schemeClr val="tx1">
-                    <a:lumMod val="85000"/>
-                    <a:lumOff val="15000"/>
-                  </a:schemeClr>
-                </a:solidFill>
-              </a:rPr>
-              <a:t>ServiceConnection</a:t>
-            </a:r>
-            <a:r>
-              <a:rPr lang="zh-CN" altLang="en-US" sz="3200" smtClean="0">
-                <a:solidFill>
-                  <a:schemeClr val="tx1">
-                    <a:lumMod val="85000"/>
-                    <a:lumOff val="15000"/>
-                  </a:schemeClr>
-                </a:solidFill>
-              </a:rPr>
-              <a:t>对象。</a:t>
-            </a:r>
-            <a:endParaRPr lang="en-US" altLang="zh-CN" sz="3200" dirty="0">
-              <a:solidFill>
-                <a:schemeClr val="tx1">
-                  <a:lumMod val="85000"/>
-                  <a:lumOff val="15000"/>
-                </a:schemeClr>
-              </a:solidFill>
-            </a:endParaRPr>
-          </a:p>
-          <a:p>
-            <a:pPr marL="971550" lvl="1" indent="-514350">
-              <a:spcBef>
-                <a:spcPts val="1200"/>
-              </a:spcBef>
-              <a:buFont typeface="+mj-lt"/>
-              <a:buAutoNum type="arabicPeriod"/>
-            </a:pPr>
-            <a:r>
-              <a:rPr lang="zh-CN" altLang="en-US" sz="3200" dirty="0">
-                <a:solidFill>
-                  <a:schemeClr val="tx1">
-                    <a:lumMod val="85000"/>
-                    <a:lumOff val="15000"/>
-                  </a:schemeClr>
-                </a:solidFill>
-              </a:rPr>
-              <a:t>调用</a:t>
-            </a:r>
-            <a:r>
-              <a:rPr lang="en-US" altLang="zh-CN" sz="3200" dirty="0" err="1">
-                <a:solidFill>
-                  <a:schemeClr val="tx1">
-                    <a:lumMod val="85000"/>
-                    <a:lumOff val="15000"/>
-                  </a:schemeClr>
-                </a:solidFill>
-              </a:rPr>
-              <a:t>Context.bindService</a:t>
-            </a:r>
-            <a:r>
-              <a:rPr lang="en-US" altLang="zh-CN" sz="3200" dirty="0">
-                <a:solidFill>
-                  <a:schemeClr val="tx1">
-                    <a:lumMod val="85000"/>
-                    <a:lumOff val="15000"/>
-                  </a:schemeClr>
-                </a:solidFill>
-              </a:rPr>
-              <a:t>()</a:t>
-            </a:r>
-            <a:r>
-              <a:rPr lang="zh-CN" altLang="en-US" sz="3200" dirty="0">
-                <a:solidFill>
-                  <a:schemeClr val="tx1">
-                    <a:lumMod val="85000"/>
-                    <a:lumOff val="15000"/>
-                  </a:schemeClr>
-                </a:solidFill>
-              </a:rPr>
-              <a:t>方法绑定</a:t>
-            </a:r>
-            <a:r>
-              <a:rPr lang="zh-CN" altLang="en-US" sz="3200">
-                <a:solidFill>
-                  <a:schemeClr val="tx1">
-                    <a:lumMod val="85000"/>
-                    <a:lumOff val="15000"/>
-                  </a:schemeClr>
-                </a:solidFill>
-              </a:rPr>
-              <a:t>远程</a:t>
-            </a:r>
-            <a:r>
-              <a:rPr lang="en-US" altLang="zh-CN" sz="3200" smtClean="0">
-                <a:solidFill>
-                  <a:schemeClr val="tx1">
-                    <a:lumMod val="85000"/>
-                    <a:lumOff val="15000"/>
-                  </a:schemeClr>
-                </a:solidFill>
-              </a:rPr>
-              <a:t>Service</a:t>
-            </a:r>
-            <a:r>
-              <a:rPr lang="zh-CN" altLang="en-US" sz="3200" smtClean="0">
-                <a:solidFill>
-                  <a:schemeClr val="tx1">
-                    <a:lumMod val="85000"/>
-                    <a:lumOff val="15000"/>
-                  </a:schemeClr>
-                </a:solidFill>
-              </a:rPr>
-              <a:t>。</a:t>
-            </a:r>
-            <a:endParaRPr lang="en-US" altLang="zh-CN" sz="3200" dirty="0">
-              <a:solidFill>
-                <a:schemeClr val="tx1">
-                  <a:lumMod val="85000"/>
-                  <a:lumOff val="15000"/>
-                </a:schemeClr>
-              </a:solidFill>
-            </a:endParaRPr>
-          </a:p>
-          <a:p>
-            <a:pPr marL="971550" lvl="1" indent="-514350">
-              <a:spcBef>
-                <a:spcPts val="1200"/>
-              </a:spcBef>
-              <a:buFont typeface="+mj-lt"/>
-              <a:buAutoNum type="arabicPeriod"/>
-            </a:pPr>
-            <a:r>
-              <a:rPr lang="zh-CN" altLang="en-US" sz="3200" dirty="0">
-                <a:solidFill>
-                  <a:schemeClr val="tx1">
-                    <a:lumMod val="85000"/>
-                    <a:lumOff val="15000"/>
-                  </a:schemeClr>
-                </a:solidFill>
-              </a:rPr>
-              <a:t>在</a:t>
-            </a:r>
-            <a:r>
-              <a:rPr lang="en-US" altLang="zh-CN" sz="3200" dirty="0" err="1">
-                <a:solidFill>
-                  <a:schemeClr val="tx1">
-                    <a:lumMod val="85000"/>
-                    <a:lumOff val="15000"/>
-                  </a:schemeClr>
-                </a:solidFill>
-              </a:rPr>
-              <a:t>ServiceConnection</a:t>
-            </a:r>
-            <a:r>
-              <a:rPr lang="zh-CN" altLang="en-US" sz="3200" dirty="0">
-                <a:solidFill>
-                  <a:schemeClr val="tx1">
-                    <a:lumMod val="85000"/>
-                    <a:lumOff val="15000"/>
-                  </a:schemeClr>
-                </a:solidFill>
-              </a:rPr>
-              <a:t>对象的</a:t>
-            </a:r>
-            <a:r>
-              <a:rPr lang="en-US" altLang="zh-CN" sz="3200" dirty="0" err="1">
-                <a:solidFill>
-                  <a:schemeClr val="tx1">
-                    <a:lumMod val="85000"/>
-                    <a:lumOff val="15000"/>
-                  </a:schemeClr>
-                </a:solidFill>
-              </a:rPr>
-              <a:t>onServiceConnection</a:t>
-            </a:r>
-            <a:r>
-              <a:rPr lang="zh-CN" altLang="en-US" sz="3200" dirty="0">
-                <a:solidFill>
-                  <a:schemeClr val="tx1">
-                    <a:lumMod val="85000"/>
-                    <a:lumOff val="15000"/>
-                  </a:schemeClr>
-                </a:solidFill>
-              </a:rPr>
-              <a:t>方法中进行</a:t>
-            </a:r>
-            <a:r>
-              <a:rPr lang="en-US" altLang="zh-CN" sz="3200" dirty="0">
-                <a:solidFill>
-                  <a:schemeClr val="tx1">
-                    <a:lumMod val="85000"/>
-                    <a:lumOff val="15000"/>
-                  </a:schemeClr>
-                </a:solidFill>
-              </a:rPr>
-              <a:t>service</a:t>
-            </a:r>
-            <a:r>
-              <a:rPr lang="zh-CN" altLang="en-US" sz="3200" dirty="0">
-                <a:solidFill>
-                  <a:schemeClr val="tx1">
-                    <a:lumMod val="85000"/>
-                    <a:lumOff val="15000"/>
-                  </a:schemeClr>
-                </a:solidFill>
-              </a:rPr>
-              <a:t>对象返回值</a:t>
-            </a:r>
-            <a:r>
-              <a:rPr lang="zh-CN" altLang="en-US" sz="3200">
-                <a:solidFill>
-                  <a:schemeClr val="tx1">
-                    <a:lumMod val="85000"/>
-                    <a:lumOff val="15000"/>
-                  </a:schemeClr>
-                </a:solidFill>
-              </a:rPr>
-              <a:t>的</a:t>
-            </a:r>
-            <a:r>
-              <a:rPr lang="zh-CN" altLang="en-US" sz="3200" smtClean="0">
-                <a:solidFill>
-                  <a:schemeClr val="tx1">
-                    <a:lumMod val="85000"/>
-                    <a:lumOff val="15000"/>
-                  </a:schemeClr>
-                </a:solidFill>
-              </a:rPr>
-              <a:t>处理。</a:t>
+              <a:t>文件的</a:t>
+            </a:r>
+            <a:r>
+              <a:rPr lang="zh-CN" altLang="en-US" sz="3200" dirty="0" smtClean="0">
+                <a:solidFill>
+                  <a:schemeClr val="tx1">
+                    <a:lumMod val="85000"/>
+                    <a:lumOff val="15000"/>
+                  </a:schemeClr>
+                </a:solidFill>
+              </a:rPr>
+              <a:t>创建方法</a:t>
             </a:r>
             <a:endParaRPr lang="en-US" altLang="zh-CN" sz="3200" dirty="0">
               <a:solidFill>
@@ -17876,24 +17928,3697 @@
           <a:p>
             <a:r>
               <a:rPr lang="en-US" altLang="zh-CN"/>
-              <a:t>Step3</a:t>
+              <a:t>Step1</a:t>
             </a:r>
             <a:r>
               <a:rPr lang="zh-CN" altLang="en-US"/>
-              <a:t>、客户端访问</a:t>
+              <a:t>、创建</a:t>
             </a:r>
             <a:r>
               <a:rPr lang="en-US" altLang="zh-CN"/>
-              <a:t>AIDLService</a:t>
-            </a:r>
-            <a:endParaRPr lang="zh-CN" altLang="en-US"/>
+              <a:t>AIDL</a:t>
+            </a:r>
+            <a:r>
+              <a:rPr lang="zh-CN" altLang="en-US"/>
+              <a:t>文件</a:t>
+            </a:r>
+          </a:p>
+        </p:txBody>
+      </p:sp>
+      <p:pic>
+        <p:nvPicPr>
+          <p:cNvPr id="5" name="图片 4"/>
+          <p:cNvPicPr>
+            <a:picLocks noChangeAspect="1"/>
+          </p:cNvPicPr>
+          <p:nvPr/>
+        </p:nvPicPr>
+        <p:blipFill rotWithShape="1">
+          <a:blip r:embed="rId3"/>
+          <a:srcRect r="52832" b="48123"/>
+          <a:stretch/>
+        </p:blipFill>
+        <p:spPr>
+          <a:xfrm>
+            <a:off x="335360" y="2276872"/>
+            <a:ext cx="3600400" cy="2997869"/>
+          </a:xfrm>
+          <a:prstGeom prst="rect">
+            <a:avLst/>
+          </a:prstGeom>
+        </p:spPr>
+      </p:pic>
+      <p:pic>
+        <p:nvPicPr>
+          <p:cNvPr id="7" name="图片 6"/>
+          <p:cNvPicPr>
+            <a:picLocks noChangeAspect="1"/>
+          </p:cNvPicPr>
+          <p:nvPr/>
+        </p:nvPicPr>
+        <p:blipFill>
+          <a:blip r:embed="rId4"/>
+          <a:stretch>
+            <a:fillRect/>
+          </a:stretch>
+        </p:blipFill>
+        <p:spPr>
+          <a:xfrm>
+            <a:off x="4151784" y="2276872"/>
+            <a:ext cx="3594285" cy="2933851"/>
+          </a:xfrm>
+          <a:prstGeom prst="rect">
+            <a:avLst/>
+          </a:prstGeom>
+        </p:spPr>
+      </p:pic>
+      <p:cxnSp>
+        <p:nvCxnSpPr>
+          <p:cNvPr id="9" name="直接箭头连接符 8"/>
+          <p:cNvCxnSpPr>
+            <a:endCxn id="12" idx="2"/>
+          </p:cNvCxnSpPr>
+          <p:nvPr/>
+        </p:nvCxnSpPr>
+        <p:spPr>
+          <a:xfrm flipV="1">
+            <a:off x="7464152" y="4959090"/>
+            <a:ext cx="2975158" cy="1340490"/>
+          </a:xfrm>
+          <a:prstGeom prst="straightConnector1">
+            <a:avLst/>
+          </a:prstGeom>
+          <a:ln w="76200">
+            <a:solidFill>
+              <a:srgbClr val="FF0000"/>
+            </a:solidFill>
+            <a:tailEnd type="triangle"/>
+          </a:ln>
+        </p:spPr>
+        <p:style>
+          <a:lnRef idx="1">
+            <a:schemeClr val="accent1"/>
+          </a:lnRef>
+          <a:fillRef idx="0">
+            <a:schemeClr val="accent1"/>
+          </a:fillRef>
+          <a:effectRef idx="0">
+            <a:schemeClr val="accent1"/>
+          </a:effectRef>
+          <a:fontRef idx="minor">
+            <a:schemeClr val="tx1"/>
+          </a:fontRef>
+        </p:style>
+      </p:cxnSp>
+      <p:sp>
+        <p:nvSpPr>
+          <p:cNvPr id="11" name="矩形 10"/>
+          <p:cNvSpPr/>
+          <p:nvPr/>
+        </p:nvSpPr>
+        <p:spPr>
+          <a:xfrm rot="20096127">
+            <a:off x="7990752" y="5346290"/>
+            <a:ext cx="1215735" cy="405537"/>
+          </a:xfrm>
+          <a:prstGeom prst="rect">
+            <a:avLst/>
+          </a:prstGeom>
+          <a:noFill/>
+          <a:ln>
+            <a:noFill/>
+          </a:ln>
+        </p:spPr>
+        <p:style>
+          <a:lnRef idx="2">
+            <a:schemeClr val="accent1">
+              <a:shade val="50000"/>
+            </a:schemeClr>
+          </a:lnRef>
+          <a:fillRef idx="1">
+            <a:schemeClr val="accent1"/>
+          </a:fillRef>
+          <a:effectRef idx="0">
+            <a:schemeClr val="accent1"/>
+          </a:effectRef>
+          <a:fontRef idx="minor">
+            <a:schemeClr val="lt1"/>
+          </a:fontRef>
+        </p:style>
+        <p:txBody>
+          <a:bodyPr rtlCol="0" anchor="ctr"/>
+          <a:lstStyle/>
+          <a:p>
+            <a:pPr algn="ctr"/>
+            <a:r>
+              <a:rPr lang="en-US" altLang="zh-CN" sz="2000" b="1" dirty="0" smtClean="0">
+                <a:solidFill>
+                  <a:srgbClr val="FF0000"/>
+                </a:solidFill>
+              </a:rPr>
+              <a:t>Build</a:t>
+            </a:r>
+            <a:r>
+              <a:rPr lang="zh-CN" altLang="en-US" sz="2000" b="1" dirty="0" smtClean="0">
+                <a:solidFill>
+                  <a:srgbClr val="FF0000"/>
+                </a:solidFill>
+              </a:rPr>
+              <a:t>后</a:t>
+            </a:r>
+            <a:endParaRPr lang="zh-CN" altLang="en-US" sz="2000" b="1" dirty="0">
+              <a:solidFill>
+                <a:srgbClr val="FF0000"/>
+              </a:solidFill>
+            </a:endParaRPr>
+          </a:p>
+        </p:txBody>
+      </p:sp>
+      <p:pic>
+        <p:nvPicPr>
+          <p:cNvPr id="12" name="图片 11"/>
+          <p:cNvPicPr>
+            <a:picLocks noChangeAspect="1"/>
+          </p:cNvPicPr>
+          <p:nvPr/>
+        </p:nvPicPr>
+        <p:blipFill>
+          <a:blip r:embed="rId5"/>
+          <a:stretch>
+            <a:fillRect/>
+          </a:stretch>
+        </p:blipFill>
+        <p:spPr>
+          <a:xfrm>
+            <a:off x="8686620" y="2780928"/>
+            <a:ext cx="3505380" cy="2178162"/>
+          </a:xfrm>
+          <a:prstGeom prst="rect">
+            <a:avLst/>
+          </a:prstGeom>
+        </p:spPr>
+      </p:pic>
+      <p:cxnSp>
+        <p:nvCxnSpPr>
+          <p:cNvPr id="13" name="直接箭头连接符 12"/>
+          <p:cNvCxnSpPr>
+            <a:stCxn id="7" idx="2"/>
+          </p:cNvCxnSpPr>
+          <p:nvPr/>
+        </p:nvCxnSpPr>
+        <p:spPr>
+          <a:xfrm flipH="1">
+            <a:off x="5948926" y="5210723"/>
+            <a:ext cx="1" cy="676672"/>
+          </a:xfrm>
+          <a:prstGeom prst="straightConnector1">
+            <a:avLst/>
+          </a:prstGeom>
+          <a:ln w="76200">
+            <a:solidFill>
+              <a:srgbClr val="FF0000"/>
+            </a:solidFill>
+            <a:tailEnd type="triangle"/>
+          </a:ln>
+        </p:spPr>
+        <p:style>
+          <a:lnRef idx="1">
+            <a:schemeClr val="accent1"/>
+          </a:lnRef>
+          <a:fillRef idx="0">
+            <a:schemeClr val="accent1"/>
+          </a:fillRef>
+          <a:effectRef idx="0">
+            <a:schemeClr val="accent1"/>
+          </a:effectRef>
+          <a:fontRef idx="minor">
+            <a:schemeClr val="tx1"/>
+          </a:fontRef>
+        </p:style>
+      </p:cxnSp>
+      <p:sp>
+        <p:nvSpPr>
+          <p:cNvPr id="16" name="矩形 15"/>
+          <p:cNvSpPr/>
+          <p:nvPr/>
+        </p:nvSpPr>
+        <p:spPr>
+          <a:xfrm>
+            <a:off x="4943872" y="5887395"/>
+            <a:ext cx="2160240" cy="824367"/>
+          </a:xfrm>
+          <a:prstGeom prst="rect">
+            <a:avLst/>
+          </a:prstGeom>
+          <a:noFill/>
+          <a:ln>
+            <a:noFill/>
+          </a:ln>
+        </p:spPr>
+        <p:style>
+          <a:lnRef idx="2">
+            <a:schemeClr val="accent1">
+              <a:shade val="50000"/>
+            </a:schemeClr>
+          </a:lnRef>
+          <a:fillRef idx="1">
+            <a:schemeClr val="accent1"/>
+          </a:fillRef>
+          <a:effectRef idx="0">
+            <a:schemeClr val="accent1"/>
+          </a:effectRef>
+          <a:fontRef idx="minor">
+            <a:schemeClr val="lt1"/>
+          </a:fontRef>
+        </p:style>
+        <p:txBody>
+          <a:bodyPr rtlCol="0" anchor="ctr"/>
+          <a:lstStyle/>
+          <a:p>
+            <a:pPr algn="ctr"/>
+            <a:r>
+              <a:rPr lang="zh-CN" altLang="en-US" b="1" dirty="0" smtClean="0">
+                <a:solidFill>
+                  <a:schemeClr val="tx1"/>
+                </a:solidFill>
+              </a:rPr>
+              <a:t>编辑该</a:t>
+            </a:r>
+            <a:r>
+              <a:rPr lang="en-US" altLang="zh-CN" b="1" dirty="0" smtClean="0">
+                <a:solidFill>
+                  <a:schemeClr val="tx1"/>
+                </a:solidFill>
+              </a:rPr>
+              <a:t>aidl</a:t>
+            </a:r>
+            <a:r>
+              <a:rPr lang="zh-CN" altLang="en-US" b="1" dirty="0" smtClean="0">
+                <a:solidFill>
+                  <a:schemeClr val="tx1"/>
+                </a:solidFill>
+              </a:rPr>
+              <a:t>文件，注意包名的正确性</a:t>
+            </a:r>
+            <a:endParaRPr lang="zh-CN" altLang="en-US" b="1" dirty="0">
+              <a:solidFill>
+                <a:schemeClr val="tx1"/>
+              </a:solidFill>
+            </a:endParaRPr>
           </a:p>
         </p:txBody>
       </p:sp>
     </p:spTree>
     <p:extLst>
       <p:ext uri="{BB962C8B-B14F-4D97-AF65-F5344CB8AC3E}">
-        <p14:creationId xmlns:p14="http://schemas.microsoft.com/office/powerpoint/2010/main" val="1655969035"/>
+        <p14:creationId xmlns:p14="http://schemas.microsoft.com/office/powerpoint/2010/main" val="4115136587"/>
+      </p:ext>
+    </p:extLst>
+  </p:cSld>
+  <p:clrMapOvr>
+    <a:masterClrMapping/>
+  </p:clrMapOvr>
+  <p:timing>
+    <p:tnLst>
+      <p:par>
+        <p:cTn id="1" dur="indefinite" restart="never" nodeType="tmRoot"/>
+      </p:par>
+    </p:tnLst>
+  </p:timing>
+</p:sld>
+</file>
+
+<file path=ppt/slides/slide31.xml><?xml version="1.0" encoding="utf-8"?>
+<p:sld xmlns:a="http://schemas.openxmlformats.org/drawingml/2006/main" xmlns:r="http://schemas.openxmlformats.org/officeDocument/2006/relationships" xmlns:p="http://schemas.openxmlformats.org/presentationml/2006/main">
+  <p:cSld>
+    <p:spTree>
+      <p:nvGrpSpPr>
+        <p:cNvPr id="1" name=""/>
+        <p:cNvGrpSpPr/>
+        <p:nvPr/>
+      </p:nvGrpSpPr>
+      <p:grpSpPr>
+        <a:xfrm>
+          <a:off x="0" y="0"/>
+          <a:ext cx="0" cy="0"/>
+          <a:chOff x="0" y="0"/>
+          <a:chExt cx="0" cy="0"/>
+        </a:xfrm>
+      </p:grpSpPr>
+      <p:sp>
+        <p:nvSpPr>
+          <p:cNvPr id="4" name="内容占位符 3"/>
+          <p:cNvSpPr>
+            <a:spLocks noGrp="1"/>
+          </p:cNvSpPr>
+          <p:nvPr>
+            <p:ph idx="1"/>
+          </p:nvPr>
+        </p:nvSpPr>
+        <p:spPr>
+          <a:xfrm>
+            <a:off x="911423" y="1600200"/>
+            <a:ext cx="10202923" cy="1684784"/>
+          </a:xfrm>
+        </p:spPr>
+        <p:txBody>
+          <a:bodyPr>
+            <a:normAutofit fontScale="92500"/>
+          </a:bodyPr>
+          <a:lstStyle/>
+          <a:p>
+            <a:r>
+              <a:rPr lang="zh-CN" altLang="en-US" sz="3200" dirty="0">
+                <a:solidFill>
+                  <a:schemeClr val="tx1">
+                    <a:lumMod val="85000"/>
+                    <a:lumOff val="15000"/>
+                  </a:schemeClr>
+                </a:solidFill>
+              </a:rPr>
+              <a:t>定义一个</a:t>
+            </a:r>
+            <a:r>
+              <a:rPr lang="en-US" altLang="zh-CN" sz="3200" dirty="0">
+                <a:solidFill>
+                  <a:schemeClr val="tx1">
+                    <a:lumMod val="85000"/>
+                    <a:lumOff val="15000"/>
+                  </a:schemeClr>
+                </a:solidFill>
+              </a:rPr>
+              <a:t>Service</a:t>
+            </a:r>
+            <a:r>
+              <a:rPr lang="zh-CN" altLang="en-US" sz="3200" dirty="0">
+                <a:solidFill>
+                  <a:schemeClr val="tx1">
+                    <a:lumMod val="85000"/>
+                    <a:lumOff val="15000"/>
+                  </a:schemeClr>
+                </a:solidFill>
+              </a:rPr>
+              <a:t>实现类，其</a:t>
+            </a:r>
+            <a:r>
+              <a:rPr lang="en-US" altLang="zh-CN" sz="3200" dirty="0" err="1">
+                <a:solidFill>
+                  <a:schemeClr val="tx1">
+                    <a:lumMod val="85000"/>
+                    <a:lumOff val="15000"/>
+                  </a:schemeClr>
+                </a:solidFill>
+              </a:rPr>
+              <a:t>onBind</a:t>
+            </a:r>
+            <a:r>
+              <a:rPr lang="zh-CN" altLang="en-US" sz="3200" dirty="0">
+                <a:solidFill>
+                  <a:schemeClr val="tx1">
+                    <a:lumMod val="85000"/>
+                    <a:lumOff val="15000"/>
+                  </a:schemeClr>
+                </a:solidFill>
+              </a:rPr>
+              <a:t>方法返回的</a:t>
+            </a:r>
+            <a:r>
+              <a:rPr lang="en-US" altLang="zh-CN" sz="3200" dirty="0" err="1">
+                <a:solidFill>
+                  <a:schemeClr val="tx1">
+                    <a:lumMod val="85000"/>
+                    <a:lumOff val="15000"/>
+                  </a:schemeClr>
+                </a:solidFill>
+              </a:rPr>
+              <a:t>Ibinder</a:t>
+            </a:r>
+            <a:r>
+              <a:rPr lang="zh-CN" altLang="en-US" sz="3200" dirty="0">
+                <a:solidFill>
+                  <a:schemeClr val="tx1">
+                    <a:lumMod val="85000"/>
+                    <a:lumOff val="15000"/>
+                  </a:schemeClr>
+                </a:solidFill>
+              </a:rPr>
+              <a:t>对象</a:t>
+            </a:r>
+            <a:r>
+              <a:rPr lang="zh-CN" altLang="en-US" sz="3200" dirty="0" smtClean="0">
+                <a:solidFill>
+                  <a:schemeClr val="tx1">
+                    <a:lumMod val="85000"/>
+                    <a:lumOff val="15000"/>
+                  </a:schemeClr>
+                </a:solidFill>
+              </a:rPr>
+              <a:t>是编译器生成的“</a:t>
+            </a:r>
+            <a:r>
+              <a:rPr lang="en-US" altLang="zh-CN" sz="3200" dirty="0" smtClean="0">
+                <a:solidFill>
+                  <a:schemeClr val="tx1">
+                    <a:lumMod val="85000"/>
+                    <a:lumOff val="15000"/>
+                  </a:schemeClr>
+                </a:solidFill>
+              </a:rPr>
+              <a:t>aidl</a:t>
+            </a:r>
+            <a:r>
+              <a:rPr lang="zh-CN" altLang="en-US" sz="3200" dirty="0" smtClean="0">
+                <a:solidFill>
+                  <a:schemeClr val="tx1">
+                    <a:lumMod val="85000"/>
+                    <a:lumOff val="15000"/>
+                  </a:schemeClr>
+                </a:solidFill>
+              </a:rPr>
+              <a:t>文件名</a:t>
+            </a:r>
+            <a:r>
+              <a:rPr lang="en-US" altLang="zh-CN" sz="3200" dirty="0" smtClean="0">
+                <a:solidFill>
+                  <a:schemeClr val="tx1">
+                    <a:lumMod val="85000"/>
+                    <a:lumOff val="15000"/>
+                  </a:schemeClr>
+                </a:solidFill>
+              </a:rPr>
+              <a:t>.Stub</a:t>
+            </a:r>
+            <a:r>
+              <a:rPr lang="zh-CN" altLang="en-US" sz="3200" dirty="0" smtClean="0">
+                <a:solidFill>
+                  <a:schemeClr val="tx1">
+                    <a:lumMod val="85000"/>
+                    <a:lumOff val="15000"/>
+                  </a:schemeClr>
+                </a:solidFill>
+              </a:rPr>
+              <a:t>”的</a:t>
+            </a:r>
+            <a:r>
+              <a:rPr lang="zh-CN" altLang="en-US" sz="3200" dirty="0">
+                <a:solidFill>
+                  <a:schemeClr val="tx1">
+                    <a:lumMod val="85000"/>
+                    <a:lumOff val="15000"/>
+                  </a:schemeClr>
+                </a:solidFill>
+              </a:rPr>
+              <a:t>子类的实例。</a:t>
+            </a:r>
+            <a:endParaRPr lang="en-US" altLang="zh-CN" sz="3200" dirty="0">
+              <a:solidFill>
+                <a:schemeClr val="tx1">
+                  <a:lumMod val="85000"/>
+                  <a:lumOff val="15000"/>
+                </a:schemeClr>
+              </a:solidFill>
+            </a:endParaRPr>
+          </a:p>
+          <a:p>
+            <a:r>
+              <a:rPr lang="zh-CN" altLang="en-US" sz="3200" dirty="0">
+                <a:solidFill>
+                  <a:schemeClr val="tx1">
+                    <a:lumMod val="85000"/>
+                    <a:lumOff val="15000"/>
+                  </a:schemeClr>
+                </a:solidFill>
+              </a:rPr>
+              <a:t>在</a:t>
+            </a:r>
+            <a:r>
+              <a:rPr lang="en-US" altLang="zh-CN" sz="3200" dirty="0">
+                <a:solidFill>
+                  <a:schemeClr val="tx1">
+                    <a:lumMod val="85000"/>
+                    <a:lumOff val="15000"/>
+                  </a:schemeClr>
+                </a:solidFill>
+              </a:rPr>
+              <a:t>AndroidManifest.xml</a:t>
+            </a:r>
+            <a:r>
+              <a:rPr lang="zh-CN" altLang="en-US" sz="3200" dirty="0">
+                <a:solidFill>
+                  <a:schemeClr val="tx1">
+                    <a:lumMod val="85000"/>
+                    <a:lumOff val="15000"/>
+                  </a:schemeClr>
+                </a:solidFill>
+              </a:rPr>
+              <a:t>文件中注册</a:t>
+            </a:r>
+            <a:r>
+              <a:rPr lang="en-US" altLang="zh-CN" sz="3200" dirty="0" smtClean="0">
+                <a:solidFill>
+                  <a:schemeClr val="tx1">
+                    <a:lumMod val="85000"/>
+                    <a:lumOff val="15000"/>
+                  </a:schemeClr>
+                </a:solidFill>
+              </a:rPr>
+              <a:t>Service</a:t>
+            </a:r>
+            <a:r>
+              <a:rPr lang="zh-CN" altLang="en-US" sz="3200" dirty="0" smtClean="0">
+                <a:solidFill>
+                  <a:schemeClr val="tx1">
+                    <a:lumMod val="85000"/>
+                    <a:lumOff val="15000"/>
+                  </a:schemeClr>
+                </a:solidFill>
+              </a:rPr>
+              <a:t>。</a:t>
+            </a:r>
+            <a:endParaRPr lang="en-US" altLang="zh-CN" sz="3200" dirty="0">
+              <a:solidFill>
+                <a:schemeClr val="tx1">
+                  <a:lumMod val="85000"/>
+                  <a:lumOff val="15000"/>
+                </a:schemeClr>
+              </a:solidFill>
+            </a:endParaRPr>
+          </a:p>
+        </p:txBody>
+      </p:sp>
+      <p:sp>
+        <p:nvSpPr>
+          <p:cNvPr id="5" name="标题 4"/>
+          <p:cNvSpPr>
+            <a:spLocks noGrp="1"/>
+          </p:cNvSpPr>
+          <p:nvPr>
+            <p:ph type="title"/>
+          </p:nvPr>
+        </p:nvSpPr>
+        <p:spPr/>
+        <p:txBody>
+          <a:bodyPr/>
+          <a:lstStyle/>
+          <a:p>
+            <a:r>
+              <a:rPr lang="en-US" altLang="zh-CN"/>
+              <a:t>Step2</a:t>
+            </a:r>
+            <a:r>
+              <a:rPr lang="zh-CN" altLang="en-US"/>
+              <a:t>、将接口暴露给客户端</a:t>
+            </a:r>
+          </a:p>
+        </p:txBody>
+      </p:sp>
+    </p:spTree>
+    <p:extLst>
+      <p:ext uri="{BB962C8B-B14F-4D97-AF65-F5344CB8AC3E}">
+        <p14:creationId xmlns:p14="http://schemas.microsoft.com/office/powerpoint/2010/main" val="3214502184"/>
+      </p:ext>
+    </p:extLst>
+  </p:cSld>
+  <p:clrMapOvr>
+    <a:masterClrMapping/>
+  </p:clrMapOvr>
+  <p:timing>
+    <p:tnLst>
+      <p:par>
+        <p:cTn id="1" dur="indefinite" restart="never" nodeType="tmRoot"/>
+      </p:par>
+    </p:tnLst>
+  </p:timing>
+</p:sld>
+</file>
+
+<file path=ppt/slides/slide32.xml><?xml version="1.0" encoding="utf-8"?>
+<p:sld xmlns:a="http://schemas.openxmlformats.org/drawingml/2006/main" xmlns:r="http://schemas.openxmlformats.org/officeDocument/2006/relationships" xmlns:p="http://schemas.openxmlformats.org/presentationml/2006/main">
+  <p:cSld>
+    <p:spTree>
+      <p:nvGrpSpPr>
+        <p:cNvPr id="1" name=""/>
+        <p:cNvGrpSpPr/>
+        <p:nvPr/>
+      </p:nvGrpSpPr>
+      <p:grpSpPr>
+        <a:xfrm>
+          <a:off x="0" y="0"/>
+          <a:ext cx="0" cy="0"/>
+          <a:chOff x="0" y="0"/>
+          <a:chExt cx="0" cy="0"/>
+        </a:xfrm>
+      </p:grpSpPr>
+      <p:sp>
+        <p:nvSpPr>
+          <p:cNvPr id="5" name="标题 4"/>
+          <p:cNvSpPr>
+            <a:spLocks noGrp="1"/>
+          </p:cNvSpPr>
+          <p:nvPr>
+            <p:ph type="title"/>
+          </p:nvPr>
+        </p:nvSpPr>
+        <p:spPr/>
+        <p:txBody>
+          <a:bodyPr/>
+          <a:lstStyle/>
+          <a:p>
+            <a:r>
+              <a:rPr lang="en-US" altLang="zh-CN"/>
+              <a:t>Step2</a:t>
+            </a:r>
+            <a:r>
+              <a:rPr lang="zh-CN" altLang="en-US"/>
+              <a:t>、将接口暴露给客户端</a:t>
+            </a:r>
+          </a:p>
+        </p:txBody>
+      </p:sp>
+      <p:sp>
+        <p:nvSpPr>
+          <p:cNvPr id="7" name="TextBox 3"/>
+          <p:cNvSpPr txBox="1"/>
+          <p:nvPr/>
+        </p:nvSpPr>
+        <p:spPr>
+          <a:xfrm>
+            <a:off x="335360" y="1628800"/>
+            <a:ext cx="11593288" cy="4680520"/>
+          </a:xfrm>
+          <a:prstGeom prst="rect">
+            <a:avLst/>
+          </a:prstGeom>
+          <a:solidFill>
+            <a:schemeClr val="accent5">
+              <a:lumMod val="20000"/>
+              <a:lumOff val="80000"/>
+            </a:schemeClr>
+          </a:solidFill>
+          <a:ln w="38100">
+            <a:solidFill>
+              <a:schemeClr val="tx1">
+                <a:lumMod val="65000"/>
+                <a:lumOff val="35000"/>
+              </a:schemeClr>
+            </a:solidFill>
+          </a:ln>
+          <a:effectLst>
+            <a:outerShdw blurRad="50800" dist="38100" dir="2700000" algn="tl" rotWithShape="0">
+              <a:prstClr val="black">
+                <a:alpha val="40000"/>
+              </a:prstClr>
+            </a:outerShdw>
+          </a:effectLst>
+        </p:spPr>
+        <p:style>
+          <a:lnRef idx="2">
+            <a:schemeClr val="accent1">
+              <a:shade val="50000"/>
+            </a:schemeClr>
+          </a:lnRef>
+          <a:fillRef idx="1">
+            <a:schemeClr val="accent1"/>
+          </a:fillRef>
+          <a:effectRef idx="0">
+            <a:schemeClr val="accent1"/>
+          </a:effectRef>
+          <a:fontRef idx="minor">
+            <a:schemeClr val="lt1"/>
+          </a:fontRef>
+        </p:style>
+        <p:txBody>
+          <a:bodyPr rtlCol="0" anchor="ctr"/>
+          <a:lstStyle>
+            <a:defPPr>
+              <a:defRPr lang="zh-CN"/>
+            </a:defPPr>
+            <a:lvl1pPr>
+              <a:defRPr sz="2800" b="1">
+                <a:solidFill>
+                  <a:schemeClr val="tx1">
+                    <a:lumMod val="85000"/>
+                    <a:lumOff val="15000"/>
+                  </a:schemeClr>
+                </a:solidFill>
+                <a:latin typeface="Consolas" panose="020B0609020204030204" pitchFamily="49" charset="0"/>
+                <a:ea typeface="微软雅黑" panose="020B0503020204020204" pitchFamily="34" charset="-122"/>
+              </a:defRPr>
+            </a:lvl1pPr>
+            <a:lvl2pPr>
+              <a:defRPr>
+                <a:solidFill>
+                  <a:schemeClr val="lt1"/>
+                </a:solidFill>
+              </a:defRPr>
+            </a:lvl2pPr>
+            <a:lvl3pPr>
+              <a:defRPr>
+                <a:solidFill>
+                  <a:schemeClr val="lt1"/>
+                </a:solidFill>
+              </a:defRPr>
+            </a:lvl3pPr>
+            <a:lvl4pPr>
+              <a:defRPr>
+                <a:solidFill>
+                  <a:schemeClr val="lt1"/>
+                </a:solidFill>
+              </a:defRPr>
+            </a:lvl4pPr>
+            <a:lvl5pPr>
+              <a:defRPr>
+                <a:solidFill>
+                  <a:schemeClr val="lt1"/>
+                </a:solidFill>
+              </a:defRPr>
+            </a:lvl5pPr>
+            <a:lvl6pPr>
+              <a:defRPr>
+                <a:solidFill>
+                  <a:schemeClr val="lt1"/>
+                </a:solidFill>
+              </a:defRPr>
+            </a:lvl6pPr>
+            <a:lvl7pPr>
+              <a:defRPr>
+                <a:solidFill>
+                  <a:schemeClr val="lt1"/>
+                </a:solidFill>
+              </a:defRPr>
+            </a:lvl7pPr>
+            <a:lvl8pPr>
+              <a:defRPr>
+                <a:solidFill>
+                  <a:schemeClr val="lt1"/>
+                </a:solidFill>
+              </a:defRPr>
+            </a:lvl8pPr>
+            <a:lvl9pPr>
+              <a:defRPr>
+                <a:solidFill>
+                  <a:schemeClr val="lt1"/>
+                </a:solidFill>
+              </a:defRPr>
+            </a:lvl9pPr>
+          </a:lstStyle>
+          <a:p>
+            <a:r>
+              <a:rPr lang="en-US" altLang="zh-CN" sz="2400" dirty="0" smtClean="0">
+                <a:solidFill>
+                  <a:srgbClr val="00B050"/>
+                </a:solidFill>
+              </a:rPr>
+              <a:t>&lt;!----  </a:t>
+            </a:r>
+            <a:r>
+              <a:rPr lang="zh-CN" altLang="en-US" sz="2400" b="0" dirty="0" smtClean="0">
+                <a:solidFill>
+                  <a:srgbClr val="00B050"/>
+                </a:solidFill>
+              </a:rPr>
+              <a:t>定义一个</a:t>
+            </a:r>
+            <a:r>
+              <a:rPr lang="en-US" altLang="zh-CN" sz="2400" b="0" dirty="0" smtClean="0">
+                <a:solidFill>
+                  <a:srgbClr val="00B050"/>
+                </a:solidFill>
+              </a:rPr>
+              <a:t>Service</a:t>
+            </a:r>
+            <a:r>
+              <a:rPr lang="zh-CN" altLang="en-US" sz="2400" b="0" dirty="0" smtClean="0">
+                <a:solidFill>
+                  <a:srgbClr val="00B050"/>
+                </a:solidFill>
+              </a:rPr>
+              <a:t>组件</a:t>
+            </a:r>
+            <a:r>
+              <a:rPr lang="zh-CN" altLang="en-US" sz="2400" dirty="0" smtClean="0">
+                <a:solidFill>
+                  <a:srgbClr val="00B050"/>
+                </a:solidFill>
+              </a:rPr>
+              <a:t>  </a:t>
+            </a:r>
+            <a:r>
+              <a:rPr lang="en-US" altLang="zh-CN" sz="2400" dirty="0" smtClean="0">
+                <a:solidFill>
+                  <a:srgbClr val="00B050"/>
+                </a:solidFill>
+              </a:rPr>
+              <a:t>---!&gt;</a:t>
+            </a:r>
+          </a:p>
+          <a:p>
+            <a:r>
+              <a:rPr lang="en-US" altLang="zh-CN" sz="2400" dirty="0" smtClean="0">
+                <a:solidFill>
+                  <a:schemeClr val="tx1"/>
+                </a:solidFill>
+              </a:rPr>
+              <a:t>public class MyService extends Service {</a:t>
+            </a:r>
+          </a:p>
+          <a:p>
+            <a:r>
+              <a:rPr lang="en-US" altLang="zh-CN" sz="2400" dirty="0" smtClean="0">
+                <a:solidFill>
+                  <a:schemeClr val="tx1"/>
+                </a:solidFill>
+              </a:rPr>
+              <a:t>    private MyBinder </a:t>
+            </a:r>
+            <a:r>
+              <a:rPr lang="en-US" altLang="zh-CN" sz="2400" dirty="0" smtClean="0">
+                <a:solidFill>
+                  <a:srgbClr val="FF0000"/>
+                </a:solidFill>
+              </a:rPr>
+              <a:t>binder</a:t>
+            </a:r>
+            <a:r>
+              <a:rPr lang="en-US" altLang="zh-CN" sz="2400" dirty="0" smtClean="0">
+                <a:solidFill>
+                  <a:schemeClr val="tx1"/>
+                </a:solidFill>
+              </a:rPr>
+              <a:t>;</a:t>
+            </a:r>
+          </a:p>
+          <a:p>
+            <a:r>
+              <a:rPr lang="en-US" altLang="zh-CN" sz="2400" dirty="0" smtClean="0">
+                <a:solidFill>
+                  <a:schemeClr val="tx1"/>
+                </a:solidFill>
+              </a:rPr>
+              <a:t>    public IBinder onBind(Intent intent) {</a:t>
+            </a:r>
+          </a:p>
+          <a:p>
+            <a:r>
+              <a:rPr lang="en-US" altLang="zh-CN" sz="2400" dirty="0">
+                <a:solidFill>
+                  <a:schemeClr val="tx1"/>
+                </a:solidFill>
+              </a:rPr>
+              <a:t> </a:t>
+            </a:r>
+            <a:r>
+              <a:rPr lang="en-US" altLang="zh-CN" sz="2400" dirty="0" smtClean="0">
+                <a:solidFill>
+                  <a:schemeClr val="tx1"/>
+                </a:solidFill>
+              </a:rPr>
+              <a:t>       </a:t>
+            </a:r>
+            <a:r>
+              <a:rPr lang="en-US" altLang="zh-CN" sz="2400" dirty="0" smtClean="0">
+                <a:solidFill>
+                  <a:srgbClr val="FF0000"/>
+                </a:solidFill>
+              </a:rPr>
+              <a:t>binder </a:t>
+            </a:r>
+            <a:r>
+              <a:rPr lang="en-US" altLang="zh-CN" sz="2400" dirty="0">
+                <a:solidFill>
+                  <a:srgbClr val="FF0000"/>
+                </a:solidFill>
+              </a:rPr>
+              <a:t>= new MyBinder();</a:t>
+            </a:r>
+          </a:p>
+          <a:p>
+            <a:r>
+              <a:rPr lang="en-US" altLang="zh-CN" sz="2400" dirty="0">
+                <a:solidFill>
+                  <a:srgbClr val="FF0000"/>
+                </a:solidFill>
+              </a:rPr>
+              <a:t>        return binder;</a:t>
+            </a:r>
+          </a:p>
+          <a:p>
+            <a:r>
+              <a:rPr lang="en-US" altLang="zh-CN" sz="2400" dirty="0">
+                <a:solidFill>
+                  <a:schemeClr val="tx1"/>
+                </a:solidFill>
+              </a:rPr>
+              <a:t>    </a:t>
+            </a:r>
+            <a:r>
+              <a:rPr lang="en-US" altLang="zh-CN" sz="2400" dirty="0" smtClean="0">
+                <a:solidFill>
+                  <a:schemeClr val="tx1"/>
+                </a:solidFill>
+              </a:rPr>
+              <a:t>}</a:t>
+            </a:r>
+            <a:endParaRPr lang="en-US" altLang="zh-CN" sz="2400" dirty="0">
+              <a:solidFill>
+                <a:schemeClr val="tx1"/>
+              </a:solidFill>
+            </a:endParaRPr>
+          </a:p>
+          <a:p>
+            <a:r>
+              <a:rPr lang="en-US" altLang="zh-CN" sz="2400" dirty="0">
+                <a:solidFill>
+                  <a:schemeClr val="tx1"/>
+                </a:solidFill>
+              </a:rPr>
+              <a:t>    public class MyBinder </a:t>
+            </a:r>
+            <a:r>
+              <a:rPr lang="en-US" altLang="zh-CN" sz="2400" dirty="0">
+                <a:solidFill>
+                  <a:srgbClr val="FF0000"/>
+                </a:solidFill>
+              </a:rPr>
+              <a:t>extends </a:t>
+            </a:r>
+            <a:r>
+              <a:rPr lang="en-US" altLang="zh-CN" sz="2400" dirty="0" smtClean="0">
+                <a:solidFill>
+                  <a:srgbClr val="FF0000"/>
+                </a:solidFill>
+              </a:rPr>
+              <a:t>CircleAidlInterface.Stub</a:t>
+            </a:r>
+            <a:r>
+              <a:rPr lang="en-US" altLang="zh-CN" sz="2400" dirty="0" smtClean="0">
+                <a:solidFill>
+                  <a:schemeClr val="tx1"/>
+                </a:solidFill>
+              </a:rPr>
+              <a:t>{</a:t>
+            </a:r>
+          </a:p>
+          <a:p>
+            <a:r>
+              <a:rPr lang="en-US" altLang="zh-CN" sz="2400" dirty="0" smtClean="0">
+                <a:solidFill>
+                  <a:schemeClr val="tx1"/>
+                </a:solidFill>
+              </a:rPr>
+              <a:t>        public </a:t>
+            </a:r>
+            <a:r>
+              <a:rPr lang="en-US" altLang="zh-CN" sz="2400" dirty="0">
+                <a:solidFill>
+                  <a:schemeClr val="tx1"/>
+                </a:solidFill>
+              </a:rPr>
+              <a:t>double getCircleLength(double </a:t>
+            </a:r>
+            <a:r>
+              <a:rPr lang="en-US" altLang="zh-CN" sz="2400" dirty="0" smtClean="0">
+                <a:solidFill>
+                  <a:schemeClr val="tx1"/>
+                </a:solidFill>
+              </a:rPr>
+              <a:t>r) {return 2*3.14*r;}</a:t>
+            </a:r>
+            <a:endParaRPr lang="en-US" altLang="zh-CN" sz="2400" dirty="0">
+              <a:solidFill>
+                <a:schemeClr val="tx1"/>
+              </a:solidFill>
+            </a:endParaRPr>
+          </a:p>
+          <a:p>
+            <a:r>
+              <a:rPr lang="en-US" altLang="zh-CN" sz="2400" dirty="0" smtClean="0">
+                <a:solidFill>
+                  <a:schemeClr val="tx1"/>
+                </a:solidFill>
+              </a:rPr>
+              <a:t>        public </a:t>
+            </a:r>
+            <a:r>
+              <a:rPr lang="en-US" altLang="zh-CN" sz="2400" dirty="0">
+                <a:solidFill>
+                  <a:schemeClr val="tx1"/>
+                </a:solidFill>
+              </a:rPr>
+              <a:t>double getCircleArea(double r</a:t>
+            </a:r>
+            <a:r>
+              <a:rPr lang="en-US" altLang="zh-CN" sz="2400" dirty="0" smtClean="0">
+                <a:solidFill>
+                  <a:schemeClr val="tx1"/>
+                </a:solidFill>
+              </a:rPr>
+              <a:t>){return 3.14*r*r;}</a:t>
+            </a:r>
+            <a:endParaRPr lang="en-US" altLang="zh-CN" sz="2400" dirty="0">
+              <a:solidFill>
+                <a:schemeClr val="tx1"/>
+              </a:solidFill>
+            </a:endParaRPr>
+          </a:p>
+          <a:p>
+            <a:r>
+              <a:rPr lang="en-US" altLang="zh-CN" sz="2400" dirty="0">
+                <a:solidFill>
+                  <a:schemeClr val="tx1"/>
+                </a:solidFill>
+              </a:rPr>
+              <a:t>    </a:t>
+            </a:r>
+            <a:r>
+              <a:rPr lang="en-US" altLang="zh-CN" sz="2400" dirty="0" smtClean="0">
+                <a:solidFill>
+                  <a:schemeClr val="tx1"/>
+                </a:solidFill>
+              </a:rPr>
+              <a:t>}</a:t>
+            </a:r>
+          </a:p>
+          <a:p>
+            <a:r>
+              <a:rPr lang="en-US" altLang="zh-CN" sz="2400" dirty="0" smtClean="0">
+                <a:solidFill>
+                  <a:schemeClr val="tx1"/>
+                </a:solidFill>
+              </a:rPr>
+              <a:t>}</a:t>
+            </a:r>
+            <a:endParaRPr lang="en-US" altLang="zh-CN" sz="2400" dirty="0">
+              <a:solidFill>
+                <a:schemeClr val="tx1"/>
+              </a:solidFill>
+            </a:endParaRPr>
+          </a:p>
+        </p:txBody>
+      </p:sp>
+    </p:spTree>
+    <p:extLst>
+      <p:ext uri="{BB962C8B-B14F-4D97-AF65-F5344CB8AC3E}">
+        <p14:creationId xmlns:p14="http://schemas.microsoft.com/office/powerpoint/2010/main" val="1192957352"/>
+      </p:ext>
+    </p:extLst>
+  </p:cSld>
+  <p:clrMapOvr>
+    <a:masterClrMapping/>
+  </p:clrMapOvr>
+  <p:timing>
+    <p:tnLst>
+      <p:par>
+        <p:cTn id="1" dur="indefinite" restart="never" nodeType="tmRoot"/>
+      </p:par>
+    </p:tnLst>
+  </p:timing>
+</p:sld>
+</file>
+
+<file path=ppt/slides/slide33.xml><?xml version="1.0" encoding="utf-8"?>
+<p:sld xmlns:a="http://schemas.openxmlformats.org/drawingml/2006/main" xmlns:r="http://schemas.openxmlformats.org/officeDocument/2006/relationships" xmlns:p="http://schemas.openxmlformats.org/presentationml/2006/main">
+  <p:cSld>
+    <p:spTree>
+      <p:nvGrpSpPr>
+        <p:cNvPr id="1" name=""/>
+        <p:cNvGrpSpPr/>
+        <p:nvPr/>
+      </p:nvGrpSpPr>
+      <p:grpSpPr>
+        <a:xfrm>
+          <a:off x="0" y="0"/>
+          <a:ext cx="0" cy="0"/>
+          <a:chOff x="0" y="0"/>
+          <a:chExt cx="0" cy="0"/>
+        </a:xfrm>
+      </p:grpSpPr>
+      <p:sp>
+        <p:nvSpPr>
+          <p:cNvPr id="5" name="标题 4"/>
+          <p:cNvSpPr>
+            <a:spLocks noGrp="1"/>
+          </p:cNvSpPr>
+          <p:nvPr>
+            <p:ph type="title"/>
+          </p:nvPr>
+        </p:nvSpPr>
+        <p:spPr/>
+        <p:txBody>
+          <a:bodyPr/>
+          <a:lstStyle/>
+          <a:p>
+            <a:r>
+              <a:rPr lang="en-US" altLang="zh-CN"/>
+              <a:t>Step2</a:t>
+            </a:r>
+            <a:r>
+              <a:rPr lang="zh-CN" altLang="en-US"/>
+              <a:t>、将接口暴露给客户端</a:t>
+            </a:r>
+          </a:p>
+        </p:txBody>
+      </p:sp>
+      <p:sp>
+        <p:nvSpPr>
+          <p:cNvPr id="6" name="TextBox 3"/>
+          <p:cNvSpPr txBox="1"/>
+          <p:nvPr/>
+        </p:nvSpPr>
+        <p:spPr>
+          <a:xfrm>
+            <a:off x="623392" y="1844824"/>
+            <a:ext cx="10657184" cy="3816424"/>
+          </a:xfrm>
+          <a:prstGeom prst="rect">
+            <a:avLst/>
+          </a:prstGeom>
+          <a:solidFill>
+            <a:schemeClr val="accent5">
+              <a:lumMod val="20000"/>
+              <a:lumOff val="80000"/>
+            </a:schemeClr>
+          </a:solidFill>
+          <a:ln w="38100">
+            <a:solidFill>
+              <a:schemeClr val="tx1">
+                <a:lumMod val="65000"/>
+                <a:lumOff val="35000"/>
+              </a:schemeClr>
+            </a:solidFill>
+          </a:ln>
+          <a:effectLst>
+            <a:outerShdw blurRad="50800" dist="38100" dir="2700000" algn="tl" rotWithShape="0">
+              <a:prstClr val="black">
+                <a:alpha val="40000"/>
+              </a:prstClr>
+            </a:outerShdw>
+          </a:effectLst>
+        </p:spPr>
+        <p:style>
+          <a:lnRef idx="2">
+            <a:schemeClr val="accent1">
+              <a:shade val="50000"/>
+            </a:schemeClr>
+          </a:lnRef>
+          <a:fillRef idx="1">
+            <a:schemeClr val="accent1"/>
+          </a:fillRef>
+          <a:effectRef idx="0">
+            <a:schemeClr val="accent1"/>
+          </a:effectRef>
+          <a:fontRef idx="minor">
+            <a:schemeClr val="lt1"/>
+          </a:fontRef>
+        </p:style>
+        <p:txBody>
+          <a:bodyPr rtlCol="0" anchor="ctr"/>
+          <a:lstStyle>
+            <a:defPPr>
+              <a:defRPr lang="zh-CN"/>
+            </a:defPPr>
+            <a:lvl1pPr>
+              <a:defRPr sz="2800" b="1">
+                <a:solidFill>
+                  <a:schemeClr val="tx1">
+                    <a:lumMod val="85000"/>
+                    <a:lumOff val="15000"/>
+                  </a:schemeClr>
+                </a:solidFill>
+                <a:latin typeface="Consolas" panose="020B0609020204030204" pitchFamily="49" charset="0"/>
+                <a:ea typeface="微软雅黑" panose="020B0503020204020204" pitchFamily="34" charset="-122"/>
+              </a:defRPr>
+            </a:lvl1pPr>
+            <a:lvl2pPr>
+              <a:defRPr>
+                <a:solidFill>
+                  <a:schemeClr val="lt1"/>
+                </a:solidFill>
+              </a:defRPr>
+            </a:lvl2pPr>
+            <a:lvl3pPr>
+              <a:defRPr>
+                <a:solidFill>
+                  <a:schemeClr val="lt1"/>
+                </a:solidFill>
+              </a:defRPr>
+            </a:lvl3pPr>
+            <a:lvl4pPr>
+              <a:defRPr>
+                <a:solidFill>
+                  <a:schemeClr val="lt1"/>
+                </a:solidFill>
+              </a:defRPr>
+            </a:lvl4pPr>
+            <a:lvl5pPr>
+              <a:defRPr>
+                <a:solidFill>
+                  <a:schemeClr val="lt1"/>
+                </a:solidFill>
+              </a:defRPr>
+            </a:lvl5pPr>
+            <a:lvl6pPr>
+              <a:defRPr>
+                <a:solidFill>
+                  <a:schemeClr val="lt1"/>
+                </a:solidFill>
+              </a:defRPr>
+            </a:lvl6pPr>
+            <a:lvl7pPr>
+              <a:defRPr>
+                <a:solidFill>
+                  <a:schemeClr val="lt1"/>
+                </a:solidFill>
+              </a:defRPr>
+            </a:lvl7pPr>
+            <a:lvl8pPr>
+              <a:defRPr>
+                <a:solidFill>
+                  <a:schemeClr val="lt1"/>
+                </a:solidFill>
+              </a:defRPr>
+            </a:lvl8pPr>
+            <a:lvl9pPr>
+              <a:defRPr>
+                <a:solidFill>
+                  <a:schemeClr val="lt1"/>
+                </a:solidFill>
+              </a:defRPr>
+            </a:lvl9pPr>
+          </a:lstStyle>
+          <a:p>
+            <a:r>
+              <a:rPr lang="en-US" altLang="zh-CN" sz="2400" dirty="0">
+                <a:solidFill>
+                  <a:srgbClr val="00B050"/>
+                </a:solidFill>
+              </a:rPr>
+              <a:t>&lt;!----  </a:t>
+            </a:r>
+            <a:r>
+              <a:rPr lang="zh-CN" altLang="en-US" sz="2400" b="0" dirty="0" smtClean="0">
+                <a:solidFill>
+                  <a:srgbClr val="00B050"/>
+                </a:solidFill>
+              </a:rPr>
+              <a:t>注册</a:t>
+            </a:r>
+            <a:r>
+              <a:rPr lang="en-US" altLang="zh-CN" sz="2400" b="0" dirty="0" smtClean="0">
+                <a:solidFill>
+                  <a:srgbClr val="00B050"/>
+                </a:solidFill>
+              </a:rPr>
+              <a:t>Service</a:t>
+            </a:r>
+            <a:r>
+              <a:rPr lang="zh-CN" altLang="en-US" sz="2400" b="0" dirty="0">
+                <a:solidFill>
+                  <a:srgbClr val="00B050"/>
+                </a:solidFill>
+              </a:rPr>
+              <a:t>组件</a:t>
+            </a:r>
+            <a:r>
+              <a:rPr lang="zh-CN" altLang="en-US" sz="2400" dirty="0">
+                <a:solidFill>
+                  <a:srgbClr val="00B050"/>
+                </a:solidFill>
+              </a:rPr>
+              <a:t>  </a:t>
+            </a:r>
+            <a:r>
+              <a:rPr lang="en-US" altLang="zh-CN" sz="2400" dirty="0">
+                <a:solidFill>
+                  <a:srgbClr val="00B050"/>
+                </a:solidFill>
+              </a:rPr>
+              <a:t>---!&gt;</a:t>
+            </a:r>
+          </a:p>
+          <a:p>
+            <a:r>
+              <a:rPr lang="en-US" altLang="zh-CN" sz="2400" dirty="0" smtClean="0"/>
+              <a:t>&lt;</a:t>
+            </a:r>
+            <a:r>
+              <a:rPr lang="en-US" altLang="zh-CN" sz="2400" dirty="0"/>
+              <a:t>service </a:t>
+            </a:r>
+            <a:endParaRPr lang="en-US" altLang="zh-CN" sz="2400" dirty="0" smtClean="0"/>
+          </a:p>
+          <a:p>
+            <a:r>
+              <a:rPr lang="en-US" altLang="zh-CN" sz="2400" dirty="0"/>
+              <a:t> </a:t>
+            </a:r>
+            <a:r>
+              <a:rPr lang="en-US" altLang="zh-CN" sz="2400" dirty="0" smtClean="0"/>
+              <a:t>   android:name</a:t>
+            </a:r>
+            <a:r>
+              <a:rPr lang="en-US" altLang="zh-CN" sz="2400" dirty="0"/>
+              <a:t>=".MyService"</a:t>
+            </a:r>
+          </a:p>
+          <a:p>
+            <a:r>
+              <a:rPr lang="en-US" altLang="zh-CN" sz="2400" dirty="0" smtClean="0"/>
+              <a:t>    android:exported</a:t>
+            </a:r>
+            <a:r>
+              <a:rPr lang="en-US" altLang="zh-CN" sz="2400" dirty="0"/>
+              <a:t>="true"</a:t>
+            </a:r>
+          </a:p>
+          <a:p>
+            <a:r>
+              <a:rPr lang="en-US" altLang="zh-CN" sz="2400" dirty="0" smtClean="0"/>
+              <a:t>    android:process</a:t>
+            </a:r>
+            <a:r>
+              <a:rPr lang="en-US" altLang="zh-CN" sz="2400" dirty="0"/>
+              <a:t>=":remote" &gt;</a:t>
+            </a:r>
+          </a:p>
+          <a:p>
+            <a:r>
+              <a:rPr lang="en-US" altLang="zh-CN" sz="2400" dirty="0" smtClean="0"/>
+              <a:t>    &lt;</a:t>
+            </a:r>
+            <a:r>
+              <a:rPr lang="en-US" altLang="zh-CN" sz="2400" dirty="0"/>
+              <a:t>intent-filter</a:t>
+            </a:r>
+            <a:r>
+              <a:rPr lang="en-US" altLang="zh-CN" sz="2400" dirty="0" smtClean="0"/>
+              <a:t>&gt;</a:t>
+            </a:r>
+          </a:p>
+          <a:p>
+            <a:r>
+              <a:rPr lang="en-US" altLang="zh-CN" sz="2400" dirty="0"/>
+              <a:t>	</a:t>
+            </a:r>
+            <a:r>
+              <a:rPr lang="en-US" altLang="zh-CN" sz="2400" dirty="0" smtClean="0"/>
+              <a:t>  </a:t>
+            </a:r>
+            <a:r>
+              <a:rPr lang="en-US" altLang="zh-CN" sz="2400" dirty="0" smtClean="0">
+                <a:solidFill>
+                  <a:srgbClr val="00B050"/>
+                </a:solidFill>
+              </a:rPr>
+              <a:t>&lt;!---- </a:t>
+            </a:r>
+            <a:r>
+              <a:rPr lang="zh-CN" altLang="en-US" sz="2400" dirty="0" smtClean="0">
+                <a:solidFill>
+                  <a:srgbClr val="00B050"/>
+                </a:solidFill>
+              </a:rPr>
+              <a:t>指定该</a:t>
+            </a:r>
+            <a:r>
+              <a:rPr lang="en-US" altLang="zh-CN" sz="2400" b="0" dirty="0" smtClean="0">
+                <a:solidFill>
+                  <a:srgbClr val="00B050"/>
+                </a:solidFill>
+              </a:rPr>
+              <a:t>Service</a:t>
+            </a:r>
+            <a:r>
+              <a:rPr lang="zh-CN" altLang="en-US" sz="2400" b="0" dirty="0" smtClean="0">
+                <a:solidFill>
+                  <a:srgbClr val="00B050"/>
+                </a:solidFill>
+              </a:rPr>
+              <a:t>能被什么哪些</a:t>
+            </a:r>
+            <a:r>
+              <a:rPr lang="en-US" altLang="zh-CN" sz="2400" b="0" dirty="0" smtClean="0">
+                <a:solidFill>
+                  <a:srgbClr val="00B050"/>
+                </a:solidFill>
+              </a:rPr>
+              <a:t>Intent</a:t>
+            </a:r>
+            <a:r>
+              <a:rPr lang="zh-CN" altLang="en-US" sz="2400" b="0" dirty="0" smtClean="0">
+                <a:solidFill>
+                  <a:srgbClr val="00B050"/>
+                </a:solidFill>
+              </a:rPr>
+              <a:t>启动</a:t>
+            </a:r>
+            <a:r>
+              <a:rPr lang="zh-CN" altLang="en-US" sz="2400" dirty="0" smtClean="0">
+                <a:solidFill>
+                  <a:srgbClr val="00B050"/>
+                </a:solidFill>
+              </a:rPr>
+              <a:t>  </a:t>
+            </a:r>
+            <a:r>
+              <a:rPr lang="en-US" altLang="zh-CN" sz="2400" dirty="0" smtClean="0">
+                <a:solidFill>
+                  <a:srgbClr val="00B050"/>
+                </a:solidFill>
+              </a:rPr>
+              <a:t>---!&gt;</a:t>
+            </a:r>
+            <a:endParaRPr lang="en-US" altLang="zh-CN" sz="2400" dirty="0"/>
+          </a:p>
+          <a:p>
+            <a:r>
+              <a:rPr lang="en-US" altLang="zh-CN" sz="2400" dirty="0" smtClean="0"/>
+              <a:t>        &lt;</a:t>
+            </a:r>
+            <a:r>
+              <a:rPr lang="en-US" altLang="zh-CN" sz="2400" dirty="0"/>
+              <a:t>action android:name="net.onest.Circle.AIDLService</a:t>
+            </a:r>
+            <a:r>
+              <a:rPr lang="en-US" altLang="zh-CN" sz="2400" dirty="0" smtClean="0"/>
+              <a:t>"/&gt;</a:t>
+            </a:r>
+            <a:endParaRPr lang="en-US" altLang="zh-CN" sz="2400" dirty="0"/>
+          </a:p>
+          <a:p>
+            <a:r>
+              <a:rPr lang="en-US" altLang="zh-CN" sz="2400" dirty="0" smtClean="0"/>
+              <a:t>    &lt;/</a:t>
+            </a:r>
+            <a:r>
+              <a:rPr lang="en-US" altLang="zh-CN" sz="2400" dirty="0"/>
+              <a:t>intent-filter&gt;</a:t>
+            </a:r>
+          </a:p>
+          <a:p>
+            <a:r>
+              <a:rPr lang="en-US" altLang="zh-CN" sz="2400" dirty="0" smtClean="0"/>
+              <a:t>&lt;/</a:t>
+            </a:r>
+            <a:r>
+              <a:rPr lang="en-US" altLang="zh-CN" sz="2400" dirty="0"/>
+              <a:t>service&gt;</a:t>
+            </a:r>
+          </a:p>
+        </p:txBody>
+      </p:sp>
+    </p:spTree>
+    <p:extLst>
+      <p:ext uri="{BB962C8B-B14F-4D97-AF65-F5344CB8AC3E}">
+        <p14:creationId xmlns:p14="http://schemas.microsoft.com/office/powerpoint/2010/main" val="3698162515"/>
+      </p:ext>
+    </p:extLst>
+  </p:cSld>
+  <p:clrMapOvr>
+    <a:masterClrMapping/>
+  </p:clrMapOvr>
+  <p:timing>
+    <p:tnLst>
+      <p:par>
+        <p:cTn id="1" dur="indefinite" restart="never" nodeType="tmRoot"/>
+      </p:par>
+    </p:tnLst>
+  </p:timing>
+</p:sld>
+</file>
+
+<file path=ppt/slides/slide34.xml><?xml version="1.0" encoding="utf-8"?>
+<p:sld xmlns:a="http://schemas.openxmlformats.org/drawingml/2006/main" xmlns:r="http://schemas.openxmlformats.org/officeDocument/2006/relationships" xmlns:p="http://schemas.openxmlformats.org/presentationml/2006/main">
+  <p:cSld>
+    <p:spTree>
+      <p:nvGrpSpPr>
+        <p:cNvPr id="1" name=""/>
+        <p:cNvGrpSpPr/>
+        <p:nvPr/>
+      </p:nvGrpSpPr>
+      <p:grpSpPr>
+        <a:xfrm>
+          <a:off x="0" y="0"/>
+          <a:ext cx="0" cy="0"/>
+          <a:chOff x="0" y="0"/>
+          <a:chExt cx="0" cy="0"/>
+        </a:xfrm>
+      </p:grpSpPr>
+      <p:sp>
+        <p:nvSpPr>
+          <p:cNvPr id="4" name="内容占位符 3"/>
+          <p:cNvSpPr>
+            <a:spLocks noGrp="1"/>
+          </p:cNvSpPr>
+          <p:nvPr>
+            <p:ph idx="1"/>
+          </p:nvPr>
+        </p:nvSpPr>
+        <p:spPr>
+          <a:xfrm>
+            <a:off x="911424" y="1600200"/>
+            <a:ext cx="10729192" cy="4853136"/>
+          </a:xfrm>
+        </p:spPr>
+        <p:txBody>
+          <a:bodyPr>
+            <a:noAutofit/>
+          </a:bodyPr>
+          <a:lstStyle/>
+          <a:p>
+            <a:r>
+              <a:rPr lang="en-US" altLang="zh-CN" sz="3200" dirty="0">
+                <a:solidFill>
+                  <a:schemeClr val="tx1">
+                    <a:lumMod val="85000"/>
+                    <a:lumOff val="15000"/>
+                  </a:schemeClr>
+                </a:solidFill>
+              </a:rPr>
+              <a:t> </a:t>
+            </a:r>
+            <a:r>
+              <a:rPr lang="zh-CN" altLang="en-US" sz="3200" dirty="0">
+                <a:solidFill>
+                  <a:schemeClr val="tx1">
+                    <a:lumMod val="85000"/>
+                    <a:lumOff val="15000"/>
+                  </a:schemeClr>
+                </a:solidFill>
+              </a:rPr>
+              <a:t>访问</a:t>
+            </a:r>
+            <a:r>
+              <a:rPr lang="en-US" altLang="zh-CN" sz="3200" dirty="0" err="1">
+                <a:solidFill>
+                  <a:schemeClr val="tx1">
+                    <a:lumMod val="85000"/>
+                    <a:lumOff val="15000"/>
+                  </a:schemeClr>
+                </a:solidFill>
+              </a:rPr>
+              <a:t>AIDLService</a:t>
+            </a:r>
+            <a:r>
+              <a:rPr lang="zh-CN" altLang="en-US" sz="3200" dirty="0">
+                <a:solidFill>
+                  <a:schemeClr val="tx1">
+                    <a:lumMod val="85000"/>
+                    <a:lumOff val="15000"/>
+                  </a:schemeClr>
+                </a:solidFill>
+              </a:rPr>
+              <a:t>的步骤：</a:t>
+            </a:r>
+            <a:endParaRPr lang="en-US" altLang="zh-CN" sz="3200" dirty="0">
+              <a:solidFill>
+                <a:schemeClr val="tx1">
+                  <a:lumMod val="85000"/>
+                  <a:lumOff val="15000"/>
+                </a:schemeClr>
+              </a:solidFill>
+            </a:endParaRPr>
+          </a:p>
+          <a:p>
+            <a:pPr marL="971550" lvl="1" indent="-514350">
+              <a:spcBef>
+                <a:spcPts val="1200"/>
+              </a:spcBef>
+              <a:buFont typeface="+mj-lt"/>
+              <a:buAutoNum type="arabicPeriod"/>
+            </a:pPr>
+            <a:r>
+              <a:rPr lang="zh-CN" altLang="en-US" sz="3200" dirty="0" smtClean="0">
+                <a:solidFill>
+                  <a:schemeClr val="tx1">
+                    <a:lumMod val="85000"/>
+                    <a:lumOff val="15000"/>
+                  </a:schemeClr>
+                </a:solidFill>
+              </a:rPr>
+              <a:t>将</a:t>
+            </a:r>
+            <a:r>
+              <a:rPr lang="en-US" altLang="zh-CN" sz="3200" dirty="0" smtClean="0">
+                <a:solidFill>
+                  <a:schemeClr val="tx1">
+                    <a:lumMod val="85000"/>
+                    <a:lumOff val="15000"/>
+                  </a:schemeClr>
+                </a:solidFill>
+              </a:rPr>
+              <a:t>Service</a:t>
+            </a:r>
+            <a:r>
+              <a:rPr lang="zh-CN" altLang="en-US" sz="3200" dirty="0">
+                <a:solidFill>
+                  <a:schemeClr val="tx1">
+                    <a:lumMod val="85000"/>
+                    <a:lumOff val="15000"/>
+                  </a:schemeClr>
+                </a:solidFill>
+              </a:rPr>
+              <a:t>端的</a:t>
+            </a:r>
+            <a:r>
+              <a:rPr lang="en-US" altLang="zh-CN" sz="3200" dirty="0">
+                <a:solidFill>
+                  <a:schemeClr val="tx1">
+                    <a:lumMod val="85000"/>
+                    <a:lumOff val="15000"/>
+                  </a:schemeClr>
+                </a:solidFill>
+              </a:rPr>
+              <a:t>AIDL</a:t>
+            </a:r>
+            <a:r>
+              <a:rPr lang="zh-CN" altLang="en-US" sz="3200" dirty="0">
+                <a:solidFill>
+                  <a:schemeClr val="tx1">
+                    <a:lumMod val="85000"/>
+                    <a:lumOff val="15000"/>
+                  </a:schemeClr>
+                </a:solidFill>
+              </a:rPr>
+              <a:t>接口文件复制到客户端应用</a:t>
+            </a:r>
+            <a:r>
+              <a:rPr lang="zh-CN" altLang="en-US" sz="3200" dirty="0" smtClean="0">
+                <a:solidFill>
+                  <a:schemeClr val="tx1">
+                    <a:lumMod val="85000"/>
+                    <a:lumOff val="15000"/>
+                  </a:schemeClr>
+                </a:solidFill>
+              </a:rPr>
+              <a:t>中。</a:t>
+            </a:r>
+            <a:endParaRPr lang="en-US" altLang="zh-CN" sz="3200" dirty="0">
+              <a:solidFill>
+                <a:schemeClr val="tx1">
+                  <a:lumMod val="85000"/>
+                  <a:lumOff val="15000"/>
+                </a:schemeClr>
+              </a:solidFill>
+            </a:endParaRPr>
+          </a:p>
+          <a:p>
+            <a:pPr marL="857250" lvl="2" indent="0">
+              <a:spcBef>
+                <a:spcPts val="1200"/>
+              </a:spcBef>
+              <a:buNone/>
+            </a:pPr>
+            <a:r>
+              <a:rPr lang="zh-CN" altLang="en-US" dirty="0" smtClean="0">
+                <a:solidFill>
+                  <a:srgbClr val="FF0000"/>
+                </a:solidFill>
+              </a:rPr>
+              <a:t>注意：包含完整包结构</a:t>
+            </a:r>
+            <a:endParaRPr lang="en-US" altLang="zh-CN" dirty="0">
+              <a:solidFill>
+                <a:srgbClr val="FF0000"/>
+              </a:solidFill>
+            </a:endParaRPr>
+          </a:p>
+          <a:p>
+            <a:pPr marL="971550" lvl="1" indent="-514350">
+              <a:spcBef>
+                <a:spcPts val="1200"/>
+              </a:spcBef>
+              <a:buFont typeface="+mj-lt"/>
+              <a:buAutoNum type="arabicPeriod"/>
+            </a:pPr>
+            <a:r>
+              <a:rPr lang="zh-CN" altLang="en-US" sz="3200" dirty="0">
+                <a:solidFill>
+                  <a:schemeClr val="tx1">
+                    <a:lumMod val="85000"/>
+                    <a:lumOff val="15000"/>
+                  </a:schemeClr>
+                </a:solidFill>
+              </a:rPr>
+              <a:t>创建</a:t>
+            </a:r>
+            <a:r>
+              <a:rPr lang="en-US" altLang="zh-CN" sz="3200" dirty="0">
+                <a:solidFill>
+                  <a:schemeClr val="tx1">
+                    <a:lumMod val="85000"/>
+                    <a:lumOff val="15000"/>
+                  </a:schemeClr>
+                </a:solidFill>
+              </a:rPr>
+              <a:t>ServiceConnection</a:t>
+            </a:r>
+            <a:r>
+              <a:rPr lang="zh-CN" altLang="en-US" sz="3200" dirty="0" smtClean="0">
+                <a:solidFill>
+                  <a:schemeClr val="tx1">
+                    <a:lumMod val="85000"/>
+                    <a:lumOff val="15000"/>
+                  </a:schemeClr>
+                </a:solidFill>
+              </a:rPr>
+              <a:t>对象。</a:t>
+            </a:r>
+            <a:endParaRPr lang="en-US" altLang="zh-CN" sz="3200" dirty="0">
+              <a:solidFill>
+                <a:schemeClr val="tx1">
+                  <a:lumMod val="85000"/>
+                  <a:lumOff val="15000"/>
+                </a:schemeClr>
+              </a:solidFill>
+            </a:endParaRPr>
+          </a:p>
+          <a:p>
+            <a:pPr marL="971550" lvl="1" indent="-514350">
+              <a:spcBef>
+                <a:spcPts val="1200"/>
+              </a:spcBef>
+              <a:buFont typeface="+mj-lt"/>
+              <a:buAutoNum type="arabicPeriod"/>
+            </a:pPr>
+            <a:r>
+              <a:rPr lang="zh-CN" altLang="en-US" sz="3200" dirty="0">
+                <a:solidFill>
+                  <a:schemeClr val="tx1">
+                    <a:lumMod val="85000"/>
+                    <a:lumOff val="15000"/>
+                  </a:schemeClr>
+                </a:solidFill>
+              </a:rPr>
+              <a:t>调用</a:t>
+            </a:r>
+            <a:r>
+              <a:rPr lang="en-US" altLang="zh-CN" sz="3200" dirty="0" err="1">
+                <a:solidFill>
+                  <a:schemeClr val="tx1">
+                    <a:lumMod val="85000"/>
+                    <a:lumOff val="15000"/>
+                  </a:schemeClr>
+                </a:solidFill>
+              </a:rPr>
+              <a:t>Context.bindService</a:t>
+            </a:r>
+            <a:r>
+              <a:rPr lang="en-US" altLang="zh-CN" sz="3200" dirty="0">
+                <a:solidFill>
+                  <a:schemeClr val="tx1">
+                    <a:lumMod val="85000"/>
+                    <a:lumOff val="15000"/>
+                  </a:schemeClr>
+                </a:solidFill>
+              </a:rPr>
+              <a:t>()</a:t>
+            </a:r>
+            <a:r>
+              <a:rPr lang="zh-CN" altLang="en-US" sz="3200" dirty="0">
+                <a:solidFill>
+                  <a:schemeClr val="tx1">
+                    <a:lumMod val="85000"/>
+                    <a:lumOff val="15000"/>
+                  </a:schemeClr>
+                </a:solidFill>
+              </a:rPr>
+              <a:t>方法绑定远程</a:t>
+            </a:r>
+            <a:r>
+              <a:rPr lang="en-US" altLang="zh-CN" sz="3200" dirty="0" smtClean="0">
+                <a:solidFill>
+                  <a:schemeClr val="tx1">
+                    <a:lumMod val="85000"/>
+                    <a:lumOff val="15000"/>
+                  </a:schemeClr>
+                </a:solidFill>
+              </a:rPr>
+              <a:t>Service</a:t>
+            </a:r>
+            <a:r>
+              <a:rPr lang="zh-CN" altLang="en-US" sz="3200" dirty="0" smtClean="0">
+                <a:solidFill>
+                  <a:schemeClr val="tx1">
+                    <a:lumMod val="85000"/>
+                    <a:lumOff val="15000"/>
+                  </a:schemeClr>
+                </a:solidFill>
+              </a:rPr>
+              <a:t>。</a:t>
+            </a:r>
+            <a:endParaRPr lang="en-US" altLang="zh-CN" sz="3200" dirty="0">
+              <a:solidFill>
+                <a:schemeClr val="tx1">
+                  <a:lumMod val="85000"/>
+                  <a:lumOff val="15000"/>
+                </a:schemeClr>
+              </a:solidFill>
+            </a:endParaRPr>
+          </a:p>
+          <a:p>
+            <a:pPr marL="971550" lvl="1" indent="-514350">
+              <a:spcBef>
+                <a:spcPts val="1200"/>
+              </a:spcBef>
+              <a:buFont typeface="+mj-lt"/>
+              <a:buAutoNum type="arabicPeriod"/>
+            </a:pPr>
+            <a:r>
+              <a:rPr lang="zh-CN" altLang="en-US" sz="3200" dirty="0">
+                <a:solidFill>
+                  <a:schemeClr val="tx1">
+                    <a:lumMod val="85000"/>
+                    <a:lumOff val="15000"/>
+                  </a:schemeClr>
+                </a:solidFill>
+              </a:rPr>
+              <a:t>在</a:t>
+            </a:r>
+            <a:r>
+              <a:rPr lang="en-US" altLang="zh-CN" sz="3200" dirty="0" err="1">
+                <a:solidFill>
+                  <a:schemeClr val="tx1">
+                    <a:lumMod val="85000"/>
+                    <a:lumOff val="15000"/>
+                  </a:schemeClr>
+                </a:solidFill>
+              </a:rPr>
+              <a:t>ServiceConnection</a:t>
+            </a:r>
+            <a:r>
+              <a:rPr lang="zh-CN" altLang="en-US" sz="3200" dirty="0">
+                <a:solidFill>
+                  <a:schemeClr val="tx1">
+                    <a:lumMod val="85000"/>
+                    <a:lumOff val="15000"/>
+                  </a:schemeClr>
+                </a:solidFill>
+              </a:rPr>
+              <a:t>对象的</a:t>
+            </a:r>
+            <a:r>
+              <a:rPr lang="en-US" altLang="zh-CN" sz="3200" dirty="0" err="1">
+                <a:solidFill>
+                  <a:schemeClr val="tx1">
+                    <a:lumMod val="85000"/>
+                    <a:lumOff val="15000"/>
+                  </a:schemeClr>
+                </a:solidFill>
+              </a:rPr>
+              <a:t>onServiceConnection</a:t>
+            </a:r>
+            <a:r>
+              <a:rPr lang="zh-CN" altLang="en-US" sz="3200" dirty="0">
+                <a:solidFill>
+                  <a:schemeClr val="tx1">
+                    <a:lumMod val="85000"/>
+                    <a:lumOff val="15000"/>
+                  </a:schemeClr>
+                </a:solidFill>
+              </a:rPr>
+              <a:t>方法中</a:t>
+            </a:r>
+            <a:r>
+              <a:rPr lang="zh-CN" altLang="en-US" sz="3200" dirty="0" smtClean="0">
+                <a:solidFill>
+                  <a:schemeClr val="tx1">
+                    <a:lumMod val="85000"/>
+                    <a:lumOff val="15000"/>
+                  </a:schemeClr>
+                </a:solidFill>
+              </a:rPr>
+              <a:t>进行</a:t>
+            </a:r>
+            <a:r>
+              <a:rPr lang="en-US" altLang="zh-CN" sz="3200" dirty="0" smtClean="0">
+                <a:solidFill>
+                  <a:schemeClr val="tx1">
+                    <a:lumMod val="85000"/>
+                    <a:lumOff val="15000"/>
+                  </a:schemeClr>
+                </a:solidFill>
+              </a:rPr>
+              <a:t>Service</a:t>
+            </a:r>
+            <a:r>
+              <a:rPr lang="zh-CN" altLang="en-US" sz="3200" dirty="0">
+                <a:solidFill>
+                  <a:schemeClr val="tx1">
+                    <a:lumMod val="85000"/>
+                    <a:lumOff val="15000"/>
+                  </a:schemeClr>
+                </a:solidFill>
+              </a:rPr>
+              <a:t>对象返回值的</a:t>
+            </a:r>
+            <a:r>
+              <a:rPr lang="zh-CN" altLang="en-US" sz="3200" dirty="0" smtClean="0">
+                <a:solidFill>
+                  <a:schemeClr val="tx1">
+                    <a:lumMod val="85000"/>
+                    <a:lumOff val="15000"/>
+                  </a:schemeClr>
+                </a:solidFill>
+              </a:rPr>
+              <a:t>处理。</a:t>
+            </a:r>
+            <a:endParaRPr lang="en-US" altLang="zh-CN" sz="3200" dirty="0">
+              <a:solidFill>
+                <a:schemeClr val="tx1">
+                  <a:lumMod val="85000"/>
+                  <a:lumOff val="15000"/>
+                </a:schemeClr>
+              </a:solidFill>
+            </a:endParaRPr>
+          </a:p>
+        </p:txBody>
+      </p:sp>
+      <p:sp>
+        <p:nvSpPr>
+          <p:cNvPr id="2" name="标题 1"/>
+          <p:cNvSpPr>
+            <a:spLocks noGrp="1"/>
+          </p:cNvSpPr>
+          <p:nvPr>
+            <p:ph type="title"/>
+          </p:nvPr>
+        </p:nvSpPr>
+        <p:spPr/>
+        <p:txBody>
+          <a:bodyPr/>
+          <a:lstStyle/>
+          <a:p>
+            <a:r>
+              <a:rPr lang="en-US" altLang="zh-CN"/>
+              <a:t>Step3</a:t>
+            </a:r>
+            <a:r>
+              <a:rPr lang="zh-CN" altLang="en-US"/>
+              <a:t>、客户端访问</a:t>
+            </a:r>
+            <a:r>
+              <a:rPr lang="en-US" altLang="zh-CN"/>
+              <a:t>AIDLService</a:t>
+            </a:r>
+            <a:endParaRPr lang="zh-CN" altLang="en-US"/>
+          </a:p>
+        </p:txBody>
+      </p:sp>
+    </p:spTree>
+    <p:extLst>
+      <p:ext uri="{BB962C8B-B14F-4D97-AF65-F5344CB8AC3E}">
+        <p14:creationId xmlns:p14="http://schemas.microsoft.com/office/powerpoint/2010/main" val="2706365781"/>
+      </p:ext>
+    </p:extLst>
+  </p:cSld>
+  <p:clrMapOvr>
+    <a:masterClrMapping/>
+  </p:clrMapOvr>
+  <p:timing>
+    <p:tnLst>
+      <p:par>
+        <p:cTn id="1" dur="indefinite" restart="never" nodeType="tmRoot"/>
+      </p:par>
+    </p:tnLst>
+  </p:timing>
+</p:sld>
+</file>
+
+<file path=ppt/slides/slide35.xml><?xml version="1.0" encoding="utf-8"?>
+<p:sld xmlns:a="http://schemas.openxmlformats.org/drawingml/2006/main" xmlns:r="http://schemas.openxmlformats.org/officeDocument/2006/relationships" xmlns:p="http://schemas.openxmlformats.org/presentationml/2006/main">
+  <p:cSld>
+    <p:spTree>
+      <p:nvGrpSpPr>
+        <p:cNvPr id="1" name=""/>
+        <p:cNvGrpSpPr/>
+        <p:nvPr/>
+      </p:nvGrpSpPr>
+      <p:grpSpPr>
+        <a:xfrm>
+          <a:off x="0" y="0"/>
+          <a:ext cx="0" cy="0"/>
+          <a:chOff x="0" y="0"/>
+          <a:chExt cx="0" cy="0"/>
+        </a:xfrm>
+      </p:grpSpPr>
+      <p:sp>
+        <p:nvSpPr>
+          <p:cNvPr id="4" name="内容占位符 3"/>
+          <p:cNvSpPr>
+            <a:spLocks noGrp="1"/>
+          </p:cNvSpPr>
+          <p:nvPr>
+            <p:ph idx="1"/>
+          </p:nvPr>
+        </p:nvSpPr>
+        <p:spPr>
+          <a:xfrm>
+            <a:off x="911424" y="1600200"/>
+            <a:ext cx="10729192" cy="4853136"/>
+          </a:xfrm>
+        </p:spPr>
+        <p:txBody>
+          <a:bodyPr>
+            <a:noAutofit/>
+          </a:bodyPr>
+          <a:lstStyle/>
+          <a:p>
+            <a:r>
+              <a:rPr lang="en-US" altLang="zh-CN" sz="3200" dirty="0">
+                <a:solidFill>
+                  <a:schemeClr val="tx1">
+                    <a:lumMod val="85000"/>
+                    <a:lumOff val="15000"/>
+                  </a:schemeClr>
+                </a:solidFill>
+              </a:rPr>
+              <a:t> </a:t>
+            </a:r>
+            <a:r>
+              <a:rPr lang="zh-CN" altLang="en-US" sz="3200" dirty="0">
+                <a:solidFill>
+                  <a:schemeClr val="tx1">
+                    <a:lumMod val="85000"/>
+                    <a:lumOff val="15000"/>
+                  </a:schemeClr>
+                </a:solidFill>
+              </a:rPr>
+              <a:t>访问</a:t>
+            </a:r>
+            <a:r>
+              <a:rPr lang="en-US" altLang="zh-CN" sz="3200" dirty="0" err="1">
+                <a:solidFill>
+                  <a:schemeClr val="tx1">
+                    <a:lumMod val="85000"/>
+                    <a:lumOff val="15000"/>
+                  </a:schemeClr>
+                </a:solidFill>
+              </a:rPr>
+              <a:t>AIDLService</a:t>
+            </a:r>
+            <a:r>
+              <a:rPr lang="zh-CN" altLang="en-US" sz="3200" dirty="0">
+                <a:solidFill>
+                  <a:schemeClr val="tx1">
+                    <a:lumMod val="85000"/>
+                    <a:lumOff val="15000"/>
+                  </a:schemeClr>
+                </a:solidFill>
+              </a:rPr>
+              <a:t>的步骤：</a:t>
+            </a:r>
+            <a:endParaRPr lang="en-US" altLang="zh-CN" sz="3200" dirty="0">
+              <a:solidFill>
+                <a:schemeClr val="tx1">
+                  <a:lumMod val="85000"/>
+                  <a:lumOff val="15000"/>
+                </a:schemeClr>
+              </a:solidFill>
+            </a:endParaRPr>
+          </a:p>
+          <a:p>
+            <a:pPr marL="971550" lvl="1" indent="-514350">
+              <a:spcBef>
+                <a:spcPts val="1200"/>
+              </a:spcBef>
+              <a:buFont typeface="+mj-lt"/>
+              <a:buAutoNum type="arabicPeriod"/>
+            </a:pPr>
+            <a:r>
+              <a:rPr lang="zh-CN" altLang="en-US" sz="3200" dirty="0" smtClean="0">
+                <a:solidFill>
+                  <a:schemeClr val="tx1">
+                    <a:lumMod val="85000"/>
+                    <a:lumOff val="15000"/>
+                  </a:schemeClr>
+                </a:solidFill>
+              </a:rPr>
+              <a:t>将</a:t>
+            </a:r>
+            <a:r>
+              <a:rPr lang="en-US" altLang="zh-CN" sz="3200" dirty="0" smtClean="0">
+                <a:solidFill>
+                  <a:schemeClr val="tx1">
+                    <a:lumMod val="85000"/>
+                    <a:lumOff val="15000"/>
+                  </a:schemeClr>
+                </a:solidFill>
+              </a:rPr>
+              <a:t>Service</a:t>
+            </a:r>
+            <a:r>
+              <a:rPr lang="zh-CN" altLang="en-US" sz="3200" dirty="0">
+                <a:solidFill>
+                  <a:schemeClr val="tx1">
+                    <a:lumMod val="85000"/>
+                    <a:lumOff val="15000"/>
+                  </a:schemeClr>
+                </a:solidFill>
+              </a:rPr>
+              <a:t>端的</a:t>
+            </a:r>
+            <a:r>
+              <a:rPr lang="en-US" altLang="zh-CN" sz="3200" dirty="0">
+                <a:solidFill>
+                  <a:schemeClr val="tx1">
+                    <a:lumMod val="85000"/>
+                    <a:lumOff val="15000"/>
+                  </a:schemeClr>
+                </a:solidFill>
+              </a:rPr>
+              <a:t>AIDL</a:t>
+            </a:r>
+            <a:r>
+              <a:rPr lang="zh-CN" altLang="en-US" sz="3200" dirty="0">
+                <a:solidFill>
+                  <a:schemeClr val="tx1">
+                    <a:lumMod val="85000"/>
+                    <a:lumOff val="15000"/>
+                  </a:schemeClr>
+                </a:solidFill>
+              </a:rPr>
+              <a:t>接口文件复制到客户端应用</a:t>
+            </a:r>
+            <a:r>
+              <a:rPr lang="zh-CN" altLang="en-US" sz="3200" dirty="0" smtClean="0">
+                <a:solidFill>
+                  <a:schemeClr val="tx1">
+                    <a:lumMod val="85000"/>
+                    <a:lumOff val="15000"/>
+                  </a:schemeClr>
+                </a:solidFill>
+              </a:rPr>
+              <a:t>中。</a:t>
+            </a:r>
+            <a:endParaRPr lang="en-US" altLang="zh-CN" sz="3200" dirty="0">
+              <a:solidFill>
+                <a:schemeClr val="tx1">
+                  <a:lumMod val="85000"/>
+                  <a:lumOff val="15000"/>
+                </a:schemeClr>
+              </a:solidFill>
+            </a:endParaRPr>
+          </a:p>
+          <a:p>
+            <a:pPr marL="857250" lvl="2" indent="0">
+              <a:spcBef>
+                <a:spcPts val="1200"/>
+              </a:spcBef>
+              <a:buNone/>
+            </a:pPr>
+            <a:r>
+              <a:rPr lang="zh-CN" altLang="en-US" dirty="0" smtClean="0">
+                <a:solidFill>
+                  <a:srgbClr val="FF0000"/>
+                </a:solidFill>
+              </a:rPr>
+              <a:t>注意：包含完整包结构</a:t>
+            </a:r>
+            <a:endParaRPr lang="en-US" altLang="zh-CN" sz="3200" dirty="0">
+              <a:solidFill>
+                <a:schemeClr val="tx1">
+                  <a:lumMod val="85000"/>
+                  <a:lumOff val="15000"/>
+                </a:schemeClr>
+              </a:solidFill>
+            </a:endParaRPr>
+          </a:p>
+        </p:txBody>
+      </p:sp>
+      <p:sp>
+        <p:nvSpPr>
+          <p:cNvPr id="2" name="标题 1"/>
+          <p:cNvSpPr>
+            <a:spLocks noGrp="1"/>
+          </p:cNvSpPr>
+          <p:nvPr>
+            <p:ph type="title"/>
+          </p:nvPr>
+        </p:nvSpPr>
+        <p:spPr/>
+        <p:txBody>
+          <a:bodyPr/>
+          <a:lstStyle/>
+          <a:p>
+            <a:r>
+              <a:rPr lang="en-US" altLang="zh-CN"/>
+              <a:t>Step3</a:t>
+            </a:r>
+            <a:r>
+              <a:rPr lang="zh-CN" altLang="en-US"/>
+              <a:t>、客户端访问</a:t>
+            </a:r>
+            <a:r>
+              <a:rPr lang="en-US" altLang="zh-CN"/>
+              <a:t>AIDLService</a:t>
+            </a:r>
+            <a:endParaRPr lang="zh-CN" altLang="en-US"/>
+          </a:p>
+        </p:txBody>
+      </p:sp>
+      <p:pic>
+        <p:nvPicPr>
+          <p:cNvPr id="3" name="图片 2"/>
+          <p:cNvPicPr>
+            <a:picLocks noChangeAspect="1"/>
+          </p:cNvPicPr>
+          <p:nvPr/>
+        </p:nvPicPr>
+        <p:blipFill>
+          <a:blip r:embed="rId3"/>
+          <a:stretch>
+            <a:fillRect/>
+          </a:stretch>
+        </p:blipFill>
+        <p:spPr>
+          <a:xfrm>
+            <a:off x="2721822" y="3356992"/>
+            <a:ext cx="3448227" cy="2870348"/>
+          </a:xfrm>
+          <a:prstGeom prst="rect">
+            <a:avLst/>
+          </a:prstGeom>
+        </p:spPr>
+      </p:pic>
+      <p:pic>
+        <p:nvPicPr>
+          <p:cNvPr id="5" name="图片 4"/>
+          <p:cNvPicPr>
+            <a:picLocks noChangeAspect="1"/>
+          </p:cNvPicPr>
+          <p:nvPr/>
+        </p:nvPicPr>
+        <p:blipFill>
+          <a:blip r:embed="rId4"/>
+          <a:stretch>
+            <a:fillRect/>
+          </a:stretch>
+        </p:blipFill>
+        <p:spPr>
+          <a:xfrm>
+            <a:off x="6250214" y="3356992"/>
+            <a:ext cx="3302170" cy="2159111"/>
+          </a:xfrm>
+          <a:prstGeom prst="rect">
+            <a:avLst/>
+          </a:prstGeom>
+        </p:spPr>
+      </p:pic>
+      <p:sp>
+        <p:nvSpPr>
+          <p:cNvPr id="6" name="矩形 5"/>
+          <p:cNvSpPr/>
+          <p:nvPr/>
+        </p:nvSpPr>
+        <p:spPr>
+          <a:xfrm>
+            <a:off x="6499064" y="5572536"/>
+            <a:ext cx="2160240" cy="824367"/>
+          </a:xfrm>
+          <a:prstGeom prst="rect">
+            <a:avLst/>
+          </a:prstGeom>
+          <a:noFill/>
+          <a:ln>
+            <a:noFill/>
+          </a:ln>
+        </p:spPr>
+        <p:style>
+          <a:lnRef idx="2">
+            <a:schemeClr val="accent1">
+              <a:shade val="50000"/>
+            </a:schemeClr>
+          </a:lnRef>
+          <a:fillRef idx="1">
+            <a:schemeClr val="accent1"/>
+          </a:fillRef>
+          <a:effectRef idx="0">
+            <a:schemeClr val="accent1"/>
+          </a:effectRef>
+          <a:fontRef idx="minor">
+            <a:schemeClr val="lt1"/>
+          </a:fontRef>
+        </p:style>
+        <p:txBody>
+          <a:bodyPr rtlCol="0" anchor="ctr"/>
+          <a:lstStyle/>
+          <a:p>
+            <a:pPr algn="ctr"/>
+            <a:r>
+              <a:rPr lang="en-US" altLang="zh-CN" b="1" dirty="0" smtClean="0">
+                <a:solidFill>
+                  <a:schemeClr val="tx1"/>
+                </a:solidFill>
+              </a:rPr>
+              <a:t>Build</a:t>
+            </a:r>
+            <a:r>
+              <a:rPr lang="zh-CN" altLang="en-US" b="1" dirty="0" smtClean="0">
+                <a:solidFill>
+                  <a:schemeClr val="tx1"/>
+                </a:solidFill>
+              </a:rPr>
+              <a:t>工程后生成对应</a:t>
+            </a:r>
+            <a:r>
+              <a:rPr lang="en-US" altLang="zh-CN" b="1" dirty="0" smtClean="0">
+                <a:solidFill>
+                  <a:schemeClr val="tx1"/>
+                </a:solidFill>
+              </a:rPr>
+              <a:t>aidl</a:t>
+            </a:r>
+            <a:r>
+              <a:rPr lang="zh-CN" altLang="en-US" b="1" dirty="0" smtClean="0">
+                <a:solidFill>
+                  <a:schemeClr val="tx1"/>
+                </a:solidFill>
+              </a:rPr>
+              <a:t>的</a:t>
+            </a:r>
+            <a:r>
+              <a:rPr lang="en-US" altLang="zh-CN" b="1" dirty="0" smtClean="0">
+                <a:solidFill>
+                  <a:schemeClr val="tx1"/>
+                </a:solidFill>
+              </a:rPr>
+              <a:t>.java</a:t>
+            </a:r>
+            <a:r>
+              <a:rPr lang="zh-CN" altLang="en-US" b="1" dirty="0" smtClean="0">
+                <a:solidFill>
+                  <a:schemeClr val="tx1"/>
+                </a:solidFill>
+              </a:rPr>
+              <a:t>文件</a:t>
+            </a:r>
+            <a:endParaRPr lang="zh-CN" altLang="en-US" b="1" dirty="0">
+              <a:solidFill>
+                <a:schemeClr val="tx1"/>
+              </a:solidFill>
+            </a:endParaRPr>
+          </a:p>
+        </p:txBody>
+      </p:sp>
+    </p:spTree>
+    <p:extLst>
+      <p:ext uri="{BB962C8B-B14F-4D97-AF65-F5344CB8AC3E}">
+        <p14:creationId xmlns:p14="http://schemas.microsoft.com/office/powerpoint/2010/main" val="2066158828"/>
+      </p:ext>
+    </p:extLst>
+  </p:cSld>
+  <p:clrMapOvr>
+    <a:masterClrMapping/>
+  </p:clrMapOvr>
+  <p:timing>
+    <p:tnLst>
+      <p:par>
+        <p:cTn id="1" dur="indefinite" restart="never" nodeType="tmRoot"/>
+      </p:par>
+    </p:tnLst>
+  </p:timing>
+</p:sld>
+</file>
+
+<file path=ppt/slides/slide36.xml><?xml version="1.0" encoding="utf-8"?>
+<p:sld xmlns:a="http://schemas.openxmlformats.org/drawingml/2006/main" xmlns:r="http://schemas.openxmlformats.org/officeDocument/2006/relationships" xmlns:p="http://schemas.openxmlformats.org/presentationml/2006/main">
+  <p:cSld>
+    <p:spTree>
+      <p:nvGrpSpPr>
+        <p:cNvPr id="1" name=""/>
+        <p:cNvGrpSpPr/>
+        <p:nvPr/>
+      </p:nvGrpSpPr>
+      <p:grpSpPr>
+        <a:xfrm>
+          <a:off x="0" y="0"/>
+          <a:ext cx="0" cy="0"/>
+          <a:chOff x="0" y="0"/>
+          <a:chExt cx="0" cy="0"/>
+        </a:xfrm>
+      </p:grpSpPr>
+      <p:sp>
+        <p:nvSpPr>
+          <p:cNvPr id="4" name="内容占位符 3"/>
+          <p:cNvSpPr>
+            <a:spLocks noGrp="1"/>
+          </p:cNvSpPr>
+          <p:nvPr>
+            <p:ph idx="1"/>
+          </p:nvPr>
+        </p:nvSpPr>
+        <p:spPr>
+          <a:xfrm>
+            <a:off x="911424" y="1600200"/>
+            <a:ext cx="10729192" cy="4853136"/>
+          </a:xfrm>
+        </p:spPr>
+        <p:txBody>
+          <a:bodyPr>
+            <a:noAutofit/>
+          </a:bodyPr>
+          <a:lstStyle/>
+          <a:p>
+            <a:r>
+              <a:rPr lang="en-US" altLang="zh-CN" sz="3200" dirty="0">
+                <a:solidFill>
+                  <a:schemeClr val="tx1">
+                    <a:lumMod val="85000"/>
+                    <a:lumOff val="15000"/>
+                  </a:schemeClr>
+                </a:solidFill>
+              </a:rPr>
+              <a:t> </a:t>
+            </a:r>
+            <a:r>
+              <a:rPr lang="zh-CN" altLang="en-US" sz="3200" dirty="0">
+                <a:solidFill>
+                  <a:schemeClr val="tx1">
+                    <a:lumMod val="85000"/>
+                    <a:lumOff val="15000"/>
+                  </a:schemeClr>
+                </a:solidFill>
+              </a:rPr>
+              <a:t>访问</a:t>
+            </a:r>
+            <a:r>
+              <a:rPr lang="en-US" altLang="zh-CN" sz="3200" dirty="0" err="1">
+                <a:solidFill>
+                  <a:schemeClr val="tx1">
+                    <a:lumMod val="85000"/>
+                    <a:lumOff val="15000"/>
+                  </a:schemeClr>
+                </a:solidFill>
+              </a:rPr>
+              <a:t>AIDLService</a:t>
+            </a:r>
+            <a:r>
+              <a:rPr lang="zh-CN" altLang="en-US" sz="3200" dirty="0">
+                <a:solidFill>
+                  <a:schemeClr val="tx1">
+                    <a:lumMod val="85000"/>
+                    <a:lumOff val="15000"/>
+                  </a:schemeClr>
+                </a:solidFill>
+              </a:rPr>
+              <a:t>的步骤：</a:t>
+            </a:r>
+            <a:endParaRPr lang="en-US" altLang="zh-CN" sz="3200" dirty="0">
+              <a:solidFill>
+                <a:schemeClr val="tx1">
+                  <a:lumMod val="85000"/>
+                  <a:lumOff val="15000"/>
+                </a:schemeClr>
+              </a:solidFill>
+            </a:endParaRPr>
+          </a:p>
+          <a:p>
+            <a:pPr marL="457200" lvl="1" indent="0">
+              <a:spcBef>
+                <a:spcPts val="1200"/>
+              </a:spcBef>
+              <a:buNone/>
+            </a:pPr>
+            <a:r>
+              <a:rPr lang="en-US" altLang="zh-CN" sz="3200" dirty="0" smtClean="0">
+                <a:solidFill>
+                  <a:schemeClr val="tx1">
+                    <a:lumMod val="85000"/>
+                    <a:lumOff val="15000"/>
+                  </a:schemeClr>
+                </a:solidFill>
+              </a:rPr>
+              <a:t>2. </a:t>
+            </a:r>
+            <a:r>
+              <a:rPr lang="zh-CN" altLang="en-US" sz="3200" dirty="0" smtClean="0">
+                <a:solidFill>
+                  <a:schemeClr val="tx1">
+                    <a:lumMod val="85000"/>
+                    <a:lumOff val="15000"/>
+                  </a:schemeClr>
+                </a:solidFill>
+              </a:rPr>
+              <a:t>创建</a:t>
+            </a:r>
+            <a:r>
+              <a:rPr lang="en-US" altLang="zh-CN" sz="3200" dirty="0">
+                <a:solidFill>
+                  <a:schemeClr val="tx1">
+                    <a:lumMod val="85000"/>
+                    <a:lumOff val="15000"/>
+                  </a:schemeClr>
+                </a:solidFill>
+              </a:rPr>
+              <a:t>ServiceConnection</a:t>
+            </a:r>
+            <a:r>
+              <a:rPr lang="zh-CN" altLang="en-US" sz="3200" dirty="0" smtClean="0">
+                <a:solidFill>
+                  <a:schemeClr val="tx1">
+                    <a:lumMod val="85000"/>
+                    <a:lumOff val="15000"/>
+                  </a:schemeClr>
+                </a:solidFill>
+              </a:rPr>
+              <a:t>对象</a:t>
+            </a:r>
+            <a:endParaRPr lang="en-US" altLang="zh-CN" sz="3200" dirty="0">
+              <a:solidFill>
+                <a:schemeClr val="tx1">
+                  <a:lumMod val="85000"/>
+                  <a:lumOff val="15000"/>
+                </a:schemeClr>
+              </a:solidFill>
+            </a:endParaRPr>
+          </a:p>
+        </p:txBody>
+      </p:sp>
+      <p:sp>
+        <p:nvSpPr>
+          <p:cNvPr id="2" name="标题 1"/>
+          <p:cNvSpPr>
+            <a:spLocks noGrp="1"/>
+          </p:cNvSpPr>
+          <p:nvPr>
+            <p:ph type="title"/>
+          </p:nvPr>
+        </p:nvSpPr>
+        <p:spPr/>
+        <p:txBody>
+          <a:bodyPr/>
+          <a:lstStyle/>
+          <a:p>
+            <a:r>
+              <a:rPr lang="en-US" altLang="zh-CN"/>
+              <a:t>Step3</a:t>
+            </a:r>
+            <a:r>
+              <a:rPr lang="zh-CN" altLang="en-US"/>
+              <a:t>、客户端访问</a:t>
+            </a:r>
+            <a:r>
+              <a:rPr lang="en-US" altLang="zh-CN"/>
+              <a:t>AIDLService</a:t>
+            </a:r>
+            <a:endParaRPr lang="zh-CN" altLang="en-US"/>
+          </a:p>
+        </p:txBody>
+      </p:sp>
+      <p:pic>
+        <p:nvPicPr>
+          <p:cNvPr id="3" name="图片 2"/>
+          <p:cNvPicPr>
+            <a:picLocks noChangeAspect="1"/>
+          </p:cNvPicPr>
+          <p:nvPr/>
+        </p:nvPicPr>
+        <p:blipFill>
+          <a:blip r:embed="rId3"/>
+          <a:stretch>
+            <a:fillRect/>
+          </a:stretch>
+        </p:blipFill>
+        <p:spPr>
+          <a:xfrm>
+            <a:off x="1258548" y="3356992"/>
+            <a:ext cx="2636600" cy="2448272"/>
+          </a:xfrm>
+          <a:prstGeom prst="rect">
+            <a:avLst/>
+          </a:prstGeom>
+        </p:spPr>
+      </p:pic>
+      <p:pic>
+        <p:nvPicPr>
+          <p:cNvPr id="5" name="图片 4"/>
+          <p:cNvPicPr>
+            <a:picLocks noChangeAspect="1"/>
+          </p:cNvPicPr>
+          <p:nvPr/>
+        </p:nvPicPr>
+        <p:blipFill>
+          <a:blip r:embed="rId4"/>
+          <a:stretch>
+            <a:fillRect/>
+          </a:stretch>
+        </p:blipFill>
+        <p:spPr>
+          <a:xfrm>
+            <a:off x="4943872" y="2820428"/>
+            <a:ext cx="6250246" cy="3982299"/>
+          </a:xfrm>
+          <a:prstGeom prst="rect">
+            <a:avLst/>
+          </a:prstGeom>
+        </p:spPr>
+      </p:pic>
+    </p:spTree>
+    <p:extLst>
+      <p:ext uri="{BB962C8B-B14F-4D97-AF65-F5344CB8AC3E}">
+        <p14:creationId xmlns:p14="http://schemas.microsoft.com/office/powerpoint/2010/main" val="1337627586"/>
+      </p:ext>
+    </p:extLst>
+  </p:cSld>
+  <p:clrMapOvr>
+    <a:masterClrMapping/>
+  </p:clrMapOvr>
+  <p:timing>
+    <p:tnLst>
+      <p:par>
+        <p:cTn id="1" dur="indefinite" restart="never" nodeType="tmRoot"/>
+      </p:par>
+    </p:tnLst>
+  </p:timing>
+</p:sld>
+</file>
+
+<file path=ppt/slides/slide37.xml><?xml version="1.0" encoding="utf-8"?>
+<p:sld xmlns:a="http://schemas.openxmlformats.org/drawingml/2006/main" xmlns:r="http://schemas.openxmlformats.org/officeDocument/2006/relationships" xmlns:p="http://schemas.openxmlformats.org/presentationml/2006/main">
+  <p:cSld>
+    <p:spTree>
+      <p:nvGrpSpPr>
+        <p:cNvPr id="1" name=""/>
+        <p:cNvGrpSpPr/>
+        <p:nvPr/>
+      </p:nvGrpSpPr>
+      <p:grpSpPr>
+        <a:xfrm>
+          <a:off x="0" y="0"/>
+          <a:ext cx="0" cy="0"/>
+          <a:chOff x="0" y="0"/>
+          <a:chExt cx="0" cy="0"/>
+        </a:xfrm>
+      </p:grpSpPr>
+      <p:sp>
+        <p:nvSpPr>
+          <p:cNvPr id="4" name="内容占位符 3"/>
+          <p:cNvSpPr>
+            <a:spLocks noGrp="1"/>
+          </p:cNvSpPr>
+          <p:nvPr>
+            <p:ph idx="1"/>
+          </p:nvPr>
+        </p:nvSpPr>
+        <p:spPr>
+          <a:xfrm>
+            <a:off x="911424" y="1600200"/>
+            <a:ext cx="10729192" cy="4853136"/>
+          </a:xfrm>
+        </p:spPr>
+        <p:txBody>
+          <a:bodyPr>
+            <a:noAutofit/>
+          </a:bodyPr>
+          <a:lstStyle/>
+          <a:p>
+            <a:r>
+              <a:rPr lang="en-US" altLang="zh-CN" sz="3200" dirty="0">
+                <a:solidFill>
+                  <a:schemeClr val="tx1">
+                    <a:lumMod val="85000"/>
+                    <a:lumOff val="15000"/>
+                  </a:schemeClr>
+                </a:solidFill>
+              </a:rPr>
+              <a:t> </a:t>
+            </a:r>
+            <a:r>
+              <a:rPr lang="zh-CN" altLang="en-US" sz="3200" dirty="0">
+                <a:solidFill>
+                  <a:schemeClr val="tx1">
+                    <a:lumMod val="85000"/>
+                    <a:lumOff val="15000"/>
+                  </a:schemeClr>
+                </a:solidFill>
+              </a:rPr>
+              <a:t>访问</a:t>
+            </a:r>
+            <a:r>
+              <a:rPr lang="en-US" altLang="zh-CN" sz="3200" dirty="0" err="1">
+                <a:solidFill>
+                  <a:schemeClr val="tx1">
+                    <a:lumMod val="85000"/>
+                    <a:lumOff val="15000"/>
+                  </a:schemeClr>
+                </a:solidFill>
+              </a:rPr>
+              <a:t>AIDLService</a:t>
+            </a:r>
+            <a:r>
+              <a:rPr lang="zh-CN" altLang="en-US" sz="3200" dirty="0">
+                <a:solidFill>
+                  <a:schemeClr val="tx1">
+                    <a:lumMod val="85000"/>
+                    <a:lumOff val="15000"/>
+                  </a:schemeClr>
+                </a:solidFill>
+              </a:rPr>
+              <a:t>的步骤：</a:t>
+            </a:r>
+            <a:endParaRPr lang="en-US" altLang="zh-CN" sz="3200" dirty="0">
+              <a:solidFill>
+                <a:schemeClr val="tx1">
+                  <a:lumMod val="85000"/>
+                  <a:lumOff val="15000"/>
+                </a:schemeClr>
+              </a:solidFill>
+            </a:endParaRPr>
+          </a:p>
+          <a:p>
+            <a:pPr marL="457200" lvl="1" indent="0">
+              <a:spcBef>
+                <a:spcPts val="1200"/>
+              </a:spcBef>
+              <a:buNone/>
+            </a:pPr>
+            <a:r>
+              <a:rPr lang="en-US" altLang="zh-CN" sz="3200" dirty="0" smtClean="0">
+                <a:solidFill>
+                  <a:schemeClr val="tx1">
+                    <a:lumMod val="85000"/>
+                    <a:lumOff val="15000"/>
+                  </a:schemeClr>
+                </a:solidFill>
+              </a:rPr>
+              <a:t>3. </a:t>
+            </a:r>
+            <a:r>
+              <a:rPr lang="zh-CN" altLang="en-US" sz="3200" dirty="0" smtClean="0">
+                <a:solidFill>
+                  <a:schemeClr val="tx1">
+                    <a:lumMod val="85000"/>
+                    <a:lumOff val="15000"/>
+                  </a:schemeClr>
+                </a:solidFill>
+              </a:rPr>
+              <a:t>调用</a:t>
+            </a:r>
+            <a:r>
+              <a:rPr lang="en-US" altLang="zh-CN" sz="3200" dirty="0" err="1">
+                <a:solidFill>
+                  <a:schemeClr val="tx1">
+                    <a:lumMod val="85000"/>
+                    <a:lumOff val="15000"/>
+                  </a:schemeClr>
+                </a:solidFill>
+              </a:rPr>
+              <a:t>Context.bindService</a:t>
+            </a:r>
+            <a:r>
+              <a:rPr lang="en-US" altLang="zh-CN" sz="3200" dirty="0">
+                <a:solidFill>
+                  <a:schemeClr val="tx1">
+                    <a:lumMod val="85000"/>
+                    <a:lumOff val="15000"/>
+                  </a:schemeClr>
+                </a:solidFill>
+              </a:rPr>
+              <a:t>()</a:t>
+            </a:r>
+            <a:r>
+              <a:rPr lang="zh-CN" altLang="en-US" sz="3200" dirty="0">
+                <a:solidFill>
+                  <a:schemeClr val="tx1">
+                    <a:lumMod val="85000"/>
+                    <a:lumOff val="15000"/>
+                  </a:schemeClr>
+                </a:solidFill>
+              </a:rPr>
+              <a:t>方法绑定远程</a:t>
+            </a:r>
+            <a:r>
+              <a:rPr lang="en-US" altLang="zh-CN" sz="3200" dirty="0" smtClean="0">
+                <a:solidFill>
+                  <a:schemeClr val="tx1">
+                    <a:lumMod val="85000"/>
+                    <a:lumOff val="15000"/>
+                  </a:schemeClr>
+                </a:solidFill>
+              </a:rPr>
+              <a:t>Service</a:t>
+            </a:r>
+            <a:r>
+              <a:rPr lang="zh-CN" altLang="en-US" sz="3200" dirty="0" smtClean="0">
+                <a:solidFill>
+                  <a:schemeClr val="tx1">
+                    <a:lumMod val="85000"/>
+                    <a:lumOff val="15000"/>
+                  </a:schemeClr>
+                </a:solidFill>
+              </a:rPr>
+              <a:t>。</a:t>
+            </a:r>
+            <a:endParaRPr lang="en-US" altLang="zh-CN" sz="3200" dirty="0">
+              <a:solidFill>
+                <a:schemeClr val="tx1">
+                  <a:lumMod val="85000"/>
+                  <a:lumOff val="15000"/>
+                </a:schemeClr>
+              </a:solidFill>
+            </a:endParaRPr>
+          </a:p>
+        </p:txBody>
+      </p:sp>
+      <p:sp>
+        <p:nvSpPr>
+          <p:cNvPr id="2" name="标题 1"/>
+          <p:cNvSpPr>
+            <a:spLocks noGrp="1"/>
+          </p:cNvSpPr>
+          <p:nvPr>
+            <p:ph type="title"/>
+          </p:nvPr>
+        </p:nvSpPr>
+        <p:spPr/>
+        <p:txBody>
+          <a:bodyPr/>
+          <a:lstStyle/>
+          <a:p>
+            <a:r>
+              <a:rPr lang="en-US" altLang="zh-CN"/>
+              <a:t>Step3</a:t>
+            </a:r>
+            <a:r>
+              <a:rPr lang="zh-CN" altLang="en-US"/>
+              <a:t>、客户端访问</a:t>
+            </a:r>
+            <a:r>
+              <a:rPr lang="en-US" altLang="zh-CN"/>
+              <a:t>AIDLService</a:t>
+            </a:r>
+            <a:endParaRPr lang="zh-CN" altLang="en-US"/>
+          </a:p>
+        </p:txBody>
+      </p:sp>
+      <p:pic>
+        <p:nvPicPr>
+          <p:cNvPr id="6" name="图片 5"/>
+          <p:cNvPicPr>
+            <a:picLocks noChangeAspect="1"/>
+          </p:cNvPicPr>
+          <p:nvPr/>
+        </p:nvPicPr>
+        <p:blipFill>
+          <a:blip r:embed="rId3"/>
+          <a:stretch>
+            <a:fillRect/>
+          </a:stretch>
+        </p:blipFill>
+        <p:spPr>
+          <a:xfrm>
+            <a:off x="2495600" y="2852936"/>
+            <a:ext cx="6459542" cy="3600400"/>
+          </a:xfrm>
+          <a:prstGeom prst="rect">
+            <a:avLst/>
+          </a:prstGeom>
+        </p:spPr>
+      </p:pic>
+    </p:spTree>
+    <p:extLst>
+      <p:ext uri="{BB962C8B-B14F-4D97-AF65-F5344CB8AC3E}">
+        <p14:creationId xmlns:p14="http://schemas.microsoft.com/office/powerpoint/2010/main" val="170072268"/>
+      </p:ext>
+    </p:extLst>
+  </p:cSld>
+  <p:clrMapOvr>
+    <a:masterClrMapping/>
+  </p:clrMapOvr>
+  <p:timing>
+    <p:tnLst>
+      <p:par>
+        <p:cTn id="1" dur="indefinite" restart="never" nodeType="tmRoot"/>
+      </p:par>
+    </p:tnLst>
+  </p:timing>
+</p:sld>
+</file>
+
+<file path=ppt/slides/slide38.xml><?xml version="1.0" encoding="utf-8"?>
+<p:sld xmlns:a="http://schemas.openxmlformats.org/drawingml/2006/main" xmlns:r="http://schemas.openxmlformats.org/officeDocument/2006/relationships" xmlns:p="http://schemas.openxmlformats.org/presentationml/2006/main">
+  <p:cSld>
+    <p:spTree>
+      <p:nvGrpSpPr>
+        <p:cNvPr id="1" name=""/>
+        <p:cNvGrpSpPr/>
+        <p:nvPr/>
+      </p:nvGrpSpPr>
+      <p:grpSpPr>
+        <a:xfrm>
+          <a:off x="0" y="0"/>
+          <a:ext cx="0" cy="0"/>
+          <a:chOff x="0" y="0"/>
+          <a:chExt cx="0" cy="0"/>
+        </a:xfrm>
+      </p:grpSpPr>
+      <p:sp>
+        <p:nvSpPr>
+          <p:cNvPr id="4" name="内容占位符 3"/>
+          <p:cNvSpPr>
+            <a:spLocks noGrp="1"/>
+          </p:cNvSpPr>
+          <p:nvPr>
+            <p:ph idx="1"/>
+          </p:nvPr>
+        </p:nvSpPr>
+        <p:spPr>
+          <a:xfrm>
+            <a:off x="911424" y="1600200"/>
+            <a:ext cx="10729192" cy="4853136"/>
+          </a:xfrm>
+        </p:spPr>
+        <p:txBody>
+          <a:bodyPr>
+            <a:noAutofit/>
+          </a:bodyPr>
+          <a:lstStyle/>
+          <a:p>
+            <a:r>
+              <a:rPr lang="en-US" altLang="zh-CN" sz="3200" dirty="0">
+                <a:solidFill>
+                  <a:schemeClr val="tx1">
+                    <a:lumMod val="85000"/>
+                    <a:lumOff val="15000"/>
+                  </a:schemeClr>
+                </a:solidFill>
+              </a:rPr>
+              <a:t> </a:t>
+            </a:r>
+            <a:r>
+              <a:rPr lang="zh-CN" altLang="en-US" sz="3200" dirty="0">
+                <a:solidFill>
+                  <a:schemeClr val="tx1">
+                    <a:lumMod val="85000"/>
+                    <a:lumOff val="15000"/>
+                  </a:schemeClr>
+                </a:solidFill>
+              </a:rPr>
+              <a:t>访问</a:t>
+            </a:r>
+            <a:r>
+              <a:rPr lang="en-US" altLang="zh-CN" sz="3200" dirty="0" err="1">
+                <a:solidFill>
+                  <a:schemeClr val="tx1">
+                    <a:lumMod val="85000"/>
+                    <a:lumOff val="15000"/>
+                  </a:schemeClr>
+                </a:solidFill>
+              </a:rPr>
+              <a:t>AIDLService</a:t>
+            </a:r>
+            <a:r>
+              <a:rPr lang="zh-CN" altLang="en-US" sz="3200" dirty="0">
+                <a:solidFill>
+                  <a:schemeClr val="tx1">
+                    <a:lumMod val="85000"/>
+                    <a:lumOff val="15000"/>
+                  </a:schemeClr>
+                </a:solidFill>
+              </a:rPr>
+              <a:t>的步骤：</a:t>
+            </a:r>
+            <a:endParaRPr lang="en-US" altLang="zh-CN" sz="3200" dirty="0">
+              <a:solidFill>
+                <a:schemeClr val="tx1">
+                  <a:lumMod val="85000"/>
+                  <a:lumOff val="15000"/>
+                </a:schemeClr>
+              </a:solidFill>
+            </a:endParaRPr>
+          </a:p>
+          <a:p>
+            <a:pPr marL="457200" lvl="1" indent="0">
+              <a:spcBef>
+                <a:spcPts val="1200"/>
+              </a:spcBef>
+              <a:buNone/>
+            </a:pPr>
+            <a:r>
+              <a:rPr lang="en-US" altLang="zh-CN" sz="3200" dirty="0" smtClean="0">
+                <a:solidFill>
+                  <a:schemeClr val="tx1">
+                    <a:lumMod val="85000"/>
+                    <a:lumOff val="15000"/>
+                  </a:schemeClr>
+                </a:solidFill>
+              </a:rPr>
+              <a:t>4. </a:t>
+            </a:r>
+            <a:r>
+              <a:rPr lang="zh-CN" altLang="en-US" sz="3200" dirty="0" smtClean="0">
+                <a:solidFill>
+                  <a:schemeClr val="tx1">
+                    <a:lumMod val="85000"/>
+                    <a:lumOff val="15000"/>
+                  </a:schemeClr>
+                </a:solidFill>
+              </a:rPr>
+              <a:t>在</a:t>
+            </a:r>
+            <a:r>
+              <a:rPr lang="en-US" altLang="zh-CN" sz="3200" dirty="0" err="1">
+                <a:solidFill>
+                  <a:schemeClr val="tx1">
+                    <a:lumMod val="85000"/>
+                    <a:lumOff val="15000"/>
+                  </a:schemeClr>
+                </a:solidFill>
+              </a:rPr>
+              <a:t>ServiceConnection</a:t>
+            </a:r>
+            <a:r>
+              <a:rPr lang="zh-CN" altLang="en-US" sz="3200" dirty="0">
+                <a:solidFill>
+                  <a:schemeClr val="tx1">
+                    <a:lumMod val="85000"/>
+                    <a:lumOff val="15000"/>
+                  </a:schemeClr>
+                </a:solidFill>
+              </a:rPr>
+              <a:t>对象的</a:t>
+            </a:r>
+            <a:r>
+              <a:rPr lang="en-US" altLang="zh-CN" sz="3200" dirty="0" err="1">
+                <a:solidFill>
+                  <a:schemeClr val="tx1">
+                    <a:lumMod val="85000"/>
+                    <a:lumOff val="15000"/>
+                  </a:schemeClr>
+                </a:solidFill>
+              </a:rPr>
+              <a:t>onServiceConnection</a:t>
+            </a:r>
+            <a:r>
+              <a:rPr lang="zh-CN" altLang="en-US" sz="3200" dirty="0">
+                <a:solidFill>
+                  <a:schemeClr val="tx1">
+                    <a:lumMod val="85000"/>
+                    <a:lumOff val="15000"/>
+                  </a:schemeClr>
+                </a:solidFill>
+              </a:rPr>
+              <a:t>方法中</a:t>
+            </a:r>
+            <a:r>
+              <a:rPr lang="zh-CN" altLang="en-US" sz="3200" dirty="0" smtClean="0">
+                <a:solidFill>
+                  <a:schemeClr val="tx1">
+                    <a:lumMod val="85000"/>
+                    <a:lumOff val="15000"/>
+                  </a:schemeClr>
+                </a:solidFill>
+              </a:rPr>
+              <a:t>进行</a:t>
+            </a:r>
+            <a:r>
+              <a:rPr lang="en-US" altLang="zh-CN" sz="3200" dirty="0" smtClean="0">
+                <a:solidFill>
+                  <a:schemeClr val="tx1">
+                    <a:lumMod val="85000"/>
+                    <a:lumOff val="15000"/>
+                  </a:schemeClr>
+                </a:solidFill>
+              </a:rPr>
+              <a:t>Service</a:t>
+            </a:r>
+            <a:r>
+              <a:rPr lang="zh-CN" altLang="en-US" sz="3200" dirty="0">
+                <a:solidFill>
+                  <a:schemeClr val="tx1">
+                    <a:lumMod val="85000"/>
+                    <a:lumOff val="15000"/>
+                  </a:schemeClr>
+                </a:solidFill>
+              </a:rPr>
+              <a:t>对象返回值的</a:t>
+            </a:r>
+            <a:r>
+              <a:rPr lang="zh-CN" altLang="en-US" sz="3200" dirty="0" smtClean="0">
+                <a:solidFill>
+                  <a:schemeClr val="tx1">
+                    <a:lumMod val="85000"/>
+                    <a:lumOff val="15000"/>
+                  </a:schemeClr>
+                </a:solidFill>
+              </a:rPr>
+              <a:t>处理。</a:t>
+            </a:r>
+            <a:endParaRPr lang="en-US" altLang="zh-CN" sz="3200" dirty="0">
+              <a:solidFill>
+                <a:schemeClr val="tx1">
+                  <a:lumMod val="85000"/>
+                  <a:lumOff val="15000"/>
+                </a:schemeClr>
+              </a:solidFill>
+            </a:endParaRPr>
+          </a:p>
+        </p:txBody>
+      </p:sp>
+      <p:sp>
+        <p:nvSpPr>
+          <p:cNvPr id="2" name="标题 1"/>
+          <p:cNvSpPr>
+            <a:spLocks noGrp="1"/>
+          </p:cNvSpPr>
+          <p:nvPr>
+            <p:ph type="title"/>
+          </p:nvPr>
+        </p:nvSpPr>
+        <p:spPr/>
+        <p:txBody>
+          <a:bodyPr/>
+          <a:lstStyle/>
+          <a:p>
+            <a:r>
+              <a:rPr lang="en-US" altLang="zh-CN"/>
+              <a:t>Step3</a:t>
+            </a:r>
+            <a:r>
+              <a:rPr lang="zh-CN" altLang="en-US"/>
+              <a:t>、客户端访问</a:t>
+            </a:r>
+            <a:r>
+              <a:rPr lang="en-US" altLang="zh-CN"/>
+              <a:t>AIDLService</a:t>
+            </a:r>
+            <a:endParaRPr lang="zh-CN" altLang="en-US"/>
+          </a:p>
+        </p:txBody>
+      </p:sp>
+      <p:pic>
+        <p:nvPicPr>
+          <p:cNvPr id="5" name="图片 4"/>
+          <p:cNvPicPr>
+            <a:picLocks noChangeAspect="1"/>
+          </p:cNvPicPr>
+          <p:nvPr/>
+        </p:nvPicPr>
+        <p:blipFill>
+          <a:blip r:embed="rId3"/>
+          <a:stretch>
+            <a:fillRect/>
+          </a:stretch>
+        </p:blipFill>
+        <p:spPr>
+          <a:xfrm>
+            <a:off x="6201246" y="3375248"/>
+            <a:ext cx="5219968" cy="2940201"/>
+          </a:xfrm>
+          <a:prstGeom prst="rect">
+            <a:avLst/>
+          </a:prstGeom>
+        </p:spPr>
+      </p:pic>
+      <p:pic>
+        <p:nvPicPr>
+          <p:cNvPr id="6" name="图片 5"/>
+          <p:cNvPicPr>
+            <a:picLocks noChangeAspect="1"/>
+          </p:cNvPicPr>
+          <p:nvPr/>
+        </p:nvPicPr>
+        <p:blipFill>
+          <a:blip r:embed="rId4"/>
+          <a:stretch>
+            <a:fillRect/>
+          </a:stretch>
+        </p:blipFill>
+        <p:spPr>
+          <a:xfrm>
+            <a:off x="335360" y="3379102"/>
+            <a:ext cx="5289822" cy="2965602"/>
+          </a:xfrm>
+          <a:prstGeom prst="rect">
+            <a:avLst/>
+          </a:prstGeom>
+        </p:spPr>
+      </p:pic>
+    </p:spTree>
+    <p:extLst>
+      <p:ext uri="{BB962C8B-B14F-4D97-AF65-F5344CB8AC3E}">
+        <p14:creationId xmlns:p14="http://schemas.microsoft.com/office/powerpoint/2010/main" val="252336504"/>
+      </p:ext>
+    </p:extLst>
+  </p:cSld>
+  <p:clrMapOvr>
+    <a:masterClrMapping/>
+  </p:clrMapOvr>
+  <p:timing>
+    <p:tnLst>
+      <p:par>
+        <p:cTn id="1" dur="indefinite" restart="never" nodeType="tmRoot"/>
+      </p:par>
+    </p:tnLst>
+  </p:timing>
+</p:sld>
+</file>
+
+<file path=ppt/slides/slide39.xml><?xml version="1.0" encoding="utf-8"?>
+<p:sld xmlns:a="http://schemas.openxmlformats.org/drawingml/2006/main" xmlns:r="http://schemas.openxmlformats.org/officeDocument/2006/relationships" xmlns:p="http://schemas.openxmlformats.org/presentationml/2006/main">
+  <p:cSld>
+    <p:spTree>
+      <p:nvGrpSpPr>
+        <p:cNvPr id="1" name=""/>
+        <p:cNvGrpSpPr/>
+        <p:nvPr/>
+      </p:nvGrpSpPr>
+      <p:grpSpPr>
+        <a:xfrm>
+          <a:off x="0" y="0"/>
+          <a:ext cx="0" cy="0"/>
+          <a:chOff x="0" y="0"/>
+          <a:chExt cx="0" cy="0"/>
+        </a:xfrm>
+      </p:grpSpPr>
+      <p:sp>
+        <p:nvSpPr>
+          <p:cNvPr id="4" name="内容占位符 3"/>
+          <p:cNvSpPr>
+            <a:spLocks noGrp="1"/>
+          </p:cNvSpPr>
+          <p:nvPr>
+            <p:ph idx="1"/>
+          </p:nvPr>
+        </p:nvSpPr>
+        <p:spPr>
+          <a:xfrm>
+            <a:off x="911424" y="1600200"/>
+            <a:ext cx="10729192" cy="4853136"/>
+          </a:xfrm>
+        </p:spPr>
+        <p:txBody>
+          <a:bodyPr>
+            <a:noAutofit/>
+          </a:bodyPr>
+          <a:lstStyle/>
+          <a:p>
+            <a:r>
+              <a:rPr lang="en-US" altLang="zh-CN" sz="3200" dirty="0">
+                <a:solidFill>
+                  <a:schemeClr val="tx1">
+                    <a:lumMod val="85000"/>
+                    <a:lumOff val="15000"/>
+                  </a:schemeClr>
+                </a:solidFill>
+              </a:rPr>
+              <a:t> </a:t>
+            </a:r>
+            <a:r>
+              <a:rPr lang="zh-CN" altLang="en-US" sz="3200" dirty="0">
+                <a:solidFill>
+                  <a:schemeClr val="tx1">
+                    <a:lumMod val="85000"/>
+                    <a:lumOff val="15000"/>
+                  </a:schemeClr>
+                </a:solidFill>
+              </a:rPr>
+              <a:t>访问</a:t>
+            </a:r>
+            <a:r>
+              <a:rPr lang="en-US" altLang="zh-CN" sz="3200" dirty="0" err="1">
+                <a:solidFill>
+                  <a:schemeClr val="tx1">
+                    <a:lumMod val="85000"/>
+                    <a:lumOff val="15000"/>
+                  </a:schemeClr>
+                </a:solidFill>
+              </a:rPr>
+              <a:t>AIDLService</a:t>
+            </a:r>
+            <a:r>
+              <a:rPr lang="zh-CN" altLang="en-US" sz="3200" dirty="0">
+                <a:solidFill>
+                  <a:schemeClr val="tx1">
+                    <a:lumMod val="85000"/>
+                    <a:lumOff val="15000"/>
+                  </a:schemeClr>
+                </a:solidFill>
+              </a:rPr>
+              <a:t>的步骤：</a:t>
+            </a:r>
+            <a:endParaRPr lang="en-US" altLang="zh-CN" sz="3200" dirty="0">
+              <a:solidFill>
+                <a:schemeClr val="tx1">
+                  <a:lumMod val="85000"/>
+                  <a:lumOff val="15000"/>
+                </a:schemeClr>
+              </a:solidFill>
+            </a:endParaRPr>
+          </a:p>
+          <a:p>
+            <a:pPr marL="457200" lvl="1" indent="0">
+              <a:spcBef>
+                <a:spcPts val="1200"/>
+              </a:spcBef>
+              <a:buNone/>
+            </a:pPr>
+            <a:r>
+              <a:rPr lang="en-US" altLang="zh-CN" sz="3200" dirty="0" smtClean="0">
+                <a:solidFill>
+                  <a:schemeClr val="tx1">
+                    <a:lumMod val="85000"/>
+                    <a:lumOff val="15000"/>
+                  </a:schemeClr>
+                </a:solidFill>
+              </a:rPr>
+              <a:t>5. </a:t>
+            </a:r>
+            <a:r>
+              <a:rPr lang="zh-CN" altLang="en-US" sz="3200" dirty="0" smtClean="0">
+                <a:solidFill>
+                  <a:schemeClr val="tx1">
+                    <a:lumMod val="85000"/>
+                    <a:lumOff val="15000"/>
+                  </a:schemeClr>
+                </a:solidFill>
+              </a:rPr>
+              <a:t>其它。</a:t>
+            </a:r>
+            <a:endParaRPr lang="en-US" altLang="zh-CN" sz="3200" dirty="0">
+              <a:solidFill>
+                <a:schemeClr val="tx1">
+                  <a:lumMod val="85000"/>
+                  <a:lumOff val="15000"/>
+                </a:schemeClr>
+              </a:solidFill>
+            </a:endParaRPr>
+          </a:p>
+        </p:txBody>
+      </p:sp>
+      <p:sp>
+        <p:nvSpPr>
+          <p:cNvPr id="2" name="标题 1"/>
+          <p:cNvSpPr>
+            <a:spLocks noGrp="1"/>
+          </p:cNvSpPr>
+          <p:nvPr>
+            <p:ph type="title"/>
+          </p:nvPr>
+        </p:nvSpPr>
+        <p:spPr/>
+        <p:txBody>
+          <a:bodyPr/>
+          <a:lstStyle/>
+          <a:p>
+            <a:r>
+              <a:rPr lang="en-US" altLang="zh-CN"/>
+              <a:t>Step3</a:t>
+            </a:r>
+            <a:r>
+              <a:rPr lang="zh-CN" altLang="en-US"/>
+              <a:t>、客户端访问</a:t>
+            </a:r>
+            <a:r>
+              <a:rPr lang="en-US" altLang="zh-CN"/>
+              <a:t>AIDLService</a:t>
+            </a:r>
+            <a:endParaRPr lang="zh-CN" altLang="en-US"/>
+          </a:p>
+        </p:txBody>
+      </p:sp>
+      <p:pic>
+        <p:nvPicPr>
+          <p:cNvPr id="3" name="图片 2"/>
+          <p:cNvPicPr>
+            <a:picLocks noChangeAspect="1"/>
+          </p:cNvPicPr>
+          <p:nvPr/>
+        </p:nvPicPr>
+        <p:blipFill>
+          <a:blip r:embed="rId3"/>
+          <a:stretch>
+            <a:fillRect/>
+          </a:stretch>
+        </p:blipFill>
+        <p:spPr>
+          <a:xfrm>
+            <a:off x="1947954" y="3343087"/>
+            <a:ext cx="4336760" cy="2102137"/>
+          </a:xfrm>
+          <a:prstGeom prst="rect">
+            <a:avLst/>
+          </a:prstGeom>
+        </p:spPr>
+      </p:pic>
+      <p:pic>
+        <p:nvPicPr>
+          <p:cNvPr id="7" name="图片 6"/>
+          <p:cNvPicPr>
+            <a:picLocks noChangeAspect="1"/>
+          </p:cNvPicPr>
+          <p:nvPr/>
+        </p:nvPicPr>
+        <p:blipFill>
+          <a:blip r:embed="rId4"/>
+          <a:stretch>
+            <a:fillRect/>
+          </a:stretch>
+        </p:blipFill>
+        <p:spPr>
+          <a:xfrm>
+            <a:off x="6916506" y="3314374"/>
+            <a:ext cx="2923910" cy="2130850"/>
+          </a:xfrm>
+          <a:prstGeom prst="rect">
+            <a:avLst/>
+          </a:prstGeom>
+        </p:spPr>
+      </p:pic>
+    </p:spTree>
+    <p:extLst>
+      <p:ext uri="{BB962C8B-B14F-4D97-AF65-F5344CB8AC3E}">
+        <p14:creationId xmlns:p14="http://schemas.microsoft.com/office/powerpoint/2010/main" val="217615813"/>
+      </p:ext>
+    </p:extLst>
+  </p:cSld>
+  <p:clrMapOvr>
+    <a:masterClrMapping/>
+  </p:clrMapOvr>
+  <p:timing>
+    <p:tnLst>
+      <p:par>
+        <p:cTn id="1" dur="indefinite" restart="never" nodeType="tmRoot"/>
+      </p:par>
+    </p:tnLst>
+  </p:timing>
+</p:sld>
+</file>
+
+<file path=ppt/slides/slide4.xml><?xml version="1.0" encoding="utf-8"?>
+<p:sld xmlns:a="http://schemas.openxmlformats.org/drawingml/2006/main" xmlns:r="http://schemas.openxmlformats.org/officeDocument/2006/relationships" xmlns:p="http://schemas.openxmlformats.org/presentationml/2006/main">
+  <p:cSld>
+    <p:spTree>
+      <p:nvGrpSpPr>
+        <p:cNvPr id="1" name=""/>
+        <p:cNvGrpSpPr/>
+        <p:nvPr/>
+      </p:nvGrpSpPr>
+      <p:grpSpPr>
+        <a:xfrm>
+          <a:off x="0" y="0"/>
+          <a:ext cx="0" cy="0"/>
+          <a:chOff x="0" y="0"/>
+          <a:chExt cx="0" cy="0"/>
+        </a:xfrm>
+      </p:grpSpPr>
+      <p:sp>
+        <p:nvSpPr>
+          <p:cNvPr id="4" name="内容占位符 3"/>
+          <p:cNvSpPr>
+            <a:spLocks noGrp="1"/>
+          </p:cNvSpPr>
+          <p:nvPr>
+            <p:ph idx="1"/>
+          </p:nvPr>
+        </p:nvSpPr>
+        <p:spPr>
+          <a:xfrm>
+            <a:off x="839416" y="1600200"/>
+            <a:ext cx="9371384" cy="748680"/>
+          </a:xfrm>
+        </p:spPr>
+        <p:txBody>
+          <a:bodyPr>
+            <a:normAutofit/>
+          </a:bodyPr>
+          <a:lstStyle/>
+          <a:p>
+            <a:r>
+              <a:rPr lang="en-US" altLang="zh-CN" sz="3200" dirty="0">
+                <a:solidFill>
+                  <a:schemeClr val="tx1">
+                    <a:lumMod val="85000"/>
+                    <a:lumOff val="15000"/>
+                  </a:schemeClr>
+                </a:solidFill>
+              </a:rPr>
+              <a:t>Android</a:t>
+            </a:r>
+            <a:r>
+              <a:rPr lang="zh-CN" altLang="en-US" sz="3200" dirty="0">
+                <a:solidFill>
+                  <a:schemeClr val="tx1">
+                    <a:lumMod val="85000"/>
+                    <a:lumOff val="15000"/>
+                  </a:schemeClr>
+                </a:solidFill>
+              </a:rPr>
+              <a:t>中经常会有这样一种程序？</a:t>
+            </a:r>
+            <a:endParaRPr lang="en-US" altLang="zh-CN" sz="3200" dirty="0">
+              <a:solidFill>
+                <a:schemeClr val="tx1">
+                  <a:lumMod val="85000"/>
+                  <a:lumOff val="15000"/>
+                </a:schemeClr>
+              </a:solidFill>
+            </a:endParaRPr>
+          </a:p>
+        </p:txBody>
+      </p:sp>
+      <p:sp>
+        <p:nvSpPr>
+          <p:cNvPr id="2" name="标题 1"/>
+          <p:cNvSpPr>
+            <a:spLocks noGrp="1"/>
+          </p:cNvSpPr>
+          <p:nvPr>
+            <p:ph type="title"/>
+          </p:nvPr>
+        </p:nvSpPr>
+        <p:spPr/>
+        <p:txBody>
+          <a:bodyPr/>
+          <a:lstStyle/>
+          <a:p>
+            <a:r>
+              <a:rPr lang="en-US" altLang="zh-CN"/>
+              <a:t>Service</a:t>
+            </a:r>
+            <a:r>
+              <a:rPr lang="zh-CN" altLang="en-US"/>
+              <a:t>简介</a:t>
+            </a:r>
+          </a:p>
+        </p:txBody>
+      </p:sp>
+      <p:pic>
+        <p:nvPicPr>
+          <p:cNvPr id="8" name="图片 7"/>
+          <p:cNvPicPr>
+            <a:picLocks noChangeAspect="1"/>
+          </p:cNvPicPr>
+          <p:nvPr/>
+        </p:nvPicPr>
+        <p:blipFill>
+          <a:blip r:embed="rId3">
+            <a:extLst>
+              <a:ext uri="{28A0092B-C50C-407E-A947-70E740481C1C}">
+                <a14:useLocalDpi xmlns:a14="http://schemas.microsoft.com/office/drawing/2010/main" val="0"/>
+              </a:ext>
+            </a:extLst>
+          </a:blip>
+          <a:stretch>
+            <a:fillRect/>
+          </a:stretch>
+        </p:blipFill>
+        <p:spPr>
+          <a:xfrm>
+            <a:off x="8138432" y="3140968"/>
+            <a:ext cx="2072368" cy="2059211"/>
+          </a:xfrm>
+          <a:prstGeom prst="rect">
+            <a:avLst/>
+          </a:prstGeom>
+          <a:effectLst>
+            <a:outerShdw blurRad="50800" dist="38100" dir="2700000" algn="tl" rotWithShape="0">
+              <a:prstClr val="black">
+                <a:alpha val="40000"/>
+              </a:prstClr>
+            </a:outerShdw>
+          </a:effectLst>
+        </p:spPr>
+      </p:pic>
+      <p:pic>
+        <p:nvPicPr>
+          <p:cNvPr id="9" name="图片 8"/>
+          <p:cNvPicPr>
+            <a:picLocks noChangeAspect="1"/>
+          </p:cNvPicPr>
+          <p:nvPr/>
+        </p:nvPicPr>
+        <p:blipFill>
+          <a:blip r:embed="rId4">
+            <a:extLst>
+              <a:ext uri="{28A0092B-C50C-407E-A947-70E740481C1C}">
+                <a14:useLocalDpi xmlns:a14="http://schemas.microsoft.com/office/drawing/2010/main" val="0"/>
+              </a:ext>
+            </a:extLst>
+          </a:blip>
+          <a:stretch>
+            <a:fillRect/>
+          </a:stretch>
+        </p:blipFill>
+        <p:spPr>
+          <a:xfrm>
+            <a:off x="4951089" y="3220221"/>
+            <a:ext cx="2585071" cy="2061186"/>
+          </a:xfrm>
+          <a:prstGeom prst="rect">
+            <a:avLst/>
+          </a:prstGeom>
+          <a:effectLst>
+            <a:outerShdw blurRad="50800" dist="38100" dir="2700000" algn="tl" rotWithShape="0">
+              <a:prstClr val="black">
+                <a:alpha val="40000"/>
+              </a:prstClr>
+            </a:outerShdw>
+          </a:effectLst>
+        </p:spPr>
+      </p:pic>
+      <p:pic>
+        <p:nvPicPr>
+          <p:cNvPr id="10" name="图片 9"/>
+          <p:cNvPicPr>
+            <a:picLocks noChangeAspect="1"/>
+          </p:cNvPicPr>
+          <p:nvPr/>
+        </p:nvPicPr>
+        <p:blipFill>
+          <a:blip r:embed="rId5" cstate="print">
+            <a:extLst>
+              <a:ext uri="{28A0092B-C50C-407E-A947-70E740481C1C}">
+                <a14:useLocalDpi xmlns:a14="http://schemas.microsoft.com/office/drawing/2010/main" val="0"/>
+              </a:ext>
+            </a:extLst>
+          </a:blip>
+          <a:stretch>
+            <a:fillRect/>
+          </a:stretch>
+        </p:blipFill>
+        <p:spPr>
+          <a:xfrm>
+            <a:off x="1911735" y="3140967"/>
+            <a:ext cx="2168041" cy="2168041"/>
+          </a:xfrm>
+          <a:prstGeom prst="rect">
+            <a:avLst/>
+          </a:prstGeom>
+          <a:effectLst>
+            <a:outerShdw blurRad="50800" dist="38100" dir="2700000" algn="tl" rotWithShape="0">
+              <a:prstClr val="black">
+                <a:alpha val="40000"/>
+              </a:prstClr>
+            </a:outerShdw>
+          </a:effectLst>
+        </p:spPr>
+      </p:pic>
+    </p:spTree>
+    <p:extLst>
+      <p:ext uri="{BB962C8B-B14F-4D97-AF65-F5344CB8AC3E}">
+        <p14:creationId xmlns:p14="http://schemas.microsoft.com/office/powerpoint/2010/main" val="396957897"/>
       </p:ext>
     </p:extLst>
   </p:cSld>
@@ -17903,7 +21628,7 @@
 </p:sld>
 </file>
 
-<file path=ppt/slides/slide31.xml><?xml version="1.0" encoding="utf-8"?>
+<file path=ppt/slides/slide40.xml><?xml version="1.0" encoding="utf-8"?>
 <p:sld xmlns:a="http://schemas.openxmlformats.org/drawingml/2006/main" xmlns:r="http://schemas.openxmlformats.org/officeDocument/2006/relationships" xmlns:p="http://schemas.openxmlformats.org/presentationml/2006/main">
   <p:cSld>
     <p:spTree>
@@ -19465,7 +23190,7 @@
 </p:sld>
 </file>
 
-<file path=ppt/slides/slide32.xml><?xml version="1.0" encoding="utf-8"?>
+<file path=ppt/slides/slide41.xml><?xml version="1.0" encoding="utf-8"?>
 <p:sld xmlns:a="http://schemas.openxmlformats.org/drawingml/2006/main" xmlns:r="http://schemas.openxmlformats.org/officeDocument/2006/relationships" xmlns:p="http://schemas.openxmlformats.org/presentationml/2006/main">
   <p:cSld>
     <p:spTree>
@@ -19806,7 +23531,7 @@
 </p:sld>
 </file>
 
-<file path=ppt/slides/slide33.xml><?xml version="1.0" encoding="utf-8"?>
+<file path=ppt/slides/slide42.xml><?xml version="1.0" encoding="utf-8"?>
 <p:sld xmlns:a="http://schemas.openxmlformats.org/drawingml/2006/main" xmlns:r="http://schemas.openxmlformats.org/officeDocument/2006/relationships" xmlns:p="http://schemas.openxmlformats.org/presentationml/2006/main">
   <p:cSld>
     <p:spTree>
@@ -20131,7 +23856,7 @@
 </p:sld>
 </file>
 
-<file path=ppt/slides/slide34.xml><?xml version="1.0" encoding="utf-8"?>
+<file path=ppt/slides/slide43.xml><?xml version="1.0" encoding="utf-8"?>
 <p:sld xmlns:a="http://schemas.openxmlformats.org/drawingml/2006/main" xmlns:r="http://schemas.openxmlformats.org/officeDocument/2006/relationships" xmlns:p="http://schemas.openxmlformats.org/presentationml/2006/main" show="0">
   <p:cSld>
     <p:spTree>
@@ -20320,7 +24045,7 @@
 </p:sld>
 </file>
 
-<file path=ppt/slides/slide35.xml><?xml version="1.0" encoding="utf-8"?>
+<file path=ppt/slides/slide44.xml><?xml version="1.0" encoding="utf-8"?>
 <p:sld xmlns:a="http://schemas.openxmlformats.org/drawingml/2006/main" xmlns:r="http://schemas.openxmlformats.org/officeDocument/2006/relationships" xmlns:p="http://schemas.openxmlformats.org/presentationml/2006/main">
   <p:cSld>
     <p:spTree>
@@ -20574,7 +24299,7 @@
 </p:sld>
 </file>
 
-<file path=ppt/slides/slide36.xml><?xml version="1.0" encoding="utf-8"?>
+<file path=ppt/slides/slide45.xml><?xml version="1.0" encoding="utf-8"?>
 <p:sld xmlns:a="http://schemas.openxmlformats.org/drawingml/2006/main" xmlns:r="http://schemas.openxmlformats.org/officeDocument/2006/relationships" xmlns:p="http://schemas.openxmlformats.org/presentationml/2006/main">
   <p:cSld>
     <p:spTree>
@@ -21537,7 +25262,7 @@
 </p:sld>
 </file>
 
-<file path=ppt/slides/slide37.xml><?xml version="1.0" encoding="utf-8"?>
+<file path=ppt/slides/slide46.xml><?xml version="1.0" encoding="utf-8"?>
 <p:sld xmlns:a="http://schemas.openxmlformats.org/drawingml/2006/main" xmlns:r="http://schemas.openxmlformats.org/officeDocument/2006/relationships" xmlns:p="http://schemas.openxmlformats.org/presentationml/2006/main">
   <p:cSld>
     <p:spTree>
@@ -22141,7 +25866,7 @@
 </p:sld>
 </file>
 
-<file path=ppt/slides/slide38.xml><?xml version="1.0" encoding="utf-8"?>
+<file path=ppt/slides/slide47.xml><?xml version="1.0" encoding="utf-8"?>
 <p:sld xmlns:a="http://schemas.openxmlformats.org/drawingml/2006/main" xmlns:r="http://schemas.openxmlformats.org/officeDocument/2006/relationships" xmlns:p="http://schemas.openxmlformats.org/presentationml/2006/main">
   <p:cSld>
     <p:spTree>
@@ -22557,7 +26282,7 @@
 </p:sld>
 </file>
 
-<file path=ppt/slides/slide39.xml><?xml version="1.0" encoding="utf-8"?>
+<file path=ppt/slides/slide48.xml><?xml version="1.0" encoding="utf-8"?>
 <p:sld xmlns:a="http://schemas.openxmlformats.org/drawingml/2006/main" xmlns:r="http://schemas.openxmlformats.org/officeDocument/2006/relationships" xmlns:p="http://schemas.openxmlformats.org/presentationml/2006/main">
   <p:cSld>
     <p:spTree>
@@ -24109,229 +27834,7 @@
 </p:sld>
 </file>
 
-<file path=ppt/slides/slide4.xml><?xml version="1.0" encoding="utf-8"?>
-<p:sld xmlns:a="http://schemas.openxmlformats.org/drawingml/2006/main" xmlns:r="http://schemas.openxmlformats.org/officeDocument/2006/relationships" xmlns:p="http://schemas.openxmlformats.org/presentationml/2006/main">
-  <p:cSld>
-    <p:spTree>
-      <p:nvGrpSpPr>
-        <p:cNvPr id="1" name=""/>
-        <p:cNvGrpSpPr/>
-        <p:nvPr/>
-      </p:nvGrpSpPr>
-      <p:grpSpPr>
-        <a:xfrm>
-          <a:off x="0" y="0"/>
-          <a:ext cx="0" cy="0"/>
-          <a:chOff x="0" y="0"/>
-          <a:chExt cx="0" cy="0"/>
-        </a:xfrm>
-      </p:grpSpPr>
-      <p:sp>
-        <p:nvSpPr>
-          <p:cNvPr id="4" name="内容占位符 3"/>
-          <p:cNvSpPr>
-            <a:spLocks noGrp="1"/>
-          </p:cNvSpPr>
-          <p:nvPr>
-            <p:ph idx="1"/>
-          </p:nvPr>
-        </p:nvSpPr>
-        <p:spPr>
-          <a:xfrm>
-            <a:off x="839416" y="1600200"/>
-            <a:ext cx="9371384" cy="748680"/>
-          </a:xfrm>
-        </p:spPr>
-        <p:txBody>
-          <a:bodyPr>
-            <a:normAutofit/>
-          </a:bodyPr>
-          <a:lstStyle/>
-          <a:p>
-            <a:r>
-              <a:rPr lang="en-US" altLang="zh-CN" sz="3200" dirty="0">
-                <a:solidFill>
-                  <a:schemeClr val="tx1">
-                    <a:lumMod val="85000"/>
-                    <a:lumOff val="15000"/>
-                  </a:schemeClr>
-                </a:solidFill>
-              </a:rPr>
-              <a:t>Android</a:t>
-            </a:r>
-            <a:r>
-              <a:rPr lang="zh-CN" altLang="en-US" sz="3200" dirty="0">
-                <a:solidFill>
-                  <a:schemeClr val="tx1">
-                    <a:lumMod val="85000"/>
-                    <a:lumOff val="15000"/>
-                  </a:schemeClr>
-                </a:solidFill>
-              </a:rPr>
-              <a:t>中经常会有这样一种程序？</a:t>
-            </a:r>
-            <a:endParaRPr lang="en-US" altLang="zh-CN" sz="3200" dirty="0">
-              <a:solidFill>
-                <a:schemeClr val="tx1">
-                  <a:lumMod val="85000"/>
-                  <a:lumOff val="15000"/>
-                </a:schemeClr>
-              </a:solidFill>
-            </a:endParaRPr>
-          </a:p>
-        </p:txBody>
-      </p:sp>
-      <p:sp>
-        <p:nvSpPr>
-          <p:cNvPr id="2" name="标题 1"/>
-          <p:cNvSpPr>
-            <a:spLocks noGrp="1"/>
-          </p:cNvSpPr>
-          <p:nvPr>
-            <p:ph type="title"/>
-          </p:nvPr>
-        </p:nvSpPr>
-        <p:spPr/>
-        <p:txBody>
-          <a:bodyPr/>
-          <a:lstStyle/>
-          <a:p>
-            <a:r>
-              <a:rPr lang="en-US" altLang="zh-CN"/>
-              <a:t>Service</a:t>
-            </a:r>
-            <a:r>
-              <a:rPr lang="zh-CN" altLang="en-US"/>
-              <a:t>简介</a:t>
-            </a:r>
-          </a:p>
-        </p:txBody>
-      </p:sp>
-      <p:pic>
-        <p:nvPicPr>
-          <p:cNvPr id="8" name="图片 7"/>
-          <p:cNvPicPr>
-            <a:picLocks noChangeAspect="1"/>
-          </p:cNvPicPr>
-          <p:nvPr/>
-        </p:nvPicPr>
-        <p:blipFill>
-          <a:blip r:embed="rId3">
-            <a:extLst>
-              <a:ext uri="{28A0092B-C50C-407E-A947-70E740481C1C}">
-                <a14:useLocalDpi xmlns:a14="http://schemas.microsoft.com/office/drawing/2010/main" val="0"/>
-              </a:ext>
-            </a:extLst>
-          </a:blip>
-          <a:stretch>
-            <a:fillRect/>
-          </a:stretch>
-        </p:blipFill>
-        <p:spPr>
-          <a:xfrm>
-            <a:off x="8138432" y="3140968"/>
-            <a:ext cx="2072368" cy="2059211"/>
-          </a:xfrm>
-          <a:prstGeom prst="rect">
-            <a:avLst/>
-          </a:prstGeom>
-          <a:effectLst>
-            <a:outerShdw blurRad="50800" dist="38100" dir="2700000" algn="tl" rotWithShape="0">
-              <a:prstClr val="black">
-                <a:alpha val="40000"/>
-              </a:prstClr>
-            </a:outerShdw>
-          </a:effectLst>
-        </p:spPr>
-      </p:pic>
-      <p:pic>
-        <p:nvPicPr>
-          <p:cNvPr id="9" name="图片 8"/>
-          <p:cNvPicPr>
-            <a:picLocks noChangeAspect="1"/>
-          </p:cNvPicPr>
-          <p:nvPr/>
-        </p:nvPicPr>
-        <p:blipFill>
-          <a:blip r:embed="rId4">
-            <a:extLst>
-              <a:ext uri="{28A0092B-C50C-407E-A947-70E740481C1C}">
-                <a14:useLocalDpi xmlns:a14="http://schemas.microsoft.com/office/drawing/2010/main" val="0"/>
-              </a:ext>
-            </a:extLst>
-          </a:blip>
-          <a:stretch>
-            <a:fillRect/>
-          </a:stretch>
-        </p:blipFill>
-        <p:spPr>
-          <a:xfrm>
-            <a:off x="4951089" y="3220221"/>
-            <a:ext cx="2585071" cy="2061186"/>
-          </a:xfrm>
-          <a:prstGeom prst="rect">
-            <a:avLst/>
-          </a:prstGeom>
-          <a:effectLst>
-            <a:outerShdw blurRad="50800" dist="38100" dir="2700000" algn="tl" rotWithShape="0">
-              <a:prstClr val="black">
-                <a:alpha val="40000"/>
-              </a:prstClr>
-            </a:outerShdw>
-          </a:effectLst>
-        </p:spPr>
-      </p:pic>
-      <p:pic>
-        <p:nvPicPr>
-          <p:cNvPr id="10" name="图片 9"/>
-          <p:cNvPicPr>
-            <a:picLocks noChangeAspect="1"/>
-          </p:cNvPicPr>
-          <p:nvPr/>
-        </p:nvPicPr>
-        <p:blipFill>
-          <a:blip r:embed="rId5" cstate="print">
-            <a:extLst>
-              <a:ext uri="{28A0092B-C50C-407E-A947-70E740481C1C}">
-                <a14:useLocalDpi xmlns:a14="http://schemas.microsoft.com/office/drawing/2010/main" val="0"/>
-              </a:ext>
-            </a:extLst>
-          </a:blip>
-          <a:stretch>
-            <a:fillRect/>
-          </a:stretch>
-        </p:blipFill>
-        <p:spPr>
-          <a:xfrm>
-            <a:off x="1911735" y="3140967"/>
-            <a:ext cx="2168041" cy="2168041"/>
-          </a:xfrm>
-          <a:prstGeom prst="rect">
-            <a:avLst/>
-          </a:prstGeom>
-          <a:effectLst>
-            <a:outerShdw blurRad="50800" dist="38100" dir="2700000" algn="tl" rotWithShape="0">
-              <a:prstClr val="black">
-                <a:alpha val="40000"/>
-              </a:prstClr>
-            </a:outerShdw>
-          </a:effectLst>
-        </p:spPr>
-      </p:pic>
-    </p:spTree>
-    <p:extLst>
-      <p:ext uri="{BB962C8B-B14F-4D97-AF65-F5344CB8AC3E}">
-        <p14:creationId xmlns:p14="http://schemas.microsoft.com/office/powerpoint/2010/main" val="396957897"/>
-      </p:ext>
-    </p:extLst>
-  </p:cSld>
-  <p:clrMapOvr>
-    <a:masterClrMapping/>
-  </p:clrMapOvr>
-</p:sld>
-</file>
-
-<file path=ppt/slides/slide40.xml><?xml version="1.0" encoding="utf-8"?>
+<file path=ppt/slides/slide49.xml><?xml version="1.0" encoding="utf-8"?>
 <p:sld xmlns:a="http://schemas.openxmlformats.org/drawingml/2006/main" xmlns:r="http://schemas.openxmlformats.org/officeDocument/2006/relationships" xmlns:p="http://schemas.openxmlformats.org/presentationml/2006/main">
   <p:cSld>
     <p:spTree>
@@ -28785,6 +32288,54 @@
           </a:p>
         </p:txBody>
       </p:sp>
+      <p:sp>
+        <p:nvSpPr>
+          <p:cNvPr id="3" name="矩形 2"/>
+          <p:cNvSpPr/>
+          <p:nvPr/>
+        </p:nvSpPr>
+        <p:spPr>
+          <a:xfrm>
+            <a:off x="2495600" y="3092584"/>
+            <a:ext cx="2232248" cy="360040"/>
+          </a:xfrm>
+          <a:prstGeom prst="rect">
+            <a:avLst/>
+          </a:prstGeom>
+        </p:spPr>
+        <p:style>
+          <a:lnRef idx="2">
+            <a:schemeClr val="accent1">
+              <a:shade val="50000"/>
+            </a:schemeClr>
+          </a:lnRef>
+          <a:fillRef idx="1">
+            <a:schemeClr val="accent1"/>
+          </a:fillRef>
+          <a:effectRef idx="0">
+            <a:schemeClr val="accent1"/>
+          </a:effectRef>
+          <a:fontRef idx="minor">
+            <a:schemeClr val="lt1"/>
+          </a:fontRef>
+        </p:style>
+        <p:txBody>
+          <a:bodyPr rtlCol="0" anchor="ctr"/>
+          <a:lstStyle/>
+          <a:p>
+            <a:pPr algn="ctr"/>
+            <a:r>
+              <a:rPr lang="en-US" altLang="zh-CN" dirty="0" err="1">
+                <a:solidFill>
+                  <a:srgbClr val="C00000"/>
+                </a:solidFill>
+              </a:rPr>
+              <a:t>onStartCommand</a:t>
+            </a:r>
+            <a:endParaRPr lang="zh-CN" altLang="en-US" dirty="0"/>
+          </a:p>
+        </p:txBody>
+      </p:sp>
     </p:spTree>
     <p:extLst>
       <p:ext uri="{BB962C8B-B14F-4D97-AF65-F5344CB8AC3E}">
